--- a/자료구조설계.pptx
+++ b/자료구조설계.pptx
@@ -5,34 +5,38 @@
     <p:sldMasterId id="2147483656" r:id="rId1"/>
   </p:sldMasterIdLst>
   <p:notesMasterIdLst>
-    <p:notesMasterId r:id="rId11"/>
+    <p:notesMasterId r:id="rId15"/>
   </p:notesMasterIdLst>
   <p:sldIdLst>
     <p:sldId id="257" r:id="rId2"/>
     <p:sldId id="260" r:id="rId3"/>
     <p:sldId id="261" r:id="rId4"/>
     <p:sldId id="258" r:id="rId5"/>
-    <p:sldId id="270" r:id="rId6"/>
-    <p:sldId id="263" r:id="rId7"/>
-    <p:sldId id="264" r:id="rId8"/>
-    <p:sldId id="271" r:id="rId9"/>
-    <p:sldId id="269" r:id="rId10"/>
+    <p:sldId id="272" r:id="rId6"/>
+    <p:sldId id="270" r:id="rId7"/>
+    <p:sldId id="263" r:id="rId8"/>
+    <p:sldId id="264" r:id="rId9"/>
+    <p:sldId id="271" r:id="rId10"/>
+    <p:sldId id="273" r:id="rId11"/>
+    <p:sldId id="274" r:id="rId12"/>
+    <p:sldId id="275" r:id="rId13"/>
+    <p:sldId id="269" r:id="rId14"/>
   </p:sldIdLst>
   <p:sldSz cx="12192000" cy="6858000"/>
   <p:notesSz cx="6858000" cy="9144000"/>
   <p:embeddedFontLst>
     <p:embeddedFont>
       <p:font typeface="나눔스퀘어 Bold" panose="020B0600000101010101" pitchFamily="50" charset="-127"/>
-      <p:bold r:id="rId12"/>
+      <p:bold r:id="rId16"/>
     </p:embeddedFont>
     <p:embeddedFont>
       <p:font typeface="나눔스퀘어 ExtraBold" panose="020B0600000101010101" pitchFamily="50" charset="-127"/>
-      <p:bold r:id="rId13"/>
+      <p:bold r:id="rId17"/>
     </p:embeddedFont>
     <p:embeddedFont>
       <p:font typeface="맑은 고딕" panose="020B0503020000020004" pitchFamily="50" charset="-127"/>
-      <p:regular r:id="rId14"/>
-      <p:bold r:id="rId15"/>
+      <p:regular r:id="rId18"/>
+      <p:bold r:id="rId19"/>
     </p:embeddedFont>
   </p:embeddedFontLst>
   <p:defaultTextStyle>
@@ -141,7 +145,7 @@
 <file path=ppt/revisionInfo.xml><?xml version="1.0" encoding="utf-8"?>
 <p1510:revInfo xmlns:a="http://schemas.openxmlformats.org/drawingml/2006/main" xmlns:r="http://schemas.openxmlformats.org/officeDocument/2006/relationships" xmlns:p1510="http://schemas.microsoft.com/office/powerpoint/2015/10/main">
   <p1510:revLst>
-    <p1510:client id="{F43B55C2-D55E-47F1-982D-A5DB43B9C1D1}" v="1983" dt="2018-09-09T17:30:26.726"/>
+    <p1510:client id="{F43B55C2-D55E-47F1-982D-A5DB43B9C1D1}" v="3018" dt="2018-09-11T18:01:29.412"/>
   </p1510:revLst>
 </p1510:revInfo>
 </file>
@@ -151,12 +155,12 @@
   <pc:docChgLst>
     <pc:chgData name="김 성재" userId="1555f3bbe0fac936" providerId="LiveId" clId="{F43B55C2-D55E-47F1-982D-A5DB43B9C1D1}"/>
     <pc:docChg chg="undo custSel addSld delSld modSld sldOrd">
-      <pc:chgData name="김 성재" userId="1555f3bbe0fac936" providerId="LiveId" clId="{F43B55C2-D55E-47F1-982D-A5DB43B9C1D1}" dt="2018-09-09T17:30:26.726" v="1982" actId="2696"/>
+      <pc:chgData name="김 성재" userId="1555f3bbe0fac936" providerId="LiveId" clId="{F43B55C2-D55E-47F1-982D-A5DB43B9C1D1}" dt="2018-09-11T18:01:29.412" v="3017" actId="20577"/>
       <pc:docMkLst>
         <pc:docMk/>
       </pc:docMkLst>
-      <pc:sldChg chg="addSp modSp">
-        <pc:chgData name="김 성재" userId="1555f3bbe0fac936" providerId="LiveId" clId="{F43B55C2-D55E-47F1-982D-A5DB43B9C1D1}" dt="2018-09-07T07:57:12.585" v="101"/>
+      <pc:sldChg chg="addSp delSp modSp">
+        <pc:chgData name="김 성재" userId="1555f3bbe0fac936" providerId="LiveId" clId="{F43B55C2-D55E-47F1-982D-A5DB43B9C1D1}" dt="2018-09-09T17:41:27.270" v="2014" actId="1076"/>
         <pc:sldMkLst>
           <pc:docMk/>
           <pc:sldMk cId="228288368" sldId="257"/>
@@ -178,16 +182,24 @@
           </ac:spMkLst>
         </pc:spChg>
         <pc:spChg chg="add mod">
-          <ac:chgData name="김 성재" userId="1555f3bbe0fac936" providerId="LiveId" clId="{F43B55C2-D55E-47F1-982D-A5DB43B9C1D1}" dt="2018-09-07T07:57:12.585" v="101"/>
+          <ac:chgData name="김 성재" userId="1555f3bbe0fac936" providerId="LiveId" clId="{F43B55C2-D55E-47F1-982D-A5DB43B9C1D1}" dt="2018-09-09T17:41:27.270" v="2014" actId="1076"/>
           <ac:spMkLst>
             <pc:docMk/>
             <pc:sldMk cId="228288368" sldId="257"/>
             <ac:spMk id="4" creationId="{9CB006F9-564B-4754-A915-6500F8021854}"/>
           </ac:spMkLst>
         </pc:spChg>
+        <pc:spChg chg="add del mod">
+          <ac:chgData name="김 성재" userId="1555f3bbe0fac936" providerId="LiveId" clId="{F43B55C2-D55E-47F1-982D-A5DB43B9C1D1}" dt="2018-09-09T17:41:07.274" v="2013" actId="478"/>
+          <ac:spMkLst>
+            <pc:docMk/>
+            <pc:sldMk cId="228288368" sldId="257"/>
+            <ac:spMk id="5" creationId="{4F7050B9-F1DC-487D-BFF5-985575960266}"/>
+          </ac:spMkLst>
+        </pc:spChg>
       </pc:sldChg>
       <pc:sldChg chg="addSp delSp modSp ord">
-        <pc:chgData name="김 성재" userId="1555f3bbe0fac936" providerId="LiveId" clId="{F43B55C2-D55E-47F1-982D-A5DB43B9C1D1}" dt="2018-09-09T17:05:59.501" v="1179"/>
+        <pc:chgData name="김 성재" userId="1555f3bbe0fac936" providerId="LiveId" clId="{F43B55C2-D55E-47F1-982D-A5DB43B9C1D1}" dt="2018-09-11T17:36:29.963" v="2021" actId="20577"/>
         <pc:sldMkLst>
           <pc:docMk/>
           <pc:sldMk cId="1489070648" sldId="258"/>
@@ -225,7 +237,7 @@
           </ac:spMkLst>
         </pc:spChg>
         <pc:spChg chg="add mod">
-          <ac:chgData name="김 성재" userId="1555f3bbe0fac936" providerId="LiveId" clId="{F43B55C2-D55E-47F1-982D-A5DB43B9C1D1}" dt="2018-09-09T16:47:03.859" v="623" actId="1035"/>
+          <ac:chgData name="김 성재" userId="1555f3bbe0fac936" providerId="LiveId" clId="{F43B55C2-D55E-47F1-982D-A5DB43B9C1D1}" dt="2018-09-11T17:36:29.963" v="2021" actId="20577"/>
           <ac:spMkLst>
             <pc:docMk/>
             <pc:sldMk cId="1489070648" sldId="258"/>
@@ -249,14 +261,14 @@
           </ac:cxnSpMkLst>
         </pc:cxnChg>
       </pc:sldChg>
-      <pc:sldChg chg="delSp modSp">
-        <pc:chgData name="김 성재" userId="1555f3bbe0fac936" providerId="LiveId" clId="{F43B55C2-D55E-47F1-982D-A5DB43B9C1D1}" dt="2018-09-09T17:29:43.328" v="1980" actId="1035"/>
+      <pc:sldChg chg="addSp delSp modSp">
+        <pc:chgData name="김 성재" userId="1555f3bbe0fac936" providerId="LiveId" clId="{F43B55C2-D55E-47F1-982D-A5DB43B9C1D1}" dt="2018-09-11T17:54:48.426" v="2937" actId="20577"/>
         <pc:sldMkLst>
           <pc:docMk/>
           <pc:sldMk cId="1723337297" sldId="260"/>
         </pc:sldMkLst>
         <pc:spChg chg="mod">
-          <ac:chgData name="김 성재" userId="1555f3bbe0fac936" providerId="LiveId" clId="{F43B55C2-D55E-47F1-982D-A5DB43B9C1D1}" dt="2018-09-09T17:29:43.328" v="1980" actId="1035"/>
+          <ac:chgData name="김 성재" userId="1555f3bbe0fac936" providerId="LiveId" clId="{F43B55C2-D55E-47F1-982D-A5DB43B9C1D1}" dt="2018-09-11T17:54:21.299" v="2926" actId="1038"/>
           <ac:spMkLst>
             <pc:docMk/>
             <pc:sldMk cId="1723337297" sldId="260"/>
@@ -264,7 +276,7 @@
           </ac:spMkLst>
         </pc:spChg>
         <pc:spChg chg="mod">
-          <ac:chgData name="김 성재" userId="1555f3bbe0fac936" providerId="LiveId" clId="{F43B55C2-D55E-47F1-982D-A5DB43B9C1D1}" dt="2018-09-09T17:29:43.328" v="1980" actId="1035"/>
+          <ac:chgData name="김 성재" userId="1555f3bbe0fac936" providerId="LiveId" clId="{F43B55C2-D55E-47F1-982D-A5DB43B9C1D1}" dt="2018-09-11T17:54:21.299" v="2926" actId="1038"/>
           <ac:spMkLst>
             <pc:docMk/>
             <pc:sldMk cId="1723337297" sldId="260"/>
@@ -272,7 +284,7 @@
           </ac:spMkLst>
         </pc:spChg>
         <pc:spChg chg="mod">
-          <ac:chgData name="김 성재" userId="1555f3bbe0fac936" providerId="LiveId" clId="{F43B55C2-D55E-47F1-982D-A5DB43B9C1D1}" dt="2018-09-09T17:29:43.328" v="1980" actId="1035"/>
+          <ac:chgData name="김 성재" userId="1555f3bbe0fac936" providerId="LiveId" clId="{F43B55C2-D55E-47F1-982D-A5DB43B9C1D1}" dt="2018-09-11T17:54:25.313" v="2927" actId="1076"/>
           <ac:spMkLst>
             <pc:docMk/>
             <pc:sldMk cId="1723337297" sldId="260"/>
@@ -280,7 +292,7 @@
           </ac:spMkLst>
         </pc:spChg>
         <pc:spChg chg="mod">
-          <ac:chgData name="김 성재" userId="1555f3bbe0fac936" providerId="LiveId" clId="{F43B55C2-D55E-47F1-982D-A5DB43B9C1D1}" dt="2018-09-09T17:29:43.328" v="1980" actId="1035"/>
+          <ac:chgData name="김 성재" userId="1555f3bbe0fac936" providerId="LiveId" clId="{F43B55C2-D55E-47F1-982D-A5DB43B9C1D1}" dt="2018-09-11T17:54:21.299" v="2926" actId="1038"/>
           <ac:spMkLst>
             <pc:docMk/>
             <pc:sldMk cId="1723337297" sldId="260"/>
@@ -295,12 +307,28 @@
             <ac:spMk id="8" creationId="{00000000-0000-0000-0000-000000000000}"/>
           </ac:spMkLst>
         </pc:spChg>
+        <pc:spChg chg="add mod">
+          <ac:chgData name="김 성재" userId="1555f3bbe0fac936" providerId="LiveId" clId="{F43B55C2-D55E-47F1-982D-A5DB43B9C1D1}" dt="2018-09-11T17:54:32.284" v="2931" actId="20577"/>
+          <ac:spMkLst>
+            <pc:docMk/>
+            <pc:sldMk cId="1723337297" sldId="260"/>
+            <ac:spMk id="8" creationId="{521984E1-2345-4543-A176-80D28EF28D85}"/>
+          </ac:spMkLst>
+        </pc:spChg>
         <pc:spChg chg="del">
           <ac:chgData name="김 성재" userId="1555f3bbe0fac936" providerId="LiveId" clId="{F43B55C2-D55E-47F1-982D-A5DB43B9C1D1}" dt="2018-09-09T17:29:34.173" v="1972" actId="478"/>
           <ac:spMkLst>
             <pc:docMk/>
             <pc:sldMk cId="1723337297" sldId="260"/>
             <ac:spMk id="9" creationId="{00000000-0000-0000-0000-000000000000}"/>
+          </ac:spMkLst>
+        </pc:spChg>
+        <pc:spChg chg="add mod">
+          <ac:chgData name="김 성재" userId="1555f3bbe0fac936" providerId="LiveId" clId="{F43B55C2-D55E-47F1-982D-A5DB43B9C1D1}" dt="2018-09-11T17:54:48.426" v="2937" actId="20577"/>
+          <ac:spMkLst>
+            <pc:docMk/>
+            <pc:sldMk cId="1723337297" sldId="260"/>
+            <ac:spMk id="9" creationId="{8E9E1906-556D-44F9-8615-EFC13416D910}"/>
           </ac:spMkLst>
         </pc:spChg>
         <pc:spChg chg="del">
@@ -335,149 +363,6 @@
           </ac:spMkLst>
         </pc:spChg>
       </pc:sldChg>
-      <pc:sldChg chg="delSp modSp del">
-        <pc:chgData name="김 성재" userId="1555f3bbe0fac936" providerId="LiveId" clId="{F43B55C2-D55E-47F1-982D-A5DB43B9C1D1}" dt="2018-09-09T17:29:47.910" v="1981" actId="2696"/>
-        <pc:sldMkLst>
-          <pc:docMk/>
-          <pc:sldMk cId="2240987367" sldId="262"/>
-        </pc:sldMkLst>
-        <pc:spChg chg="del mod">
-          <ac:chgData name="김 성재" userId="1555f3bbe0fac936" providerId="LiveId" clId="{F43B55C2-D55E-47F1-982D-A5DB43B9C1D1}" dt="2018-09-09T16:30:27.388" v="218" actId="478"/>
-          <ac:spMkLst>
-            <pc:docMk/>
-            <pc:sldMk cId="2240987367" sldId="262"/>
-            <ac:spMk id="3" creationId="{00000000-0000-0000-0000-000000000000}"/>
-          </ac:spMkLst>
-        </pc:spChg>
-        <pc:spChg chg="mod">
-          <ac:chgData name="김 성재" userId="1555f3bbe0fac936" providerId="LiveId" clId="{F43B55C2-D55E-47F1-982D-A5DB43B9C1D1}" dt="2018-09-09T16:30:24.711" v="217" actId="1037"/>
-          <ac:spMkLst>
-            <pc:docMk/>
-            <pc:sldMk cId="2240987367" sldId="262"/>
-            <ac:spMk id="4" creationId="{00000000-0000-0000-0000-000000000000}"/>
-          </ac:spMkLst>
-        </pc:spChg>
-        <pc:spChg chg="mod">
-          <ac:chgData name="김 성재" userId="1555f3bbe0fac936" providerId="LiveId" clId="{F43B55C2-D55E-47F1-982D-A5DB43B9C1D1}" dt="2018-09-09T16:30:24.711" v="217" actId="1037"/>
-          <ac:spMkLst>
-            <pc:docMk/>
-            <pc:sldMk cId="2240987367" sldId="262"/>
-            <ac:spMk id="5" creationId="{00000000-0000-0000-0000-000000000000}"/>
-          </ac:spMkLst>
-        </pc:spChg>
-        <pc:spChg chg="mod">
-          <ac:chgData name="김 성재" userId="1555f3bbe0fac936" providerId="LiveId" clId="{F43B55C2-D55E-47F1-982D-A5DB43B9C1D1}" dt="2018-09-09T16:30:24.711" v="217" actId="1037"/>
-          <ac:spMkLst>
-            <pc:docMk/>
-            <pc:sldMk cId="2240987367" sldId="262"/>
-            <ac:spMk id="6" creationId="{00000000-0000-0000-0000-000000000000}"/>
-          </ac:spMkLst>
-        </pc:spChg>
-        <pc:spChg chg="mod">
-          <ac:chgData name="김 성재" userId="1555f3bbe0fac936" providerId="LiveId" clId="{F43B55C2-D55E-47F1-982D-A5DB43B9C1D1}" dt="2018-09-09T16:30:24.711" v="217" actId="1037"/>
-          <ac:spMkLst>
-            <pc:docMk/>
-            <pc:sldMk cId="2240987367" sldId="262"/>
-            <ac:spMk id="7" creationId="{00000000-0000-0000-0000-000000000000}"/>
-          </ac:spMkLst>
-        </pc:spChg>
-        <pc:spChg chg="del">
-          <ac:chgData name="김 성재" userId="1555f3bbe0fac936" providerId="LiveId" clId="{F43B55C2-D55E-47F1-982D-A5DB43B9C1D1}" dt="2018-09-09T16:30:11.789" v="138" actId="478"/>
-          <ac:spMkLst>
-            <pc:docMk/>
-            <pc:sldMk cId="2240987367" sldId="262"/>
-            <ac:spMk id="8" creationId="{00000000-0000-0000-0000-000000000000}"/>
-          </ac:spMkLst>
-        </pc:spChg>
-        <pc:spChg chg="del">
-          <ac:chgData name="김 성재" userId="1555f3bbe0fac936" providerId="LiveId" clId="{F43B55C2-D55E-47F1-982D-A5DB43B9C1D1}" dt="2018-09-09T16:30:13.795" v="139" actId="478"/>
-          <ac:spMkLst>
-            <pc:docMk/>
-            <pc:sldMk cId="2240987367" sldId="262"/>
-            <ac:spMk id="9" creationId="{00000000-0000-0000-0000-000000000000}"/>
-          </ac:spMkLst>
-        </pc:spChg>
-        <pc:spChg chg="del">
-          <ac:chgData name="김 성재" userId="1555f3bbe0fac936" providerId="LiveId" clId="{F43B55C2-D55E-47F1-982D-A5DB43B9C1D1}" dt="2018-09-09T16:30:13.795" v="139" actId="478"/>
-          <ac:spMkLst>
-            <pc:docMk/>
-            <pc:sldMk cId="2240987367" sldId="262"/>
-            <ac:spMk id="10" creationId="{00000000-0000-0000-0000-000000000000}"/>
-          </ac:spMkLst>
-        </pc:spChg>
-        <pc:spChg chg="del">
-          <ac:chgData name="김 성재" userId="1555f3bbe0fac936" providerId="LiveId" clId="{F43B55C2-D55E-47F1-982D-A5DB43B9C1D1}" dt="2018-09-09T16:30:13.795" v="139" actId="478"/>
-          <ac:spMkLst>
-            <pc:docMk/>
-            <pc:sldMk cId="2240987367" sldId="262"/>
-            <ac:spMk id="11" creationId="{00000000-0000-0000-0000-000000000000}"/>
-          </ac:spMkLst>
-        </pc:spChg>
-        <pc:spChg chg="del mod">
-          <ac:chgData name="김 성재" userId="1555f3bbe0fac936" providerId="LiveId" clId="{F43B55C2-D55E-47F1-982D-A5DB43B9C1D1}" dt="2018-09-09T16:30:31.116" v="220" actId="478"/>
-          <ac:spMkLst>
-            <pc:docMk/>
-            <pc:sldMk cId="2240987367" sldId="262"/>
-            <ac:spMk id="14" creationId="{00000000-0000-0000-0000-000000000000}"/>
-          </ac:spMkLst>
-        </pc:spChg>
-        <pc:spChg chg="del">
-          <ac:chgData name="김 성재" userId="1555f3bbe0fac936" providerId="LiveId" clId="{F43B55C2-D55E-47F1-982D-A5DB43B9C1D1}" dt="2018-09-09T16:30:13.795" v="139" actId="478"/>
-          <ac:spMkLst>
-            <pc:docMk/>
-            <pc:sldMk cId="2240987367" sldId="262"/>
-            <ac:spMk id="15" creationId="{00000000-0000-0000-0000-000000000000}"/>
-          </ac:spMkLst>
-        </pc:spChg>
-        <pc:spChg chg="del">
-          <ac:chgData name="김 성재" userId="1555f3bbe0fac936" providerId="LiveId" clId="{F43B55C2-D55E-47F1-982D-A5DB43B9C1D1}" dt="2018-09-09T16:30:13.795" v="139" actId="478"/>
-          <ac:spMkLst>
-            <pc:docMk/>
-            <pc:sldMk cId="2240987367" sldId="262"/>
-            <ac:spMk id="16" creationId="{00000000-0000-0000-0000-000000000000}"/>
-          </ac:spMkLst>
-        </pc:spChg>
-        <pc:spChg chg="del mod">
-          <ac:chgData name="김 성재" userId="1555f3bbe0fac936" providerId="LiveId" clId="{F43B55C2-D55E-47F1-982D-A5DB43B9C1D1}" dt="2018-09-09T16:30:30.397" v="219" actId="478"/>
-          <ac:spMkLst>
-            <pc:docMk/>
-            <pc:sldMk cId="2240987367" sldId="262"/>
-            <ac:spMk id="17" creationId="{00000000-0000-0000-0000-000000000000}"/>
-          </ac:spMkLst>
-        </pc:spChg>
-        <pc:spChg chg="del mod">
-          <ac:chgData name="김 성재" userId="1555f3bbe0fac936" providerId="LiveId" clId="{F43B55C2-D55E-47F1-982D-A5DB43B9C1D1}" dt="2018-09-09T16:30:30.397" v="219" actId="478"/>
-          <ac:spMkLst>
-            <pc:docMk/>
-            <pc:sldMk cId="2240987367" sldId="262"/>
-            <ac:spMk id="18" creationId="{00000000-0000-0000-0000-000000000000}"/>
-          </ac:spMkLst>
-        </pc:spChg>
-        <pc:spChg chg="del">
-          <ac:chgData name="김 성재" userId="1555f3bbe0fac936" providerId="LiveId" clId="{F43B55C2-D55E-47F1-982D-A5DB43B9C1D1}" dt="2018-09-09T16:30:13.795" v="139" actId="478"/>
-          <ac:spMkLst>
-            <pc:docMk/>
-            <pc:sldMk cId="2240987367" sldId="262"/>
-            <ac:spMk id="19" creationId="{00000000-0000-0000-0000-000000000000}"/>
-          </ac:spMkLst>
-        </pc:spChg>
-        <pc:spChg chg="del">
-          <ac:chgData name="김 성재" userId="1555f3bbe0fac936" providerId="LiveId" clId="{F43B55C2-D55E-47F1-982D-A5DB43B9C1D1}" dt="2018-09-09T16:30:13.795" v="139" actId="478"/>
-          <ac:spMkLst>
-            <pc:docMk/>
-            <pc:sldMk cId="2240987367" sldId="262"/>
-            <ac:spMk id="20" creationId="{00000000-0000-0000-0000-000000000000}"/>
-          </ac:spMkLst>
-        </pc:spChg>
-        <pc:spChg chg="del">
-          <ac:chgData name="김 성재" userId="1555f3bbe0fac936" providerId="LiveId" clId="{F43B55C2-D55E-47F1-982D-A5DB43B9C1D1}" dt="2018-09-09T16:30:13.795" v="139" actId="478"/>
-          <ac:spMkLst>
-            <pc:docMk/>
-            <pc:sldMk cId="2240987367" sldId="262"/>
-            <ac:spMk id="21" creationId="{00000000-0000-0000-0000-000000000000}"/>
-          </ac:spMkLst>
-        </pc:spChg>
-      </pc:sldChg>
       <pc:sldChg chg="modSp">
         <pc:chgData name="김 성재" userId="1555f3bbe0fac936" providerId="LiveId" clId="{F43B55C2-D55E-47F1-982D-A5DB43B9C1D1}" dt="2018-09-09T17:08:12.905" v="1508" actId="20577"/>
         <pc:sldMkLst>
@@ -494,7 +379,7 @@
         </pc:spChg>
       </pc:sldChg>
       <pc:sldChg chg="addSp delSp modSp">
-        <pc:chgData name="김 성재" userId="1555f3bbe0fac936" providerId="LiveId" clId="{F43B55C2-D55E-47F1-982D-A5DB43B9C1D1}" dt="2018-09-09T17:27:43.998" v="1910" actId="120"/>
+        <pc:chgData name="김 성재" userId="1555f3bbe0fac936" providerId="LiveId" clId="{F43B55C2-D55E-47F1-982D-A5DB43B9C1D1}" dt="2018-09-11T17:53:54.248" v="2869" actId="1076"/>
         <pc:sldMkLst>
           <pc:docMk/>
           <pc:sldMk cId="2825203591" sldId="264"/>
@@ -508,7 +393,7 @@
           </ac:spMkLst>
         </pc:spChg>
         <pc:spChg chg="add mod">
-          <ac:chgData name="김 성재" userId="1555f3bbe0fac936" providerId="LiveId" clId="{F43B55C2-D55E-47F1-982D-A5DB43B9C1D1}" dt="2018-09-09T17:10:13.468" v="1754"/>
+          <ac:chgData name="김 성재" userId="1555f3bbe0fac936" providerId="LiveId" clId="{F43B55C2-D55E-47F1-982D-A5DB43B9C1D1}" dt="2018-09-11T17:53:54.248" v="2869" actId="1076"/>
           <ac:spMkLst>
             <pc:docMk/>
             <pc:sldMk cId="2825203591" sldId="264"/>
@@ -524,41 +409,13 @@
           </ac:spMkLst>
         </pc:spChg>
         <pc:spChg chg="mod">
-          <ac:chgData name="김 성재" userId="1555f3bbe0fac936" providerId="LiveId" clId="{F43B55C2-D55E-47F1-982D-A5DB43B9C1D1}" dt="2018-09-09T17:27:43.998" v="1910" actId="120"/>
+          <ac:chgData name="김 성재" userId="1555f3bbe0fac936" providerId="LiveId" clId="{F43B55C2-D55E-47F1-982D-A5DB43B9C1D1}" dt="2018-09-11T17:53:49.923" v="2868" actId="20577"/>
           <ac:spMkLst>
             <pc:docMk/>
             <pc:sldMk cId="2825203591" sldId="264"/>
             <ac:spMk id="21" creationId="{00000000-0000-0000-0000-000000000000}"/>
           </ac:spMkLst>
         </pc:spChg>
-      </pc:sldChg>
-      <pc:sldChg chg="del">
-        <pc:chgData name="김 성재" userId="1555f3bbe0fac936" providerId="LiveId" clId="{F43B55C2-D55E-47F1-982D-A5DB43B9C1D1}" dt="2018-09-09T17:10:16.566" v="1755" actId="2696"/>
-        <pc:sldMkLst>
-          <pc:docMk/>
-          <pc:sldMk cId="244040977" sldId="265"/>
-        </pc:sldMkLst>
-      </pc:sldChg>
-      <pc:sldChg chg="del">
-        <pc:chgData name="김 성재" userId="1555f3bbe0fac936" providerId="LiveId" clId="{F43B55C2-D55E-47F1-982D-A5DB43B9C1D1}" dt="2018-09-09T17:10:21.174" v="1756" actId="2696"/>
-        <pc:sldMkLst>
-          <pc:docMk/>
-          <pc:sldMk cId="1531280797" sldId="266"/>
-        </pc:sldMkLst>
-      </pc:sldChg>
-      <pc:sldChg chg="del">
-        <pc:chgData name="김 성재" userId="1555f3bbe0fac936" providerId="LiveId" clId="{F43B55C2-D55E-47F1-982D-A5DB43B9C1D1}" dt="2018-09-09T17:10:21.967" v="1757" actId="2696"/>
-        <pc:sldMkLst>
-          <pc:docMk/>
-          <pc:sldMk cId="2671169022" sldId="267"/>
-        </pc:sldMkLst>
-      </pc:sldChg>
-      <pc:sldChg chg="del">
-        <pc:chgData name="김 성재" userId="1555f3bbe0fac936" providerId="LiveId" clId="{F43B55C2-D55E-47F1-982D-A5DB43B9C1D1}" dt="2018-09-09T17:10:22.774" v="1758" actId="2696"/>
-        <pc:sldMkLst>
-          <pc:docMk/>
-          <pc:sldMk cId="2511007924" sldId="268"/>
-        </pc:sldMkLst>
       </pc:sldChg>
       <pc:sldChg chg="addSp delSp modSp add ord">
         <pc:chgData name="김 성재" userId="1555f3bbe0fac936" providerId="LiveId" clId="{F43B55C2-D55E-47F1-982D-A5DB43B9C1D1}" dt="2018-09-09T17:08:05.060" v="1499"/>
@@ -608,7 +465,7 @@
         </pc:spChg>
       </pc:sldChg>
       <pc:sldChg chg="addSp modSp add">
-        <pc:chgData name="김 성재" userId="1555f3bbe0fac936" providerId="LiveId" clId="{F43B55C2-D55E-47F1-982D-A5DB43B9C1D1}" dt="2018-09-09T17:26:36.140" v="1889" actId="1076"/>
+        <pc:chgData name="김 성재" userId="1555f3bbe0fac936" providerId="LiveId" clId="{F43B55C2-D55E-47F1-982D-A5DB43B9C1D1}" dt="2018-09-11T17:43:39.594" v="2463" actId="122"/>
         <pc:sldMkLst>
           <pc:docMk/>
           <pc:sldMk cId="1849831302" sldId="271"/>
@@ -637,6 +494,14 @@
             <ac:spMk id="22" creationId="{30B8DFD2-CFD0-4587-BB31-D7D6D141A365}"/>
           </ac:spMkLst>
         </pc:spChg>
+        <pc:spChg chg="add mod">
+          <ac:chgData name="김 성재" userId="1555f3bbe0fac936" providerId="LiveId" clId="{F43B55C2-D55E-47F1-982D-A5DB43B9C1D1}" dt="2018-09-11T17:43:39.594" v="2463" actId="122"/>
+          <ac:spMkLst>
+            <pc:docMk/>
+            <pc:sldMk cId="1849831302" sldId="271"/>
+            <ac:spMk id="23" creationId="{1E14A127-3621-4A8F-98EC-8FCDE8EDDFA2}"/>
+          </ac:spMkLst>
+        </pc:spChg>
         <pc:picChg chg="add mod">
           <ac:chgData name="김 성재" userId="1555f3bbe0fac936" providerId="LiveId" clId="{F43B55C2-D55E-47F1-982D-A5DB43B9C1D1}" dt="2018-09-09T17:26:36.140" v="1889" actId="1076"/>
           <ac:picMkLst>
@@ -654,113 +519,206 @@
           </ac:picMkLst>
         </pc:picChg>
       </pc:sldChg>
-      <pc:sldChg chg="addSp delSp modSp add del">
-        <pc:chgData name="김 성재" userId="1555f3bbe0fac936" providerId="LiveId" clId="{F43B55C2-D55E-47F1-982D-A5DB43B9C1D1}" dt="2018-09-09T17:08:07.349" v="1500" actId="2696"/>
+      <pc:sldChg chg="addSp delSp modSp add">
+        <pc:chgData name="김 성재" userId="1555f3bbe0fac936" providerId="LiveId" clId="{F43B55C2-D55E-47F1-982D-A5DB43B9C1D1}" dt="2018-09-11T17:39:12.539" v="2309" actId="1076"/>
         <pc:sldMkLst>
           <pc:docMk/>
-          <pc:sldMk cId="1968822898" sldId="271"/>
+          <pc:sldMk cId="1369154930" sldId="272"/>
         </pc:sldMkLst>
-        <pc:spChg chg="add del mod">
-          <ac:chgData name="김 성재" userId="1555f3bbe0fac936" providerId="LiveId" clId="{F43B55C2-D55E-47F1-982D-A5DB43B9C1D1}" dt="2018-09-09T16:55:31.394" v="1048" actId="1036"/>
+        <pc:spChg chg="mod">
+          <ac:chgData name="김 성재" userId="1555f3bbe0fac936" providerId="LiveId" clId="{F43B55C2-D55E-47F1-982D-A5DB43B9C1D1}" dt="2018-09-11T17:39:12.539" v="2309" actId="1076"/>
           <ac:spMkLst>
             <pc:docMk/>
-            <pc:sldMk cId="1968822898" sldId="271"/>
+            <pc:sldMk cId="1369154930" sldId="272"/>
             <ac:spMk id="11" creationId="{00000000-0000-0000-0000-000000000000}"/>
           </ac:spMkLst>
         </pc:spChg>
         <pc:spChg chg="mod">
-          <ac:chgData name="김 성재" userId="1555f3bbe0fac936" providerId="LiveId" clId="{F43B55C2-D55E-47F1-982D-A5DB43B9C1D1}" dt="2018-09-09T16:52:32.039" v="772" actId="120"/>
+          <ac:chgData name="김 성재" userId="1555f3bbe0fac936" providerId="LiveId" clId="{F43B55C2-D55E-47F1-982D-A5DB43B9C1D1}" dt="2018-09-11T17:36:40.154" v="2033"/>
           <ac:spMkLst>
             <pc:docMk/>
-            <pc:sldMk cId="1968822898" sldId="271"/>
+            <pc:sldMk cId="1369154930" sldId="272"/>
             <ac:spMk id="13" creationId="{00000000-0000-0000-0000-000000000000}"/>
           </ac:spMkLst>
         </pc:spChg>
         <pc:spChg chg="add del mod">
-          <ac:chgData name="김 성재" userId="1555f3bbe0fac936" providerId="LiveId" clId="{F43B55C2-D55E-47F1-982D-A5DB43B9C1D1}" dt="2018-09-09T16:54:54.621" v="899"/>
+          <ac:chgData name="김 성재" userId="1555f3bbe0fac936" providerId="LiveId" clId="{F43B55C2-D55E-47F1-982D-A5DB43B9C1D1}" dt="2018-09-11T17:39:12.539" v="2309" actId="1076"/>
           <ac:spMkLst>
             <pc:docMk/>
-            <pc:sldMk cId="1968822898" sldId="271"/>
-            <ac:spMk id="14" creationId="{B8F00979-027A-47D2-9215-71DF7DF566DE}"/>
-          </ac:spMkLst>
-        </pc:spChg>
-        <pc:spChg chg="del">
-          <ac:chgData name="김 성재" userId="1555f3bbe0fac936" providerId="LiveId" clId="{F43B55C2-D55E-47F1-982D-A5DB43B9C1D1}" dt="2018-09-09T16:52:11.190" v="770" actId="478"/>
-          <ac:spMkLst>
-            <pc:docMk/>
-            <pc:sldMk cId="1968822898" sldId="271"/>
+            <pc:sldMk cId="1369154930" sldId="272"/>
             <ac:spMk id="15" creationId="{EF2AB2C5-6F0F-4881-8F12-44B246416E0F}"/>
           </ac:spMkLst>
         </pc:spChg>
-        <pc:spChg chg="del">
-          <ac:chgData name="김 성재" userId="1555f3bbe0fac936" providerId="LiveId" clId="{F43B55C2-D55E-47F1-982D-A5DB43B9C1D1}" dt="2018-09-09T16:52:11.190" v="770" actId="478"/>
+        <pc:spChg chg="add del mod">
+          <ac:chgData name="김 성재" userId="1555f3bbe0fac936" providerId="LiveId" clId="{F43B55C2-D55E-47F1-982D-A5DB43B9C1D1}" dt="2018-09-11T17:38:55.750" v="2304" actId="478"/>
           <ac:spMkLst>
             <pc:docMk/>
-            <pc:sldMk cId="1968822898" sldId="271"/>
+            <pc:sldMk cId="1369154930" sldId="272"/>
             <ac:spMk id="16" creationId="{DF8F1013-E5CA-4626-AA45-7C1310C4A681}"/>
           </ac:spMkLst>
         </pc:spChg>
-        <pc:spChg chg="add mod">
-          <ac:chgData name="김 성재" userId="1555f3bbe0fac936" providerId="LiveId" clId="{F43B55C2-D55E-47F1-982D-A5DB43B9C1D1}" dt="2018-09-09T16:55:31.394" v="1048" actId="1036"/>
+      </pc:sldChg>
+      <pc:sldChg chg="add del">
+        <pc:chgData name="김 성재" userId="1555f3bbe0fac936" providerId="LiveId" clId="{F43B55C2-D55E-47F1-982D-A5DB43B9C1D1}" dt="2018-09-11T17:54:04.715" v="2870" actId="2696"/>
+        <pc:sldMkLst>
+          <pc:docMk/>
+          <pc:sldMk cId="3233655912" sldId="273"/>
+        </pc:sldMkLst>
+      </pc:sldChg>
+      <pc:sldChg chg="modSp add ord">
+        <pc:chgData name="김 성재" userId="1555f3bbe0fac936" providerId="LiveId" clId="{F43B55C2-D55E-47F1-982D-A5DB43B9C1D1}" dt="2018-09-11T17:58:16.929" v="2960" actId="20577"/>
+        <pc:sldMkLst>
+          <pc:docMk/>
+          <pc:sldMk cId="4221235293" sldId="273"/>
+        </pc:sldMkLst>
+        <pc:spChg chg="mod">
+          <ac:chgData name="김 성재" userId="1555f3bbe0fac936" providerId="LiveId" clId="{F43B55C2-D55E-47F1-982D-A5DB43B9C1D1}" dt="2018-09-11T17:58:16.929" v="2960" actId="20577"/>
           <ac:spMkLst>
             <pc:docMk/>
-            <pc:sldMk cId="1968822898" sldId="271"/>
-            <ac:spMk id="17" creationId="{83D7849F-E58D-4253-A49B-9EB24587355F}"/>
+            <pc:sldMk cId="4221235293" sldId="273"/>
+            <ac:spMk id="2" creationId="{00000000-0000-0000-0000-000000000000}"/>
+          </ac:spMkLst>
+        </pc:spChg>
+        <pc:spChg chg="mod">
+          <ac:chgData name="김 성재" userId="1555f3bbe0fac936" providerId="LiveId" clId="{F43B55C2-D55E-47F1-982D-A5DB43B9C1D1}" dt="2018-09-11T17:55:00.934" v="2947" actId="20577"/>
+          <ac:spMkLst>
+            <pc:docMk/>
+            <pc:sldMk cId="4221235293" sldId="273"/>
+            <ac:spMk id="3" creationId="{00000000-0000-0000-0000-000000000000}"/>
           </ac:spMkLst>
         </pc:spChg>
       </pc:sldChg>
-      <pc:sldChg chg="addSp delSp modSp add del">
-        <pc:chgData name="김 성재" userId="1555f3bbe0fac936" providerId="LiveId" clId="{F43B55C2-D55E-47F1-982D-A5DB43B9C1D1}" dt="2018-09-09T17:30:26.726" v="1982" actId="2696"/>
+      <pc:sldChg chg="addSp delSp modSp add ord">
+        <pc:chgData name="김 성재" userId="1555f3bbe0fac936" providerId="LiveId" clId="{F43B55C2-D55E-47F1-982D-A5DB43B9C1D1}" dt="2018-09-11T17:58:30.745" v="2982" actId="20577"/>
         <pc:sldMkLst>
           <pc:docMk/>
-          <pc:sldMk cId="1573066160" sldId="272"/>
+          <pc:sldMk cId="698549552" sldId="274"/>
         </pc:sldMkLst>
         <pc:spChg chg="del">
-          <ac:chgData name="김 성재" userId="1555f3bbe0fac936" providerId="LiveId" clId="{F43B55C2-D55E-47F1-982D-A5DB43B9C1D1}" dt="2018-09-09T17:27:49.664" v="1911" actId="478"/>
+          <ac:chgData name="김 성재" userId="1555f3bbe0fac936" providerId="LiveId" clId="{F43B55C2-D55E-47F1-982D-A5DB43B9C1D1}" dt="2018-09-11T17:55:15.289" v="2950" actId="478"/>
           <ac:spMkLst>
             <pc:docMk/>
-            <pc:sldMk cId="1573066160" sldId="272"/>
+            <pc:sldMk cId="698549552" sldId="274"/>
             <ac:spMk id="12" creationId="{3017432A-E5D9-4291-9852-0DF4EB966D44}"/>
           </ac:spMkLst>
         </pc:spChg>
         <pc:spChg chg="mod">
-          <ac:chgData name="김 성재" userId="1555f3bbe0fac936" providerId="LiveId" clId="{F43B55C2-D55E-47F1-982D-A5DB43B9C1D1}" dt="2018-09-09T17:27:32.329" v="1909" actId="20577"/>
+          <ac:chgData name="김 성재" userId="1555f3bbe0fac936" providerId="LiveId" clId="{F43B55C2-D55E-47F1-982D-A5DB43B9C1D1}" dt="2018-09-11T17:58:20.152" v="2964" actId="20577"/>
           <ac:spMkLst>
             <pc:docMk/>
-            <pc:sldMk cId="1573066160" sldId="272"/>
+            <pc:sldMk cId="698549552" sldId="274"/>
+            <ac:spMk id="19" creationId="{00000000-0000-0000-0000-000000000000}"/>
+          </ac:spMkLst>
+        </pc:spChg>
+        <pc:spChg chg="mod">
+          <ac:chgData name="김 성재" userId="1555f3bbe0fac936" providerId="LiveId" clId="{F43B55C2-D55E-47F1-982D-A5DB43B9C1D1}" dt="2018-09-11T17:58:14.739" v="2958" actId="20577"/>
+          <ac:spMkLst>
+            <pc:docMk/>
+            <pc:sldMk cId="698549552" sldId="274"/>
+            <ac:spMk id="20" creationId="{00000000-0000-0000-0000-000000000000}"/>
+          </ac:spMkLst>
+        </pc:spChg>
+        <pc:spChg chg="mod">
+          <ac:chgData name="김 성재" userId="1555f3bbe0fac936" providerId="LiveId" clId="{F43B55C2-D55E-47F1-982D-A5DB43B9C1D1}" dt="2018-09-11T17:58:30.745" v="2982" actId="20577"/>
+          <ac:spMkLst>
+            <pc:docMk/>
+            <pc:sldMk cId="698549552" sldId="274"/>
             <ac:spMk id="21" creationId="{00000000-0000-0000-0000-000000000000}"/>
           </ac:spMkLst>
         </pc:spChg>
         <pc:spChg chg="del">
-          <ac:chgData name="김 성재" userId="1555f3bbe0fac936" providerId="LiveId" clId="{F43B55C2-D55E-47F1-982D-A5DB43B9C1D1}" dt="2018-09-09T17:27:49.664" v="1911" actId="478"/>
+          <ac:chgData name="김 성재" userId="1555f3bbe0fac936" providerId="LiveId" clId="{F43B55C2-D55E-47F1-982D-A5DB43B9C1D1}" dt="2018-09-11T17:55:15.289" v="2950" actId="478"/>
           <ac:spMkLst>
             <pc:docMk/>
-            <pc:sldMk cId="1573066160" sldId="272"/>
+            <pc:sldMk cId="698549552" sldId="274"/>
             <ac:spMk id="22" creationId="{30B8DFD2-CFD0-4587-BB31-D7D6D141A365}"/>
           </ac:spMkLst>
         </pc:spChg>
-        <pc:spChg chg="add mod">
-          <ac:chgData name="김 성재" userId="1555f3bbe0fac936" providerId="LiveId" clId="{F43B55C2-D55E-47F1-982D-A5DB43B9C1D1}" dt="2018-09-09T17:29:13.409" v="1943" actId="20577"/>
+        <pc:spChg chg="del">
+          <ac:chgData name="김 성재" userId="1555f3bbe0fac936" providerId="LiveId" clId="{F43B55C2-D55E-47F1-982D-A5DB43B9C1D1}" dt="2018-09-11T17:55:15.289" v="2950" actId="478"/>
           <ac:spMkLst>
             <pc:docMk/>
-            <pc:sldMk cId="1573066160" sldId="272"/>
-            <ac:spMk id="23" creationId="{5AFA1D4C-D0CD-4DE7-A41A-60CC02BAB3E2}"/>
+            <pc:sldMk cId="698549552" sldId="274"/>
+            <ac:spMk id="23" creationId="{1E14A127-3621-4A8F-98EC-8FCDE8EDDFA2}"/>
+          </ac:spMkLst>
+        </pc:spChg>
+        <pc:picChg chg="add mod">
+          <ac:chgData name="김 성재" userId="1555f3bbe0fac936" providerId="LiveId" clId="{F43B55C2-D55E-47F1-982D-A5DB43B9C1D1}" dt="2018-09-11T17:57:07.987" v="2953" actId="1076"/>
+          <ac:picMkLst>
+            <pc:docMk/>
+            <pc:sldMk cId="698549552" sldId="274"/>
+            <ac:picMk id="2" creationId="{2CEBFE35-F173-4DC4-80E0-02C6D9CE638B}"/>
+          </ac:picMkLst>
+        </pc:picChg>
+        <pc:picChg chg="del">
+          <ac:chgData name="김 성재" userId="1555f3bbe0fac936" providerId="LiveId" clId="{F43B55C2-D55E-47F1-982D-A5DB43B9C1D1}" dt="2018-09-11T17:55:15.289" v="2950" actId="478"/>
+          <ac:picMkLst>
+            <pc:docMk/>
+            <pc:sldMk cId="698549552" sldId="274"/>
+            <ac:picMk id="3" creationId="{70D422D6-548D-410F-97D4-1EC45F54F2DA}"/>
+          </ac:picMkLst>
+        </pc:picChg>
+        <pc:picChg chg="add mod">
+          <ac:chgData name="김 성재" userId="1555f3bbe0fac936" providerId="LiveId" clId="{F43B55C2-D55E-47F1-982D-A5DB43B9C1D1}" dt="2018-09-11T17:58:10.616" v="2956" actId="1076"/>
+          <ac:picMkLst>
+            <pc:docMk/>
+            <pc:sldMk cId="698549552" sldId="274"/>
+            <ac:picMk id="4" creationId="{AE3E39F2-67B4-4893-BA24-E452604C7301}"/>
+          </ac:picMkLst>
+        </pc:picChg>
+        <pc:picChg chg="del">
+          <ac:chgData name="김 성재" userId="1555f3bbe0fac936" providerId="LiveId" clId="{F43B55C2-D55E-47F1-982D-A5DB43B9C1D1}" dt="2018-09-11T17:55:15.289" v="2950" actId="478"/>
+          <ac:picMkLst>
+            <pc:docMk/>
+            <pc:sldMk cId="698549552" sldId="274"/>
+            <ac:picMk id="5" creationId="{50F5E739-DA0E-4275-B172-404F2828B774}"/>
+          </ac:picMkLst>
+        </pc:picChg>
+      </pc:sldChg>
+      <pc:sldChg chg="addSp delSp modSp add">
+        <pc:chgData name="김 성재" userId="1555f3bbe0fac936" providerId="LiveId" clId="{F43B55C2-D55E-47F1-982D-A5DB43B9C1D1}" dt="2018-09-11T18:01:29.412" v="3017" actId="20577"/>
+        <pc:sldMkLst>
+          <pc:docMk/>
+          <pc:sldMk cId="2419278860" sldId="275"/>
+        </pc:sldMkLst>
+        <pc:spChg chg="add mod">
+          <ac:chgData name="김 성재" userId="1555f3bbe0fac936" providerId="LiveId" clId="{F43B55C2-D55E-47F1-982D-A5DB43B9C1D1}" dt="2018-09-11T18:01:16.309" v="3011" actId="692"/>
+          <ac:spMkLst>
+            <pc:docMk/>
+            <pc:sldMk cId="2419278860" sldId="275"/>
+            <ac:spMk id="5" creationId="{D3326807-9290-41A9-9920-BEDC3301F011}"/>
+          </ac:spMkLst>
+        </pc:spChg>
+        <pc:spChg chg="mod">
+          <ac:chgData name="김 성재" userId="1555f3bbe0fac936" providerId="LiveId" clId="{F43B55C2-D55E-47F1-982D-A5DB43B9C1D1}" dt="2018-09-11T18:01:29.412" v="3017" actId="20577"/>
+          <ac:spMkLst>
+            <pc:docMk/>
+            <pc:sldMk cId="2419278860" sldId="275"/>
+            <ac:spMk id="21" creationId="{00000000-0000-0000-0000-000000000000}"/>
           </ac:spMkLst>
         </pc:spChg>
         <pc:picChg chg="del">
-          <ac:chgData name="김 성재" userId="1555f3bbe0fac936" providerId="LiveId" clId="{F43B55C2-D55E-47F1-982D-A5DB43B9C1D1}" dt="2018-09-09T17:27:49.664" v="1911" actId="478"/>
+          <ac:chgData name="김 성재" userId="1555f3bbe0fac936" providerId="LiveId" clId="{F43B55C2-D55E-47F1-982D-A5DB43B9C1D1}" dt="2018-09-11T17:58:35.377" v="2989" actId="478"/>
           <ac:picMkLst>
             <pc:docMk/>
-            <pc:sldMk cId="1573066160" sldId="272"/>
-            <ac:picMk id="3" creationId="{70D422D6-548D-410F-97D4-1EC45F54F2DA}"/>
+            <pc:sldMk cId="2419278860" sldId="275"/>
+            <ac:picMk id="2" creationId="{2CEBFE35-F173-4DC4-80E0-02C6D9CE638B}"/>
+          </ac:picMkLst>
+        </pc:picChg>
+        <pc:picChg chg="add mod">
+          <ac:chgData name="김 성재" userId="1555f3bbe0fac936" providerId="LiveId" clId="{F43B55C2-D55E-47F1-982D-A5DB43B9C1D1}" dt="2018-09-11T18:00:46.650" v="2993" actId="1076"/>
+          <ac:picMkLst>
+            <pc:docMk/>
+            <pc:sldMk cId="2419278860" sldId="275"/>
+            <ac:picMk id="3" creationId="{BC25CD2B-35C4-435C-946F-048BCE9312E5}"/>
           </ac:picMkLst>
         </pc:picChg>
         <pc:picChg chg="del">
-          <ac:chgData name="김 성재" userId="1555f3bbe0fac936" providerId="LiveId" clId="{F43B55C2-D55E-47F1-982D-A5DB43B9C1D1}" dt="2018-09-09T17:27:49.664" v="1911" actId="478"/>
+          <ac:chgData name="김 성재" userId="1555f3bbe0fac936" providerId="LiveId" clId="{F43B55C2-D55E-47F1-982D-A5DB43B9C1D1}" dt="2018-09-11T17:58:35.656" v="2990" actId="478"/>
           <ac:picMkLst>
             <pc:docMk/>
-            <pc:sldMk cId="1573066160" sldId="272"/>
-            <ac:picMk id="5" creationId="{50F5E739-DA0E-4275-B172-404F2828B774}"/>
+            <pc:sldMk cId="2419278860" sldId="275"/>
+            <ac:picMk id="4" creationId="{AE3E39F2-67B4-4893-BA24-E452604C7301}"/>
           </ac:picMkLst>
         </pc:picChg>
       </pc:sldChg>
@@ -851,7 +809,7 @@
           <a:p>
             <a:fld id="{17FB36FB-C10C-479A-9DFD-15DEB134881C}" type="datetimeFigureOut">
               <a:rPr lang="ko-KR" altLang="en-US" smtClean="0"/>
-              <a:t>2018-09-10</a:t>
+              <a:t>2018-09-12</a:t>
             </a:fld>
             <a:endParaRPr lang="ko-KR" altLang="en-US"/>
           </a:p>
@@ -1716,7 +1674,7 @@
         </p:nvSpPr>
         <p:spPr>
           <a:xfrm>
-            <a:off x="8855521" y="5262547"/>
+            <a:off x="9006523" y="5371603"/>
             <a:ext cx="2880759" cy="469900"/>
           </a:xfrm>
           <a:prstGeom prst="rect">
@@ -1781,6 +1739,1157 @@
     <p:extLst>
       <p:ext uri="{BB962C8B-B14F-4D97-AF65-F5344CB8AC3E}">
         <p14:creationId xmlns:p14="http://schemas.microsoft.com/office/powerpoint/2010/main" val="228288368"/>
+      </p:ext>
+    </p:extLst>
+  </p:cSld>
+  <p:clrMapOvr>
+    <a:masterClrMapping/>
+  </p:clrMapOvr>
+</p:sld>
+</file>
+
+<file path=ppt/slides/slide10.xml><?xml version="1.0" encoding="utf-8"?>
+<p:sld xmlns:a="http://schemas.openxmlformats.org/drawingml/2006/main" xmlns:r="http://schemas.openxmlformats.org/officeDocument/2006/relationships" xmlns:p="http://schemas.openxmlformats.org/presentationml/2006/main">
+  <p:cSld>
+    <p:spTree>
+      <p:nvGrpSpPr>
+        <p:cNvPr id="1" name=""/>
+        <p:cNvGrpSpPr/>
+        <p:nvPr/>
+      </p:nvGrpSpPr>
+      <p:grpSpPr>
+        <a:xfrm>
+          <a:off x="0" y="0"/>
+          <a:ext cx="0" cy="0"/>
+          <a:chOff x="0" y="0"/>
+          <a:chExt cx="0" cy="0"/>
+        </a:xfrm>
+      </p:grpSpPr>
+      <p:sp>
+        <p:nvSpPr>
+          <p:cNvPr id="2" name="TextBox 1"/>
+          <p:cNvSpPr txBox="1"/>
+          <p:nvPr/>
+        </p:nvSpPr>
+        <p:spPr>
+          <a:xfrm>
+            <a:off x="4000500" y="2472873"/>
+            <a:ext cx="797013" cy="769441"/>
+          </a:xfrm>
+          <a:prstGeom prst="rect">
+            <a:avLst/>
+          </a:prstGeom>
+          <a:noFill/>
+        </p:spPr>
+        <p:txBody>
+          <a:bodyPr wrap="none" rtlCol="0">
+            <a:spAutoFit/>
+          </a:bodyPr>
+          <a:lstStyle/>
+          <a:p>
+            <a:r>
+              <a:rPr lang="en-US" altLang="ko-KR" sz="4400" spc="-300" dirty="0">
+                <a:solidFill>
+                  <a:srgbClr val="00002F"/>
+                </a:solidFill>
+                <a:latin typeface="나눔스퀘어 Bold" panose="020B0600000101010101" pitchFamily="50" charset="-127"/>
+                <a:ea typeface="나눔스퀘어 Bold" panose="020B0600000101010101" pitchFamily="50" charset="-127"/>
+              </a:rPr>
+              <a:t>03</a:t>
+            </a:r>
+            <a:endParaRPr lang="ko-KR" altLang="en-US" sz="4400" spc="-300" dirty="0">
+              <a:solidFill>
+                <a:srgbClr val="00002F"/>
+              </a:solidFill>
+              <a:latin typeface="나눔스퀘어 Bold" panose="020B0600000101010101" pitchFamily="50" charset="-127"/>
+              <a:ea typeface="나눔스퀘어 Bold" panose="020B0600000101010101" pitchFamily="50" charset="-127"/>
+            </a:endParaRPr>
+          </a:p>
+        </p:txBody>
+      </p:sp>
+      <p:sp>
+        <p:nvSpPr>
+          <p:cNvPr id="3" name="직사각형 2"/>
+          <p:cNvSpPr/>
+          <p:nvPr/>
+        </p:nvSpPr>
+        <p:spPr>
+          <a:xfrm>
+            <a:off x="4000499" y="3169741"/>
+            <a:ext cx="4200071" cy="473345"/>
+          </a:xfrm>
+          <a:prstGeom prst="rect">
+            <a:avLst/>
+          </a:prstGeom>
+          <a:solidFill>
+            <a:srgbClr val="8DBABD"/>
+          </a:solidFill>
+          <a:ln>
+            <a:solidFill>
+              <a:srgbClr val="8DBABD"/>
+            </a:solidFill>
+          </a:ln>
+        </p:spPr>
+        <p:style>
+          <a:lnRef idx="2">
+            <a:schemeClr val="accent1">
+              <a:shade val="50000"/>
+            </a:schemeClr>
+          </a:lnRef>
+          <a:fillRef idx="1">
+            <a:schemeClr val="accent1"/>
+          </a:fillRef>
+          <a:effectRef idx="0">
+            <a:schemeClr val="accent1"/>
+          </a:effectRef>
+          <a:fontRef idx="minor">
+            <a:schemeClr val="lt1"/>
+          </a:fontRef>
+        </p:style>
+        <p:txBody>
+          <a:bodyPr rtlCol="0" anchor="ctr"/>
+          <a:lstStyle/>
+          <a:p>
+            <a:pPr algn="ctr"/>
+            <a:r>
+              <a:rPr lang="en-US" altLang="ko-KR" dirty="0">
+                <a:latin typeface="나눔스퀘어 Bold" panose="020B0600000101010101" pitchFamily="50" charset="-127"/>
+                <a:ea typeface="나눔스퀘어 Bold" panose="020B0600000101010101" pitchFamily="50" charset="-127"/>
+              </a:rPr>
+              <a:t>Data</a:t>
+            </a:r>
+            <a:endParaRPr lang="ko-KR" altLang="en-US" dirty="0">
+              <a:latin typeface="나눔스퀘어 Bold" panose="020B0600000101010101" pitchFamily="50" charset="-127"/>
+              <a:ea typeface="나눔스퀘어 Bold" panose="020B0600000101010101" pitchFamily="50" charset="-127"/>
+            </a:endParaRPr>
+          </a:p>
+        </p:txBody>
+      </p:sp>
+    </p:spTree>
+    <p:extLst>
+      <p:ext uri="{BB962C8B-B14F-4D97-AF65-F5344CB8AC3E}">
+        <p14:creationId xmlns:p14="http://schemas.microsoft.com/office/powerpoint/2010/main" val="4221235293"/>
+      </p:ext>
+    </p:extLst>
+  </p:cSld>
+  <p:clrMapOvr>
+    <a:masterClrMapping/>
+  </p:clrMapOvr>
+</p:sld>
+</file>
+
+<file path=ppt/slides/slide11.xml><?xml version="1.0" encoding="utf-8"?>
+<p:sld xmlns:a="http://schemas.openxmlformats.org/drawingml/2006/main" xmlns:r="http://schemas.openxmlformats.org/officeDocument/2006/relationships" xmlns:p="http://schemas.openxmlformats.org/presentationml/2006/main">
+  <p:cSld>
+    <p:spTree>
+      <p:nvGrpSpPr>
+        <p:cNvPr id="1" name=""/>
+        <p:cNvGrpSpPr/>
+        <p:nvPr/>
+      </p:nvGrpSpPr>
+      <p:grpSpPr>
+        <a:xfrm>
+          <a:off x="0" y="0"/>
+          <a:ext cx="0" cy="0"/>
+          <a:chOff x="0" y="0"/>
+          <a:chExt cx="0" cy="0"/>
+        </a:xfrm>
+      </p:grpSpPr>
+      <p:cxnSp>
+        <p:nvCxnSpPr>
+          <p:cNvPr id="14" name="직선 연결선 13"/>
+          <p:cNvCxnSpPr/>
+          <p:nvPr/>
+        </p:nvCxnSpPr>
+        <p:spPr>
+          <a:xfrm>
+            <a:off x="10430892" y="144941"/>
+            <a:ext cx="360000" cy="0"/>
+          </a:xfrm>
+          <a:prstGeom prst="line">
+            <a:avLst/>
+          </a:prstGeom>
+          <a:ln w="44450" cap="rnd">
+            <a:solidFill>
+              <a:srgbClr val="D0CECE"/>
+            </a:solidFill>
+          </a:ln>
+          <a:effectLst>
+            <a:outerShdw blurRad="50800" dist="38100" dir="5400000" algn="t" rotWithShape="0">
+              <a:prstClr val="black">
+                <a:alpha val="40000"/>
+              </a:prstClr>
+            </a:outerShdw>
+          </a:effectLst>
+        </p:spPr>
+        <p:style>
+          <a:lnRef idx="1">
+            <a:schemeClr val="accent1"/>
+          </a:lnRef>
+          <a:fillRef idx="0">
+            <a:schemeClr val="accent1"/>
+          </a:fillRef>
+          <a:effectRef idx="0">
+            <a:schemeClr val="accent1"/>
+          </a:effectRef>
+          <a:fontRef idx="minor">
+            <a:schemeClr val="tx1"/>
+          </a:fontRef>
+        </p:style>
+      </p:cxnSp>
+      <p:cxnSp>
+        <p:nvCxnSpPr>
+          <p:cNvPr id="15" name="직선 연결선 14"/>
+          <p:cNvCxnSpPr/>
+          <p:nvPr/>
+        </p:nvCxnSpPr>
+        <p:spPr>
+          <a:xfrm>
+            <a:off x="10858459" y="144941"/>
+            <a:ext cx="360000" cy="0"/>
+          </a:xfrm>
+          <a:prstGeom prst="line">
+            <a:avLst/>
+          </a:prstGeom>
+          <a:ln w="44450" cap="rnd">
+            <a:solidFill>
+              <a:srgbClr val="8DBABD"/>
+            </a:solidFill>
+          </a:ln>
+          <a:effectLst>
+            <a:outerShdw blurRad="50800" dist="38100" dir="5400000" algn="t" rotWithShape="0">
+              <a:prstClr val="black">
+                <a:alpha val="40000"/>
+              </a:prstClr>
+            </a:outerShdw>
+          </a:effectLst>
+        </p:spPr>
+        <p:style>
+          <a:lnRef idx="1">
+            <a:schemeClr val="accent1"/>
+          </a:lnRef>
+          <a:fillRef idx="0">
+            <a:schemeClr val="accent1"/>
+          </a:fillRef>
+          <a:effectRef idx="0">
+            <a:schemeClr val="accent1"/>
+          </a:effectRef>
+          <a:fontRef idx="minor">
+            <a:schemeClr val="tx1"/>
+          </a:fontRef>
+        </p:style>
+      </p:cxnSp>
+      <p:cxnSp>
+        <p:nvCxnSpPr>
+          <p:cNvPr id="16" name="직선 연결선 15"/>
+          <p:cNvCxnSpPr/>
+          <p:nvPr/>
+        </p:nvCxnSpPr>
+        <p:spPr>
+          <a:xfrm>
+            <a:off x="11286026" y="144941"/>
+            <a:ext cx="360000" cy="0"/>
+          </a:xfrm>
+          <a:prstGeom prst="line">
+            <a:avLst/>
+          </a:prstGeom>
+          <a:ln w="44450" cap="rnd">
+            <a:solidFill>
+              <a:schemeClr val="bg2">
+                <a:lumMod val="90000"/>
+              </a:schemeClr>
+            </a:solidFill>
+          </a:ln>
+          <a:effectLst>
+            <a:outerShdw blurRad="50800" dist="38100" dir="5400000" algn="t" rotWithShape="0">
+              <a:prstClr val="black">
+                <a:alpha val="40000"/>
+              </a:prstClr>
+            </a:outerShdw>
+          </a:effectLst>
+        </p:spPr>
+        <p:style>
+          <a:lnRef idx="1">
+            <a:schemeClr val="accent1"/>
+          </a:lnRef>
+          <a:fillRef idx="0">
+            <a:schemeClr val="accent1"/>
+          </a:fillRef>
+          <a:effectRef idx="0">
+            <a:schemeClr val="accent1"/>
+          </a:effectRef>
+          <a:fontRef idx="minor">
+            <a:schemeClr val="tx1"/>
+          </a:fontRef>
+        </p:style>
+      </p:cxnSp>
+      <p:cxnSp>
+        <p:nvCxnSpPr>
+          <p:cNvPr id="17" name="직선 연결선 16"/>
+          <p:cNvCxnSpPr/>
+          <p:nvPr/>
+        </p:nvCxnSpPr>
+        <p:spPr>
+          <a:xfrm>
+            <a:off x="11713592" y="144941"/>
+            <a:ext cx="360000" cy="0"/>
+          </a:xfrm>
+          <a:prstGeom prst="line">
+            <a:avLst/>
+          </a:prstGeom>
+          <a:ln w="44450" cap="rnd">
+            <a:solidFill>
+              <a:schemeClr val="bg2">
+                <a:lumMod val="90000"/>
+              </a:schemeClr>
+            </a:solidFill>
+          </a:ln>
+          <a:effectLst>
+            <a:outerShdw blurRad="50800" dist="38100" dir="5400000" algn="t" rotWithShape="0">
+              <a:prstClr val="black">
+                <a:alpha val="40000"/>
+              </a:prstClr>
+            </a:outerShdw>
+          </a:effectLst>
+        </p:spPr>
+        <p:style>
+          <a:lnRef idx="1">
+            <a:schemeClr val="accent1"/>
+          </a:lnRef>
+          <a:fillRef idx="0">
+            <a:schemeClr val="accent1"/>
+          </a:fillRef>
+          <a:effectRef idx="0">
+            <a:schemeClr val="accent1"/>
+          </a:effectRef>
+          <a:fontRef idx="minor">
+            <a:schemeClr val="tx1"/>
+          </a:fontRef>
+        </p:style>
+      </p:cxnSp>
+      <p:cxnSp>
+        <p:nvCxnSpPr>
+          <p:cNvPr id="18" name="직선 연결선 17"/>
+          <p:cNvCxnSpPr/>
+          <p:nvPr/>
+        </p:nvCxnSpPr>
+        <p:spPr>
+          <a:xfrm>
+            <a:off x="1026522" y="989148"/>
+            <a:ext cx="2160000" cy="0"/>
+          </a:xfrm>
+          <a:prstGeom prst="line">
+            <a:avLst/>
+          </a:prstGeom>
+          <a:ln>
+            <a:solidFill>
+              <a:schemeClr val="bg1">
+                <a:lumMod val="50000"/>
+              </a:schemeClr>
+            </a:solidFill>
+          </a:ln>
+        </p:spPr>
+        <p:style>
+          <a:lnRef idx="1">
+            <a:schemeClr val="accent1"/>
+          </a:lnRef>
+          <a:fillRef idx="0">
+            <a:schemeClr val="accent1"/>
+          </a:fillRef>
+          <a:effectRef idx="0">
+            <a:schemeClr val="accent1"/>
+          </a:effectRef>
+          <a:fontRef idx="minor">
+            <a:schemeClr val="tx1"/>
+          </a:fontRef>
+        </p:style>
+      </p:cxnSp>
+      <p:sp>
+        <p:nvSpPr>
+          <p:cNvPr id="19" name="TextBox 18"/>
+          <p:cNvSpPr txBox="1"/>
+          <p:nvPr/>
+        </p:nvSpPr>
+        <p:spPr>
+          <a:xfrm>
+            <a:off x="1589980" y="437393"/>
+            <a:ext cx="1035861" cy="584775"/>
+          </a:xfrm>
+          <a:prstGeom prst="rect">
+            <a:avLst/>
+          </a:prstGeom>
+          <a:noFill/>
+        </p:spPr>
+        <p:txBody>
+          <a:bodyPr wrap="none" rtlCol="0">
+            <a:spAutoFit/>
+          </a:bodyPr>
+          <a:lstStyle/>
+          <a:p>
+            <a:pPr algn="ctr"/>
+            <a:r>
+              <a:rPr lang="en-US" altLang="ko-KR" sz="3200" spc="-150" dirty="0">
+                <a:solidFill>
+                  <a:srgbClr val="00002F"/>
+                </a:solidFill>
+                <a:latin typeface="나눔스퀘어 ExtraBold" panose="020B0600000101010101" pitchFamily="50" charset="-127"/>
+                <a:ea typeface="나눔스퀘어 ExtraBold" panose="020B0600000101010101" pitchFamily="50" charset="-127"/>
+              </a:rPr>
+              <a:t>Data</a:t>
+            </a:r>
+            <a:endParaRPr lang="ko-KR" altLang="en-US" sz="3200" spc="-150" dirty="0">
+              <a:solidFill>
+                <a:srgbClr val="00002F"/>
+              </a:solidFill>
+              <a:latin typeface="나눔스퀘어 ExtraBold" panose="020B0600000101010101" pitchFamily="50" charset="-127"/>
+              <a:ea typeface="나눔스퀘어 ExtraBold" panose="020B0600000101010101" pitchFamily="50" charset="-127"/>
+            </a:endParaRPr>
+          </a:p>
+        </p:txBody>
+      </p:sp>
+      <p:sp>
+        <p:nvSpPr>
+          <p:cNvPr id="20" name="TextBox 19"/>
+          <p:cNvSpPr txBox="1"/>
+          <p:nvPr/>
+        </p:nvSpPr>
+        <p:spPr>
+          <a:xfrm>
+            <a:off x="455532" y="498947"/>
+            <a:ext cx="614271" cy="461665"/>
+          </a:xfrm>
+          <a:prstGeom prst="rect">
+            <a:avLst/>
+          </a:prstGeom>
+          <a:noFill/>
+        </p:spPr>
+        <p:txBody>
+          <a:bodyPr wrap="none" rtlCol="0">
+            <a:spAutoFit/>
+          </a:bodyPr>
+          <a:lstStyle/>
+          <a:p>
+            <a:pPr algn="ctr"/>
+            <a:r>
+              <a:rPr lang="en-US" altLang="ko-KR" sz="2400" spc="-150" dirty="0">
+                <a:solidFill>
+                  <a:srgbClr val="00002F"/>
+                </a:solidFill>
+                <a:latin typeface="나눔스퀘어 ExtraBold" panose="020B0600000101010101" pitchFamily="50" charset="-127"/>
+                <a:ea typeface="나눔스퀘어 ExtraBold" panose="020B0600000101010101" pitchFamily="50" charset="-127"/>
+              </a:rPr>
+              <a:t>03.</a:t>
+            </a:r>
+            <a:endParaRPr lang="ko-KR" altLang="en-US" sz="2400" spc="-150" dirty="0">
+              <a:solidFill>
+                <a:srgbClr val="00002F"/>
+              </a:solidFill>
+              <a:latin typeface="나눔스퀘어 ExtraBold" panose="020B0600000101010101" pitchFamily="50" charset="-127"/>
+              <a:ea typeface="나눔스퀘어 ExtraBold" panose="020B0600000101010101" pitchFamily="50" charset="-127"/>
+            </a:endParaRPr>
+          </a:p>
+        </p:txBody>
+      </p:sp>
+      <p:sp>
+        <p:nvSpPr>
+          <p:cNvPr id="21" name="TextBox 20"/>
+          <p:cNvSpPr txBox="1"/>
+          <p:nvPr/>
+        </p:nvSpPr>
+        <p:spPr>
+          <a:xfrm>
+            <a:off x="1069803" y="1006929"/>
+            <a:ext cx="2160000" cy="369332"/>
+          </a:xfrm>
+          <a:prstGeom prst="rect">
+            <a:avLst/>
+          </a:prstGeom>
+          <a:noFill/>
+        </p:spPr>
+        <p:txBody>
+          <a:bodyPr wrap="square" rtlCol="0">
+            <a:spAutoFit/>
+          </a:bodyPr>
+          <a:lstStyle/>
+          <a:p>
+            <a:r>
+              <a:rPr lang="en-US" altLang="ko-KR" spc="-150" dirty="0">
+                <a:solidFill>
+                  <a:srgbClr val="00002F"/>
+                </a:solidFill>
+                <a:latin typeface="나눔스퀘어 ExtraBold" panose="020B0600000101010101" pitchFamily="50" charset="-127"/>
+                <a:ea typeface="나눔스퀘어 ExtraBold" panose="020B0600000101010101" pitchFamily="50" charset="-127"/>
+              </a:rPr>
+              <a:t>Open Data</a:t>
+            </a:r>
+            <a:endParaRPr lang="ko-KR" altLang="en-US" spc="-150" dirty="0">
+              <a:solidFill>
+                <a:srgbClr val="00002F"/>
+              </a:solidFill>
+              <a:latin typeface="나눔스퀘어 ExtraBold" panose="020B0600000101010101" pitchFamily="50" charset="-127"/>
+              <a:ea typeface="나눔스퀘어 ExtraBold" panose="020B0600000101010101" pitchFamily="50" charset="-127"/>
+            </a:endParaRPr>
+          </a:p>
+        </p:txBody>
+      </p:sp>
+      <p:pic>
+        <p:nvPicPr>
+          <p:cNvPr id="2" name="그림 1">
+            <a:extLst>
+              <a:ext uri="{FF2B5EF4-FFF2-40B4-BE49-F238E27FC236}">
+                <a16:creationId xmlns:a16="http://schemas.microsoft.com/office/drawing/2014/main" id="{2CEBFE35-F173-4DC4-80E0-02C6D9CE638B}"/>
+              </a:ext>
+            </a:extLst>
+          </p:cNvPr>
+          <p:cNvPicPr>
+            <a:picLocks noChangeAspect="1"/>
+          </p:cNvPicPr>
+          <p:nvPr/>
+        </p:nvPicPr>
+        <p:blipFill>
+          <a:blip r:embed="rId2"/>
+          <a:stretch>
+            <a:fillRect/>
+          </a:stretch>
+        </p:blipFill>
+        <p:spPr>
+          <a:xfrm>
+            <a:off x="1347147" y="1686187"/>
+            <a:ext cx="4748853" cy="3845668"/>
+          </a:xfrm>
+          <a:prstGeom prst="rect">
+            <a:avLst/>
+          </a:prstGeom>
+        </p:spPr>
+      </p:pic>
+      <p:pic>
+        <p:nvPicPr>
+          <p:cNvPr id="4" name="그림 3">
+            <a:extLst>
+              <a:ext uri="{FF2B5EF4-FFF2-40B4-BE49-F238E27FC236}">
+                <a16:creationId xmlns:a16="http://schemas.microsoft.com/office/drawing/2014/main" id="{AE3E39F2-67B4-4893-BA24-E452604C7301}"/>
+              </a:ext>
+            </a:extLst>
+          </p:cNvPr>
+          <p:cNvPicPr>
+            <a:picLocks noChangeAspect="1"/>
+          </p:cNvPicPr>
+          <p:nvPr/>
+        </p:nvPicPr>
+        <p:blipFill>
+          <a:blip r:embed="rId3"/>
+          <a:stretch>
+            <a:fillRect/>
+          </a:stretch>
+        </p:blipFill>
+        <p:spPr>
+          <a:xfrm>
+            <a:off x="6437960" y="1479906"/>
+            <a:ext cx="4929124" cy="4051949"/>
+          </a:xfrm>
+          <a:prstGeom prst="rect">
+            <a:avLst/>
+          </a:prstGeom>
+        </p:spPr>
+      </p:pic>
+    </p:spTree>
+    <p:extLst>
+      <p:ext uri="{BB962C8B-B14F-4D97-AF65-F5344CB8AC3E}">
+        <p14:creationId xmlns:p14="http://schemas.microsoft.com/office/powerpoint/2010/main" val="698549552"/>
+      </p:ext>
+    </p:extLst>
+  </p:cSld>
+  <p:clrMapOvr>
+    <a:masterClrMapping/>
+  </p:clrMapOvr>
+</p:sld>
+</file>
+
+<file path=ppt/slides/slide12.xml><?xml version="1.0" encoding="utf-8"?>
+<p:sld xmlns:a="http://schemas.openxmlformats.org/drawingml/2006/main" xmlns:r="http://schemas.openxmlformats.org/officeDocument/2006/relationships" xmlns:p="http://schemas.openxmlformats.org/presentationml/2006/main">
+  <p:cSld>
+    <p:spTree>
+      <p:nvGrpSpPr>
+        <p:cNvPr id="1" name=""/>
+        <p:cNvGrpSpPr/>
+        <p:nvPr/>
+      </p:nvGrpSpPr>
+      <p:grpSpPr>
+        <a:xfrm>
+          <a:off x="0" y="0"/>
+          <a:ext cx="0" cy="0"/>
+          <a:chOff x="0" y="0"/>
+          <a:chExt cx="0" cy="0"/>
+        </a:xfrm>
+      </p:grpSpPr>
+      <p:cxnSp>
+        <p:nvCxnSpPr>
+          <p:cNvPr id="14" name="직선 연결선 13"/>
+          <p:cNvCxnSpPr/>
+          <p:nvPr/>
+        </p:nvCxnSpPr>
+        <p:spPr>
+          <a:xfrm>
+            <a:off x="10430892" y="144941"/>
+            <a:ext cx="360000" cy="0"/>
+          </a:xfrm>
+          <a:prstGeom prst="line">
+            <a:avLst/>
+          </a:prstGeom>
+          <a:ln w="44450" cap="rnd">
+            <a:solidFill>
+              <a:srgbClr val="D0CECE"/>
+            </a:solidFill>
+          </a:ln>
+          <a:effectLst>
+            <a:outerShdw blurRad="50800" dist="38100" dir="5400000" algn="t" rotWithShape="0">
+              <a:prstClr val="black">
+                <a:alpha val="40000"/>
+              </a:prstClr>
+            </a:outerShdw>
+          </a:effectLst>
+        </p:spPr>
+        <p:style>
+          <a:lnRef idx="1">
+            <a:schemeClr val="accent1"/>
+          </a:lnRef>
+          <a:fillRef idx="0">
+            <a:schemeClr val="accent1"/>
+          </a:fillRef>
+          <a:effectRef idx="0">
+            <a:schemeClr val="accent1"/>
+          </a:effectRef>
+          <a:fontRef idx="minor">
+            <a:schemeClr val="tx1"/>
+          </a:fontRef>
+        </p:style>
+      </p:cxnSp>
+      <p:cxnSp>
+        <p:nvCxnSpPr>
+          <p:cNvPr id="15" name="직선 연결선 14"/>
+          <p:cNvCxnSpPr/>
+          <p:nvPr/>
+        </p:nvCxnSpPr>
+        <p:spPr>
+          <a:xfrm>
+            <a:off x="10858459" y="144941"/>
+            <a:ext cx="360000" cy="0"/>
+          </a:xfrm>
+          <a:prstGeom prst="line">
+            <a:avLst/>
+          </a:prstGeom>
+          <a:ln w="44450" cap="rnd">
+            <a:solidFill>
+              <a:srgbClr val="8DBABD"/>
+            </a:solidFill>
+          </a:ln>
+          <a:effectLst>
+            <a:outerShdw blurRad="50800" dist="38100" dir="5400000" algn="t" rotWithShape="0">
+              <a:prstClr val="black">
+                <a:alpha val="40000"/>
+              </a:prstClr>
+            </a:outerShdw>
+          </a:effectLst>
+        </p:spPr>
+        <p:style>
+          <a:lnRef idx="1">
+            <a:schemeClr val="accent1"/>
+          </a:lnRef>
+          <a:fillRef idx="0">
+            <a:schemeClr val="accent1"/>
+          </a:fillRef>
+          <a:effectRef idx="0">
+            <a:schemeClr val="accent1"/>
+          </a:effectRef>
+          <a:fontRef idx="minor">
+            <a:schemeClr val="tx1"/>
+          </a:fontRef>
+        </p:style>
+      </p:cxnSp>
+      <p:cxnSp>
+        <p:nvCxnSpPr>
+          <p:cNvPr id="16" name="직선 연결선 15"/>
+          <p:cNvCxnSpPr/>
+          <p:nvPr/>
+        </p:nvCxnSpPr>
+        <p:spPr>
+          <a:xfrm>
+            <a:off x="11286026" y="144941"/>
+            <a:ext cx="360000" cy="0"/>
+          </a:xfrm>
+          <a:prstGeom prst="line">
+            <a:avLst/>
+          </a:prstGeom>
+          <a:ln w="44450" cap="rnd">
+            <a:solidFill>
+              <a:schemeClr val="bg2">
+                <a:lumMod val="90000"/>
+              </a:schemeClr>
+            </a:solidFill>
+          </a:ln>
+          <a:effectLst>
+            <a:outerShdw blurRad="50800" dist="38100" dir="5400000" algn="t" rotWithShape="0">
+              <a:prstClr val="black">
+                <a:alpha val="40000"/>
+              </a:prstClr>
+            </a:outerShdw>
+          </a:effectLst>
+        </p:spPr>
+        <p:style>
+          <a:lnRef idx="1">
+            <a:schemeClr val="accent1"/>
+          </a:lnRef>
+          <a:fillRef idx="0">
+            <a:schemeClr val="accent1"/>
+          </a:fillRef>
+          <a:effectRef idx="0">
+            <a:schemeClr val="accent1"/>
+          </a:effectRef>
+          <a:fontRef idx="minor">
+            <a:schemeClr val="tx1"/>
+          </a:fontRef>
+        </p:style>
+      </p:cxnSp>
+      <p:cxnSp>
+        <p:nvCxnSpPr>
+          <p:cNvPr id="17" name="직선 연결선 16"/>
+          <p:cNvCxnSpPr/>
+          <p:nvPr/>
+        </p:nvCxnSpPr>
+        <p:spPr>
+          <a:xfrm>
+            <a:off x="11713592" y="144941"/>
+            <a:ext cx="360000" cy="0"/>
+          </a:xfrm>
+          <a:prstGeom prst="line">
+            <a:avLst/>
+          </a:prstGeom>
+          <a:ln w="44450" cap="rnd">
+            <a:solidFill>
+              <a:schemeClr val="bg2">
+                <a:lumMod val="90000"/>
+              </a:schemeClr>
+            </a:solidFill>
+          </a:ln>
+          <a:effectLst>
+            <a:outerShdw blurRad="50800" dist="38100" dir="5400000" algn="t" rotWithShape="0">
+              <a:prstClr val="black">
+                <a:alpha val="40000"/>
+              </a:prstClr>
+            </a:outerShdw>
+          </a:effectLst>
+        </p:spPr>
+        <p:style>
+          <a:lnRef idx="1">
+            <a:schemeClr val="accent1"/>
+          </a:lnRef>
+          <a:fillRef idx="0">
+            <a:schemeClr val="accent1"/>
+          </a:fillRef>
+          <a:effectRef idx="0">
+            <a:schemeClr val="accent1"/>
+          </a:effectRef>
+          <a:fontRef idx="minor">
+            <a:schemeClr val="tx1"/>
+          </a:fontRef>
+        </p:style>
+      </p:cxnSp>
+      <p:cxnSp>
+        <p:nvCxnSpPr>
+          <p:cNvPr id="18" name="직선 연결선 17"/>
+          <p:cNvCxnSpPr/>
+          <p:nvPr/>
+        </p:nvCxnSpPr>
+        <p:spPr>
+          <a:xfrm>
+            <a:off x="1026522" y="989148"/>
+            <a:ext cx="2160000" cy="0"/>
+          </a:xfrm>
+          <a:prstGeom prst="line">
+            <a:avLst/>
+          </a:prstGeom>
+          <a:ln>
+            <a:solidFill>
+              <a:schemeClr val="bg1">
+                <a:lumMod val="50000"/>
+              </a:schemeClr>
+            </a:solidFill>
+          </a:ln>
+        </p:spPr>
+        <p:style>
+          <a:lnRef idx="1">
+            <a:schemeClr val="accent1"/>
+          </a:lnRef>
+          <a:fillRef idx="0">
+            <a:schemeClr val="accent1"/>
+          </a:fillRef>
+          <a:effectRef idx="0">
+            <a:schemeClr val="accent1"/>
+          </a:effectRef>
+          <a:fontRef idx="minor">
+            <a:schemeClr val="tx1"/>
+          </a:fontRef>
+        </p:style>
+      </p:cxnSp>
+      <p:sp>
+        <p:nvSpPr>
+          <p:cNvPr id="19" name="TextBox 18"/>
+          <p:cNvSpPr txBox="1"/>
+          <p:nvPr/>
+        </p:nvSpPr>
+        <p:spPr>
+          <a:xfrm>
+            <a:off x="1589980" y="437393"/>
+            <a:ext cx="1035861" cy="584775"/>
+          </a:xfrm>
+          <a:prstGeom prst="rect">
+            <a:avLst/>
+          </a:prstGeom>
+          <a:noFill/>
+        </p:spPr>
+        <p:txBody>
+          <a:bodyPr wrap="none" rtlCol="0">
+            <a:spAutoFit/>
+          </a:bodyPr>
+          <a:lstStyle/>
+          <a:p>
+            <a:pPr algn="ctr"/>
+            <a:r>
+              <a:rPr lang="en-US" altLang="ko-KR" sz="3200" spc="-150" dirty="0">
+                <a:solidFill>
+                  <a:srgbClr val="00002F"/>
+                </a:solidFill>
+                <a:latin typeface="나눔스퀘어 ExtraBold" panose="020B0600000101010101" pitchFamily="50" charset="-127"/>
+                <a:ea typeface="나눔스퀘어 ExtraBold" panose="020B0600000101010101" pitchFamily="50" charset="-127"/>
+              </a:rPr>
+              <a:t>Data</a:t>
+            </a:r>
+            <a:endParaRPr lang="ko-KR" altLang="en-US" sz="3200" spc="-150" dirty="0">
+              <a:solidFill>
+                <a:srgbClr val="00002F"/>
+              </a:solidFill>
+              <a:latin typeface="나눔스퀘어 ExtraBold" panose="020B0600000101010101" pitchFamily="50" charset="-127"/>
+              <a:ea typeface="나눔스퀘어 ExtraBold" panose="020B0600000101010101" pitchFamily="50" charset="-127"/>
+            </a:endParaRPr>
+          </a:p>
+        </p:txBody>
+      </p:sp>
+      <p:sp>
+        <p:nvSpPr>
+          <p:cNvPr id="20" name="TextBox 19"/>
+          <p:cNvSpPr txBox="1"/>
+          <p:nvPr/>
+        </p:nvSpPr>
+        <p:spPr>
+          <a:xfrm>
+            <a:off x="455532" y="498947"/>
+            <a:ext cx="614271" cy="461665"/>
+          </a:xfrm>
+          <a:prstGeom prst="rect">
+            <a:avLst/>
+          </a:prstGeom>
+          <a:noFill/>
+        </p:spPr>
+        <p:txBody>
+          <a:bodyPr wrap="none" rtlCol="0">
+            <a:spAutoFit/>
+          </a:bodyPr>
+          <a:lstStyle/>
+          <a:p>
+            <a:pPr algn="ctr"/>
+            <a:r>
+              <a:rPr lang="en-US" altLang="ko-KR" sz="2400" spc="-150" dirty="0">
+                <a:solidFill>
+                  <a:srgbClr val="00002F"/>
+                </a:solidFill>
+                <a:latin typeface="나눔스퀘어 ExtraBold" panose="020B0600000101010101" pitchFamily="50" charset="-127"/>
+                <a:ea typeface="나눔스퀘어 ExtraBold" panose="020B0600000101010101" pitchFamily="50" charset="-127"/>
+              </a:rPr>
+              <a:t>03.</a:t>
+            </a:r>
+            <a:endParaRPr lang="ko-KR" altLang="en-US" sz="2400" spc="-150" dirty="0">
+              <a:solidFill>
+                <a:srgbClr val="00002F"/>
+              </a:solidFill>
+              <a:latin typeface="나눔스퀘어 ExtraBold" panose="020B0600000101010101" pitchFamily="50" charset="-127"/>
+              <a:ea typeface="나눔스퀘어 ExtraBold" panose="020B0600000101010101" pitchFamily="50" charset="-127"/>
+            </a:endParaRPr>
+          </a:p>
+        </p:txBody>
+      </p:sp>
+      <p:sp>
+        <p:nvSpPr>
+          <p:cNvPr id="21" name="TextBox 20"/>
+          <p:cNvSpPr txBox="1"/>
+          <p:nvPr/>
+        </p:nvSpPr>
+        <p:spPr>
+          <a:xfrm>
+            <a:off x="1069803" y="1006929"/>
+            <a:ext cx="2160000" cy="369332"/>
+          </a:xfrm>
+          <a:prstGeom prst="rect">
+            <a:avLst/>
+          </a:prstGeom>
+          <a:noFill/>
+        </p:spPr>
+        <p:txBody>
+          <a:bodyPr wrap="square" rtlCol="0">
+            <a:spAutoFit/>
+          </a:bodyPr>
+          <a:lstStyle/>
+          <a:p>
+            <a:r>
+              <a:rPr lang="en-US" altLang="ko-KR" spc="-150" dirty="0">
+                <a:solidFill>
+                  <a:srgbClr val="00002F"/>
+                </a:solidFill>
+                <a:latin typeface="나눔스퀘어 ExtraBold" panose="020B0600000101010101" pitchFamily="50" charset="-127"/>
+                <a:ea typeface="나눔스퀘어 ExtraBold" panose="020B0600000101010101" pitchFamily="50" charset="-127"/>
+              </a:rPr>
+              <a:t>Google </a:t>
+            </a:r>
+            <a:r>
+              <a:rPr lang="en-US" altLang="ko-KR" spc="-150" dirty="0" err="1">
+                <a:solidFill>
+                  <a:srgbClr val="00002F"/>
+                </a:solidFill>
+                <a:latin typeface="나눔스퀘어 ExtraBold" panose="020B0600000101010101" pitchFamily="50" charset="-127"/>
+                <a:ea typeface="나눔스퀘어 ExtraBold" panose="020B0600000101010101" pitchFamily="50" charset="-127"/>
+              </a:rPr>
+              <a:t>Api</a:t>
+            </a:r>
+            <a:endParaRPr lang="ko-KR" altLang="en-US" spc="-150" dirty="0">
+              <a:solidFill>
+                <a:srgbClr val="00002F"/>
+              </a:solidFill>
+              <a:latin typeface="나눔스퀘어 ExtraBold" panose="020B0600000101010101" pitchFamily="50" charset="-127"/>
+              <a:ea typeface="나눔스퀘어 ExtraBold" panose="020B0600000101010101" pitchFamily="50" charset="-127"/>
+            </a:endParaRPr>
+          </a:p>
+        </p:txBody>
+      </p:sp>
+      <p:pic>
+        <p:nvPicPr>
+          <p:cNvPr id="3" name="그림 2">
+            <a:extLst>
+              <a:ext uri="{FF2B5EF4-FFF2-40B4-BE49-F238E27FC236}">
+                <a16:creationId xmlns:a16="http://schemas.microsoft.com/office/drawing/2014/main" id="{BC25CD2B-35C4-435C-946F-048BCE9312E5}"/>
+              </a:ext>
+            </a:extLst>
+          </p:cNvPr>
+          <p:cNvPicPr>
+            <a:picLocks noChangeAspect="1"/>
+          </p:cNvPicPr>
+          <p:nvPr/>
+        </p:nvPicPr>
+        <p:blipFill>
+          <a:blip r:embed="rId2"/>
+          <a:stretch>
+            <a:fillRect/>
+          </a:stretch>
+        </p:blipFill>
+        <p:spPr>
+          <a:xfrm>
+            <a:off x="1963024" y="1681080"/>
+            <a:ext cx="8001227" cy="3813708"/>
+          </a:xfrm>
+          <a:prstGeom prst="rect">
+            <a:avLst/>
+          </a:prstGeom>
+        </p:spPr>
+      </p:pic>
+      <p:sp>
+        <p:nvSpPr>
+          <p:cNvPr id="5" name="직사각형 4">
+            <a:extLst>
+              <a:ext uri="{FF2B5EF4-FFF2-40B4-BE49-F238E27FC236}">
+                <a16:creationId xmlns:a16="http://schemas.microsoft.com/office/drawing/2014/main" id="{D3326807-9290-41A9-9920-BEDC3301F011}"/>
+              </a:ext>
+            </a:extLst>
+          </p:cNvPr>
+          <p:cNvSpPr/>
+          <p:nvPr/>
+        </p:nvSpPr>
+        <p:spPr>
+          <a:xfrm>
+            <a:off x="1988191" y="4714613"/>
+            <a:ext cx="1828800" cy="755009"/>
+          </a:xfrm>
+          <a:prstGeom prst="rect">
+            <a:avLst/>
+          </a:prstGeom>
+          <a:solidFill>
+            <a:schemeClr val="bg1">
+              <a:alpha val="0"/>
+            </a:schemeClr>
+          </a:solidFill>
+          <a:ln w="25400">
+            <a:solidFill>
+              <a:srgbClr val="FF0000"/>
+            </a:solidFill>
+          </a:ln>
+        </p:spPr>
+        <p:style>
+          <a:lnRef idx="2">
+            <a:schemeClr val="accent1">
+              <a:shade val="50000"/>
+            </a:schemeClr>
+          </a:lnRef>
+          <a:fillRef idx="1">
+            <a:schemeClr val="accent1"/>
+          </a:fillRef>
+          <a:effectRef idx="0">
+            <a:schemeClr val="accent1"/>
+          </a:effectRef>
+          <a:fontRef idx="minor">
+            <a:schemeClr val="lt1"/>
+          </a:fontRef>
+        </p:style>
+        <p:txBody>
+          <a:bodyPr rtlCol="0" anchor="ctr"/>
+          <a:lstStyle/>
+          <a:p>
+            <a:pPr algn="ctr"/>
+            <a:endParaRPr lang="ko-KR" altLang="en-US"/>
+          </a:p>
+        </p:txBody>
+      </p:sp>
+    </p:spTree>
+    <p:extLst>
+      <p:ext uri="{BB962C8B-B14F-4D97-AF65-F5344CB8AC3E}">
+        <p14:creationId xmlns:p14="http://schemas.microsoft.com/office/powerpoint/2010/main" val="2419278860"/>
+      </p:ext>
+    </p:extLst>
+  </p:cSld>
+  <p:clrMapOvr>
+    <a:masterClrMapping/>
+  </p:clrMapOvr>
+</p:sld>
+</file>
+
+<file path=ppt/slides/slide13.xml><?xml version="1.0" encoding="utf-8"?>
+<p:sld xmlns:a="http://schemas.openxmlformats.org/drawingml/2006/main" xmlns:r="http://schemas.openxmlformats.org/officeDocument/2006/relationships" xmlns:p="http://schemas.openxmlformats.org/presentationml/2006/main">
+  <p:cSld>
+    <p:spTree>
+      <p:nvGrpSpPr>
+        <p:cNvPr id="1" name=""/>
+        <p:cNvGrpSpPr/>
+        <p:nvPr/>
+      </p:nvGrpSpPr>
+      <p:grpSpPr>
+        <a:xfrm>
+          <a:off x="0" y="0"/>
+          <a:ext cx="0" cy="0"/>
+          <a:chOff x="0" y="0"/>
+          <a:chExt cx="0" cy="0"/>
+        </a:xfrm>
+      </p:grpSpPr>
+      <p:sp>
+        <p:nvSpPr>
+          <p:cNvPr id="2" name="TextBox 1"/>
+          <p:cNvSpPr txBox="1"/>
+          <p:nvPr/>
+        </p:nvSpPr>
+        <p:spPr>
+          <a:xfrm>
+            <a:off x="3868376" y="2447473"/>
+            <a:ext cx="4455259" cy="1200329"/>
+          </a:xfrm>
+          <a:prstGeom prst="rect">
+            <a:avLst/>
+          </a:prstGeom>
+          <a:noFill/>
+        </p:spPr>
+        <p:txBody>
+          <a:bodyPr wrap="none" rtlCol="0">
+            <a:spAutoFit/>
+          </a:bodyPr>
+          <a:lstStyle/>
+          <a:p>
+            <a:pPr algn="ctr"/>
+            <a:r>
+              <a:rPr lang="en-US" altLang="ko-KR" sz="7200" spc="-300" dirty="0">
+                <a:solidFill>
+                  <a:srgbClr val="00002F"/>
+                </a:solidFill>
+                <a:latin typeface="나눔스퀘어 ExtraBold" panose="020B0600000101010101" pitchFamily="50" charset="-127"/>
+                <a:ea typeface="나눔스퀘어 ExtraBold" panose="020B0600000101010101" pitchFamily="50" charset="-127"/>
+              </a:rPr>
+              <a:t>Thank you</a:t>
+            </a:r>
+            <a:endParaRPr lang="ko-KR" altLang="en-US" sz="7200" spc="-300" dirty="0">
+              <a:solidFill>
+                <a:srgbClr val="00002F"/>
+              </a:solidFill>
+              <a:latin typeface="나눔스퀘어 ExtraBold" panose="020B0600000101010101" pitchFamily="50" charset="-127"/>
+              <a:ea typeface="나눔스퀘어 ExtraBold" panose="020B0600000101010101" pitchFamily="50" charset="-127"/>
+            </a:endParaRPr>
+          </a:p>
+        </p:txBody>
+      </p:sp>
+      <p:sp>
+        <p:nvSpPr>
+          <p:cNvPr id="3" name="직사각형 2"/>
+          <p:cNvSpPr/>
+          <p:nvPr/>
+        </p:nvSpPr>
+        <p:spPr>
+          <a:xfrm>
+            <a:off x="4000499" y="3591816"/>
+            <a:ext cx="4200071" cy="391195"/>
+          </a:xfrm>
+          <a:prstGeom prst="rect">
+            <a:avLst/>
+          </a:prstGeom>
+          <a:solidFill>
+            <a:srgbClr val="8DBABD"/>
+          </a:solidFill>
+          <a:ln>
+            <a:solidFill>
+              <a:srgbClr val="8DBABD"/>
+            </a:solidFill>
+          </a:ln>
+        </p:spPr>
+        <p:style>
+          <a:lnRef idx="2">
+            <a:schemeClr val="accent1">
+              <a:shade val="50000"/>
+            </a:schemeClr>
+          </a:lnRef>
+          <a:fillRef idx="1">
+            <a:schemeClr val="accent1"/>
+          </a:fillRef>
+          <a:effectRef idx="0">
+            <a:schemeClr val="accent1"/>
+          </a:effectRef>
+          <a:fontRef idx="minor">
+            <a:schemeClr val="lt1"/>
+          </a:fontRef>
+        </p:style>
+        <p:txBody>
+          <a:bodyPr rtlCol="0" anchor="ctr"/>
+          <a:lstStyle/>
+          <a:p>
+            <a:pPr algn="ctr"/>
+            <a:r>
+              <a:rPr lang="ko-KR" altLang="en-US" dirty="0" err="1">
+                <a:latin typeface="나눔스퀘어 Bold" panose="020B0600000101010101" pitchFamily="50" charset="-127"/>
+                <a:ea typeface="나눔스퀘어 Bold" panose="020B0600000101010101" pitchFamily="50" charset="-127"/>
+              </a:rPr>
+              <a:t>나눔스퀘어</a:t>
+            </a:r>
+            <a:endParaRPr lang="ko-KR" altLang="en-US" dirty="0">
+              <a:latin typeface="나눔스퀘어 Bold" panose="020B0600000101010101" pitchFamily="50" charset="-127"/>
+              <a:ea typeface="나눔스퀘어 Bold" panose="020B0600000101010101" pitchFamily="50" charset="-127"/>
+            </a:endParaRPr>
+          </a:p>
+        </p:txBody>
+      </p:sp>
+    </p:spTree>
+    <p:extLst>
+      <p:ext uri="{BB962C8B-B14F-4D97-AF65-F5344CB8AC3E}">
+        <p14:creationId xmlns:p14="http://schemas.microsoft.com/office/powerpoint/2010/main" val="4116967652"/>
       </p:ext>
     </p:extLst>
   </p:cSld>
@@ -1815,7 +2924,7 @@
         </p:nvSpPr>
         <p:spPr>
           <a:xfrm>
-            <a:off x="3586929" y="2456031"/>
+            <a:off x="1967852" y="2456031"/>
             <a:ext cx="2012089" cy="1862048"/>
           </a:xfrm>
           <a:prstGeom prst="rect">
@@ -1857,7 +2966,7 @@
         </p:nvSpPr>
         <p:spPr>
           <a:xfrm>
-            <a:off x="3492187" y="3152105"/>
+            <a:off x="1873110" y="3152105"/>
             <a:ext cx="2201573" cy="469900"/>
           </a:xfrm>
           <a:prstGeom prst="rect">
@@ -1923,7 +3032,7 @@
         </p:nvSpPr>
         <p:spPr>
           <a:xfrm>
-            <a:off x="6736529" y="2456031"/>
+            <a:off x="5088569" y="2456031"/>
             <a:ext cx="2012089" cy="1862048"/>
           </a:xfrm>
           <a:prstGeom prst="rect">
@@ -1965,7 +3074,7 @@
         </p:nvSpPr>
         <p:spPr>
           <a:xfrm>
-            <a:off x="6641787" y="3152105"/>
+            <a:off x="5022710" y="3152105"/>
             <a:ext cx="2201573" cy="469900"/>
           </a:xfrm>
           <a:prstGeom prst="rect">
@@ -2103,6 +3212,126 @@
           </a:fontRef>
         </p:style>
       </p:cxnSp>
+      <p:sp>
+        <p:nvSpPr>
+          <p:cNvPr id="8" name="TextBox 7">
+            <a:extLst>
+              <a:ext uri="{FF2B5EF4-FFF2-40B4-BE49-F238E27FC236}">
+                <a16:creationId xmlns:a16="http://schemas.microsoft.com/office/drawing/2014/main" id="{521984E1-2345-4543-A176-80D28EF28D85}"/>
+              </a:ext>
+            </a:extLst>
+          </p:cNvPr>
+          <p:cNvSpPr txBox="1"/>
+          <p:nvPr/>
+        </p:nvSpPr>
+        <p:spPr>
+          <a:xfrm>
+            <a:off x="8114544" y="2456031"/>
+            <a:ext cx="2012089" cy="1862048"/>
+          </a:xfrm>
+          <a:prstGeom prst="rect">
+            <a:avLst/>
+          </a:prstGeom>
+          <a:noFill/>
+        </p:spPr>
+        <p:txBody>
+          <a:bodyPr wrap="none" rtlCol="0">
+            <a:spAutoFit/>
+          </a:bodyPr>
+          <a:lstStyle/>
+          <a:p>
+            <a:r>
+              <a:rPr lang="en-US" altLang="ko-KR" sz="11500" b="1" dirty="0">
+                <a:solidFill>
+                  <a:srgbClr val="00002F"/>
+                </a:solidFill>
+                <a:latin typeface="나눔스퀘어 ExtraBold" panose="020B0600000101010101" pitchFamily="50" charset="-127"/>
+                <a:ea typeface="나눔스퀘어 ExtraBold" panose="020B0600000101010101" pitchFamily="50" charset="-127"/>
+              </a:rPr>
+              <a:t>03</a:t>
+            </a:r>
+            <a:endParaRPr lang="ko-KR" altLang="en-US" sz="11500" b="1" dirty="0">
+              <a:solidFill>
+                <a:srgbClr val="00002F"/>
+              </a:solidFill>
+              <a:latin typeface="나눔스퀘어 ExtraBold" panose="020B0600000101010101" pitchFamily="50" charset="-127"/>
+              <a:ea typeface="나눔스퀘어 ExtraBold" panose="020B0600000101010101" pitchFamily="50" charset="-127"/>
+            </a:endParaRPr>
+          </a:p>
+        </p:txBody>
+      </p:sp>
+      <p:sp>
+        <p:nvSpPr>
+          <p:cNvPr id="9" name="직사각형 8">
+            <a:extLst>
+              <a:ext uri="{FF2B5EF4-FFF2-40B4-BE49-F238E27FC236}">
+                <a16:creationId xmlns:a16="http://schemas.microsoft.com/office/drawing/2014/main" id="{8E9E1906-556D-44F9-8615-EFC13416D910}"/>
+              </a:ext>
+            </a:extLst>
+          </p:cNvPr>
+          <p:cNvSpPr/>
+          <p:nvPr/>
+        </p:nvSpPr>
+        <p:spPr>
+          <a:xfrm>
+            <a:off x="8019801" y="3152105"/>
+            <a:ext cx="2201573" cy="469900"/>
+          </a:xfrm>
+          <a:prstGeom prst="rect">
+            <a:avLst/>
+          </a:prstGeom>
+          <a:solidFill>
+            <a:schemeClr val="bg1">
+              <a:alpha val="80000"/>
+            </a:schemeClr>
+          </a:solidFill>
+          <a:ln>
+            <a:solidFill>
+              <a:schemeClr val="bg1"/>
+            </a:solidFill>
+          </a:ln>
+        </p:spPr>
+        <p:style>
+          <a:lnRef idx="2">
+            <a:schemeClr val="accent1">
+              <a:shade val="50000"/>
+            </a:schemeClr>
+          </a:lnRef>
+          <a:fillRef idx="1">
+            <a:schemeClr val="accent1"/>
+          </a:fillRef>
+          <a:effectRef idx="0">
+            <a:schemeClr val="accent1"/>
+          </a:effectRef>
+          <a:fontRef idx="minor">
+            <a:schemeClr val="lt1"/>
+          </a:fontRef>
+        </p:style>
+        <p:txBody>
+          <a:bodyPr rtlCol="0" anchor="ctr"/>
+          <a:lstStyle/>
+          <a:p>
+            <a:pPr algn="ctr"/>
+            <a:r>
+              <a:rPr lang="en-US" altLang="ko-KR" sz="2000" dirty="0">
+                <a:solidFill>
+                  <a:srgbClr val="00002F"/>
+                </a:solidFill>
+                <a:latin typeface="나눔스퀘어 ExtraBold" panose="020B0600000101010101" pitchFamily="50" charset="-127"/>
+                <a:ea typeface="나눔스퀘어 ExtraBold" panose="020B0600000101010101" pitchFamily="50" charset="-127"/>
+              </a:rPr>
+              <a:t>Data</a:t>
+            </a:r>
+            <a:endParaRPr lang="ko-KR" altLang="en-US" sz="2000" dirty="0">
+              <a:solidFill>
+                <a:srgbClr val="00002F"/>
+              </a:solidFill>
+              <a:latin typeface="나눔스퀘어 ExtraBold" panose="020B0600000101010101" pitchFamily="50" charset="-127"/>
+              <a:ea typeface="나눔스퀘어 ExtraBold" panose="020B0600000101010101" pitchFamily="50" charset="-127"/>
+            </a:endParaRPr>
+          </a:p>
+        </p:txBody>
+      </p:sp>
     </p:spTree>
     <p:extLst>
       <p:ext uri="{BB962C8B-B14F-4D97-AF65-F5344CB8AC3E}">
@@ -2863,7 +4092,7 @@
                 <a:latin typeface="나눔스퀘어 ExtraBold" panose="020B0600000101010101" pitchFamily="50" charset="-127"/>
                 <a:ea typeface="나눔스퀘어 ExtraBold" panose="020B0600000101010101" pitchFamily="50" charset="-127"/>
               </a:rPr>
-              <a:t>(NODE)</a:t>
+              <a:t> </a:t>
             </a:r>
             <a:r>
               <a:rPr lang="ko-KR" altLang="en-US" sz="2000" spc="-150" dirty="0">
@@ -3232,7 +4461,7 @@
         </p:nvSpPr>
         <p:spPr>
           <a:xfrm>
-            <a:off x="1966952" y="2834663"/>
+            <a:off x="1966952" y="2552692"/>
             <a:ext cx="8258095" cy="400110"/>
           </a:xfrm>
           <a:prstGeom prst="rect">
@@ -3257,6 +4486,16 @@
               <a:t>1. </a:t>
             </a:r>
             <a:r>
+              <a:rPr lang="ko-KR" altLang="en-US" sz="2000" spc="-150" dirty="0" err="1">
+                <a:solidFill>
+                  <a:srgbClr val="8DBABD"/>
+                </a:solidFill>
+                <a:latin typeface="나눔스퀘어 ExtraBold" panose="020B0600000101010101" pitchFamily="50" charset="-127"/>
+                <a:ea typeface="나눔스퀘어 ExtraBold" panose="020B0600000101010101" pitchFamily="50" charset="-127"/>
+              </a:rPr>
+              <a:t>어딜</a:t>
+            </a:r>
+            <a:r>
               <a:rPr lang="ko-KR" altLang="en-US" sz="2000" spc="-150" dirty="0">
                 <a:solidFill>
                   <a:srgbClr val="8DBABD"/>
@@ -3264,27 +4503,7 @@
                 <a:latin typeface="나눔스퀘어 ExtraBold" panose="020B0600000101010101" pitchFamily="50" charset="-127"/>
                 <a:ea typeface="나눔스퀘어 ExtraBold" panose="020B0600000101010101" pitchFamily="50" charset="-127"/>
               </a:rPr>
-              <a:t>개인의 기호에 따라 달라지겠지만</a:t>
-            </a:r>
-            <a:r>
-              <a:rPr lang="en-US" altLang="ko-KR" sz="2000" spc="-150" dirty="0">
-                <a:solidFill>
-                  <a:srgbClr val="8DBABD"/>
-                </a:solidFill>
-                <a:latin typeface="나눔스퀘어 ExtraBold" panose="020B0600000101010101" pitchFamily="50" charset="-127"/>
-                <a:ea typeface="나눔스퀘어 ExtraBold" panose="020B0600000101010101" pitchFamily="50" charset="-127"/>
-              </a:rPr>
-              <a:t>, </a:t>
-            </a:r>
-            <a:r>
-              <a:rPr lang="ko-KR" altLang="en-US" sz="2000" spc="-150" dirty="0">
-                <a:solidFill>
-                  <a:srgbClr val="8DBABD"/>
-                </a:solidFill>
-                <a:latin typeface="나눔스퀘어 ExtraBold" panose="020B0600000101010101" pitchFamily="50" charset="-127"/>
-                <a:ea typeface="나눔스퀘어 ExtraBold" panose="020B0600000101010101" pitchFamily="50" charset="-127"/>
-              </a:rPr>
-              <a:t>유명한 관광지는 보통 유동인구가 많다</a:t>
+              <a:t> 가든 계획 짜는 것을 귀찮아 하는 사람이 있다</a:t>
             </a:r>
             <a:r>
               <a:rPr lang="en-US" altLang="ko-KR" sz="2000" spc="-150" dirty="0">
@@ -3339,17 +4558,17 @@
                 <a:latin typeface="나눔스퀘어 ExtraBold" panose="020B0600000101010101" pitchFamily="50" charset="-127"/>
                 <a:ea typeface="나눔스퀘어 ExtraBold" panose="020B0600000101010101" pitchFamily="50" charset="-127"/>
               </a:rPr>
-              <a:t>문제 해결 제안</a:t>
+              <a:t>문제점</a:t>
             </a:r>
           </a:p>
         </p:txBody>
       </p:sp>
       <p:sp>
         <p:nvSpPr>
-          <p:cNvPr id="14" name="TextBox 13">
+          <p:cNvPr id="15" name="TextBox 14">
             <a:extLst>
               <a:ext uri="{FF2B5EF4-FFF2-40B4-BE49-F238E27FC236}">
-                <a16:creationId xmlns:a16="http://schemas.microsoft.com/office/drawing/2014/main" id="{46ECFA40-2672-48A8-A1C8-20BB87FE8916}"/>
+                <a16:creationId xmlns:a16="http://schemas.microsoft.com/office/drawing/2014/main" id="{EF2AB2C5-6F0F-4881-8F12-44B246416E0F}"/>
               </a:ext>
             </a:extLst>
           </p:cNvPr>
@@ -3358,7 +4577,7 @@
         </p:nvSpPr>
         <p:spPr>
           <a:xfrm>
-            <a:off x="1966951" y="3721332"/>
+            <a:off x="1966950" y="3253755"/>
             <a:ext cx="8258095" cy="400110"/>
           </a:xfrm>
           <a:prstGeom prst="rect">
@@ -3390,7 +4609,7 @@
                 <a:latin typeface="나눔스퀘어 ExtraBold" panose="020B0600000101010101" pitchFamily="50" charset="-127"/>
                 <a:ea typeface="나눔스퀘어 ExtraBold" panose="020B0600000101010101" pitchFamily="50" charset="-127"/>
               </a:rPr>
-              <a:t>유동인구와 관광지 간의 거리로 보편적인 관광지 추천 루트를 제시한다</a:t>
+              <a:t>루트를 짜기 전</a:t>
             </a:r>
             <a:r>
               <a:rPr lang="en-US" altLang="ko-KR" sz="2000" spc="-150" dirty="0">
@@ -3400,22 +4619,25 @@
                 <a:latin typeface="나눔스퀘어 ExtraBold" panose="020B0600000101010101" pitchFamily="50" charset="-127"/>
                 <a:ea typeface="나눔스퀘어 ExtraBold" panose="020B0600000101010101" pitchFamily="50" charset="-127"/>
               </a:rPr>
-              <a:t>.</a:t>
-            </a:r>
-            <a:endParaRPr lang="ko-KR" altLang="en-US" sz="2000" spc="-150" dirty="0">
-              <a:solidFill>
-                <a:srgbClr val="8DBABD"/>
-              </a:solidFill>
-              <a:latin typeface="나눔스퀘어 ExtraBold" panose="020B0600000101010101" pitchFamily="50" charset="-127"/>
-              <a:ea typeface="나눔스퀘어 ExtraBold" panose="020B0600000101010101" pitchFamily="50" charset="-127"/>
-            </a:endParaRPr>
+              <a:t>, </a:t>
+            </a:r>
+            <a:r>
+              <a:rPr lang="ko-KR" altLang="en-US" sz="2000" spc="-150" dirty="0">
+                <a:solidFill>
+                  <a:srgbClr val="8DBABD"/>
+                </a:solidFill>
+                <a:latin typeface="나눔스퀘어 ExtraBold" panose="020B0600000101010101" pitchFamily="50" charset="-127"/>
+                <a:ea typeface="나눔스퀘어 ExtraBold" panose="020B0600000101010101" pitchFamily="50" charset="-127"/>
+              </a:rPr>
+              <a:t>대략적인 가이드라인 제공 가능</a:t>
+            </a:r>
           </a:p>
         </p:txBody>
       </p:sp>
     </p:spTree>
     <p:extLst>
       <p:ext uri="{BB962C8B-B14F-4D97-AF65-F5344CB8AC3E}">
-        <p14:creationId xmlns:p14="http://schemas.microsoft.com/office/powerpoint/2010/main" val="2696438821"/>
+        <p14:creationId xmlns:p14="http://schemas.microsoft.com/office/powerpoint/2010/main" val="1369154930"/>
       </p:ext>
     </p:extLst>
   </p:cSld>
@@ -3444,14 +4666,14 @@
       </p:grpSpPr>
       <p:sp>
         <p:nvSpPr>
-          <p:cNvPr id="2" name="TextBox 1"/>
+          <p:cNvPr id="5" name="TextBox 4"/>
           <p:cNvSpPr txBox="1"/>
           <p:nvPr/>
         </p:nvSpPr>
         <p:spPr>
           <a:xfrm>
-            <a:off x="4000500" y="2472873"/>
-            <a:ext cx="797013" cy="769441"/>
+            <a:off x="928216" y="437393"/>
+            <a:ext cx="3584186" cy="584775"/>
           </a:xfrm>
           <a:prstGeom prst="rect">
             <a:avLst/>
@@ -3464,80 +4686,467 @@
           </a:bodyPr>
           <a:lstStyle/>
           <a:p>
-            <a:r>
-              <a:rPr lang="en-US" altLang="ko-KR" sz="4400" spc="-300" dirty="0">
+            <a:pPr algn="ctr"/>
+            <a:r>
+              <a:rPr lang="en-US" altLang="ko-KR" sz="3200" spc="-150" dirty="0">
                 <a:solidFill>
                   <a:srgbClr val="00002F"/>
                 </a:solidFill>
-                <a:latin typeface="나눔스퀘어 Bold" panose="020B0600000101010101" pitchFamily="50" charset="-127"/>
-                <a:ea typeface="나눔스퀘어 Bold" panose="020B0600000101010101" pitchFamily="50" charset="-127"/>
-              </a:rPr>
-              <a:t>02</a:t>
-            </a:r>
-            <a:endParaRPr lang="ko-KR" altLang="en-US" sz="4400" spc="-300" dirty="0">
+                <a:latin typeface="나눔스퀘어 ExtraBold" panose="020B0600000101010101" pitchFamily="50" charset="-127"/>
+                <a:ea typeface="나눔스퀘어 ExtraBold" panose="020B0600000101010101" pitchFamily="50" charset="-127"/>
+              </a:rPr>
+              <a:t>Problem Definition</a:t>
+            </a:r>
+            <a:endParaRPr lang="ko-KR" altLang="en-US" sz="3200" spc="-150" dirty="0">
               <a:solidFill>
                 <a:srgbClr val="00002F"/>
               </a:solidFill>
-              <a:latin typeface="나눔스퀘어 Bold" panose="020B0600000101010101" pitchFamily="50" charset="-127"/>
-              <a:ea typeface="나눔스퀘어 Bold" panose="020B0600000101010101" pitchFamily="50" charset="-127"/>
+              <a:latin typeface="나눔스퀘어 ExtraBold" panose="020B0600000101010101" pitchFamily="50" charset="-127"/>
+              <a:ea typeface="나눔스퀘어 ExtraBold" panose="020B0600000101010101" pitchFamily="50" charset="-127"/>
             </a:endParaRPr>
+          </a:p>
+        </p:txBody>
+      </p:sp>
+      <p:cxnSp>
+        <p:nvCxnSpPr>
+          <p:cNvPr id="4" name="직선 연결선 3"/>
+          <p:cNvCxnSpPr>
+            <a:cxnSpLocks/>
+          </p:cNvCxnSpPr>
+          <p:nvPr/>
+        </p:nvCxnSpPr>
+        <p:spPr>
+          <a:xfrm>
+            <a:off x="1026522" y="989148"/>
+            <a:ext cx="3352531" cy="0"/>
+          </a:xfrm>
+          <a:prstGeom prst="line">
+            <a:avLst/>
+          </a:prstGeom>
+          <a:ln>
+            <a:solidFill>
+              <a:schemeClr val="bg1">
+                <a:lumMod val="50000"/>
+              </a:schemeClr>
+            </a:solidFill>
+          </a:ln>
+        </p:spPr>
+        <p:style>
+          <a:lnRef idx="1">
+            <a:schemeClr val="accent1"/>
+          </a:lnRef>
+          <a:fillRef idx="0">
+            <a:schemeClr val="accent1"/>
+          </a:fillRef>
+          <a:effectRef idx="0">
+            <a:schemeClr val="accent1"/>
+          </a:effectRef>
+          <a:fontRef idx="minor">
+            <a:schemeClr val="tx1"/>
+          </a:fontRef>
+        </p:style>
+      </p:cxnSp>
+      <p:sp>
+        <p:nvSpPr>
+          <p:cNvPr id="12" name="TextBox 11"/>
+          <p:cNvSpPr txBox="1"/>
+          <p:nvPr/>
+        </p:nvSpPr>
+        <p:spPr>
+          <a:xfrm>
+            <a:off x="455532" y="498947"/>
+            <a:ext cx="614271" cy="461665"/>
+          </a:xfrm>
+          <a:prstGeom prst="rect">
+            <a:avLst/>
+          </a:prstGeom>
+          <a:noFill/>
+        </p:spPr>
+        <p:txBody>
+          <a:bodyPr wrap="none" rtlCol="0">
+            <a:spAutoFit/>
+          </a:bodyPr>
+          <a:lstStyle/>
+          <a:p>
+            <a:pPr algn="ctr"/>
+            <a:r>
+              <a:rPr lang="en-US" altLang="ko-KR" sz="2400" spc="-150" dirty="0">
+                <a:solidFill>
+                  <a:srgbClr val="00002F"/>
+                </a:solidFill>
+                <a:latin typeface="나눔스퀘어 ExtraBold" panose="020B0600000101010101" pitchFamily="50" charset="-127"/>
+                <a:ea typeface="나눔스퀘어 ExtraBold" panose="020B0600000101010101" pitchFamily="50" charset="-127"/>
+              </a:rPr>
+              <a:t>01.</a:t>
+            </a:r>
+            <a:endParaRPr lang="ko-KR" altLang="en-US" sz="2400" spc="-150" dirty="0">
+              <a:solidFill>
+                <a:srgbClr val="00002F"/>
+              </a:solidFill>
+              <a:latin typeface="나눔스퀘어 ExtraBold" panose="020B0600000101010101" pitchFamily="50" charset="-127"/>
+              <a:ea typeface="나눔스퀘어 ExtraBold" panose="020B0600000101010101" pitchFamily="50" charset="-127"/>
+            </a:endParaRPr>
+          </a:p>
+        </p:txBody>
+      </p:sp>
+      <p:cxnSp>
+        <p:nvCxnSpPr>
+          <p:cNvPr id="7" name="직선 연결선 6"/>
+          <p:cNvCxnSpPr/>
+          <p:nvPr/>
+        </p:nvCxnSpPr>
+        <p:spPr>
+          <a:xfrm>
+            <a:off x="10430892" y="144941"/>
+            <a:ext cx="360000" cy="0"/>
+          </a:xfrm>
+          <a:prstGeom prst="line">
+            <a:avLst/>
+          </a:prstGeom>
+          <a:ln w="44450" cap="rnd">
+            <a:solidFill>
+              <a:srgbClr val="8DBABD"/>
+            </a:solidFill>
+          </a:ln>
+          <a:effectLst>
+            <a:outerShdw blurRad="50800" dist="38100" dir="5400000" algn="t" rotWithShape="0">
+              <a:prstClr val="black">
+                <a:alpha val="40000"/>
+              </a:prstClr>
+            </a:outerShdw>
+          </a:effectLst>
+        </p:spPr>
+        <p:style>
+          <a:lnRef idx="1">
+            <a:schemeClr val="accent1"/>
+          </a:lnRef>
+          <a:fillRef idx="0">
+            <a:schemeClr val="accent1"/>
+          </a:fillRef>
+          <a:effectRef idx="0">
+            <a:schemeClr val="accent1"/>
+          </a:effectRef>
+          <a:fontRef idx="minor">
+            <a:schemeClr val="tx1"/>
+          </a:fontRef>
+        </p:style>
+      </p:cxnSp>
+      <p:cxnSp>
+        <p:nvCxnSpPr>
+          <p:cNvPr id="8" name="직선 연결선 7"/>
+          <p:cNvCxnSpPr/>
+          <p:nvPr/>
+        </p:nvCxnSpPr>
+        <p:spPr>
+          <a:xfrm>
+            <a:off x="10858459" y="144941"/>
+            <a:ext cx="360000" cy="0"/>
+          </a:xfrm>
+          <a:prstGeom prst="line">
+            <a:avLst/>
+          </a:prstGeom>
+          <a:ln w="44450" cap="rnd">
+            <a:solidFill>
+              <a:schemeClr val="bg2">
+                <a:lumMod val="90000"/>
+              </a:schemeClr>
+            </a:solidFill>
+          </a:ln>
+          <a:effectLst>
+            <a:outerShdw blurRad="50800" dist="38100" dir="5400000" algn="t" rotWithShape="0">
+              <a:prstClr val="black">
+                <a:alpha val="40000"/>
+              </a:prstClr>
+            </a:outerShdw>
+          </a:effectLst>
+        </p:spPr>
+        <p:style>
+          <a:lnRef idx="1">
+            <a:schemeClr val="accent1"/>
+          </a:lnRef>
+          <a:fillRef idx="0">
+            <a:schemeClr val="accent1"/>
+          </a:fillRef>
+          <a:effectRef idx="0">
+            <a:schemeClr val="accent1"/>
+          </a:effectRef>
+          <a:fontRef idx="minor">
+            <a:schemeClr val="tx1"/>
+          </a:fontRef>
+        </p:style>
+      </p:cxnSp>
+      <p:cxnSp>
+        <p:nvCxnSpPr>
+          <p:cNvPr id="9" name="직선 연결선 8"/>
+          <p:cNvCxnSpPr/>
+          <p:nvPr/>
+        </p:nvCxnSpPr>
+        <p:spPr>
+          <a:xfrm>
+            <a:off x="11286026" y="144941"/>
+            <a:ext cx="360000" cy="0"/>
+          </a:xfrm>
+          <a:prstGeom prst="line">
+            <a:avLst/>
+          </a:prstGeom>
+          <a:ln w="44450" cap="rnd">
+            <a:solidFill>
+              <a:schemeClr val="bg2">
+                <a:lumMod val="90000"/>
+              </a:schemeClr>
+            </a:solidFill>
+          </a:ln>
+          <a:effectLst>
+            <a:outerShdw blurRad="50800" dist="38100" dir="5400000" algn="t" rotWithShape="0">
+              <a:prstClr val="black">
+                <a:alpha val="40000"/>
+              </a:prstClr>
+            </a:outerShdw>
+          </a:effectLst>
+        </p:spPr>
+        <p:style>
+          <a:lnRef idx="1">
+            <a:schemeClr val="accent1"/>
+          </a:lnRef>
+          <a:fillRef idx="0">
+            <a:schemeClr val="accent1"/>
+          </a:fillRef>
+          <a:effectRef idx="0">
+            <a:schemeClr val="accent1"/>
+          </a:effectRef>
+          <a:fontRef idx="minor">
+            <a:schemeClr val="tx1"/>
+          </a:fontRef>
+        </p:style>
+      </p:cxnSp>
+      <p:cxnSp>
+        <p:nvCxnSpPr>
+          <p:cNvPr id="10" name="직선 연결선 9"/>
+          <p:cNvCxnSpPr/>
+          <p:nvPr/>
+        </p:nvCxnSpPr>
+        <p:spPr>
+          <a:xfrm>
+            <a:off x="11713592" y="144941"/>
+            <a:ext cx="360000" cy="0"/>
+          </a:xfrm>
+          <a:prstGeom prst="line">
+            <a:avLst/>
+          </a:prstGeom>
+          <a:ln w="44450" cap="rnd">
+            <a:solidFill>
+              <a:schemeClr val="bg2">
+                <a:lumMod val="90000"/>
+              </a:schemeClr>
+            </a:solidFill>
+          </a:ln>
+          <a:effectLst>
+            <a:outerShdw blurRad="50800" dist="38100" dir="5400000" algn="t" rotWithShape="0">
+              <a:prstClr val="black">
+                <a:alpha val="40000"/>
+              </a:prstClr>
+            </a:outerShdw>
+          </a:effectLst>
+        </p:spPr>
+        <p:style>
+          <a:lnRef idx="1">
+            <a:schemeClr val="accent1"/>
+          </a:lnRef>
+          <a:fillRef idx="0">
+            <a:schemeClr val="accent1"/>
+          </a:fillRef>
+          <a:effectRef idx="0">
+            <a:schemeClr val="accent1"/>
+          </a:effectRef>
+          <a:fontRef idx="minor">
+            <a:schemeClr val="tx1"/>
+          </a:fontRef>
+        </p:style>
+      </p:cxnSp>
+      <p:sp>
+        <p:nvSpPr>
+          <p:cNvPr id="11" name="TextBox 10"/>
+          <p:cNvSpPr txBox="1"/>
+          <p:nvPr/>
+        </p:nvSpPr>
+        <p:spPr>
+          <a:xfrm>
+            <a:off x="1966952" y="2834663"/>
+            <a:ext cx="8258095" cy="400110"/>
+          </a:xfrm>
+          <a:prstGeom prst="rect">
+            <a:avLst/>
+          </a:prstGeom>
+          <a:noFill/>
+        </p:spPr>
+        <p:txBody>
+          <a:bodyPr wrap="square" rtlCol="0">
+            <a:spAutoFit/>
+          </a:bodyPr>
+          <a:lstStyle/>
+          <a:p>
+            <a:r>
+              <a:rPr lang="en-US" altLang="ko-KR" sz="2000" spc="-150" dirty="0">
+                <a:solidFill>
+                  <a:srgbClr val="8DBABD"/>
+                </a:solidFill>
+                <a:latin typeface="나눔스퀘어 ExtraBold" panose="020B0600000101010101" pitchFamily="50" charset="-127"/>
+                <a:ea typeface="나눔스퀘어 ExtraBold" panose="020B0600000101010101" pitchFamily="50" charset="-127"/>
+              </a:rPr>
+              <a:t>1. </a:t>
+            </a:r>
+            <a:r>
+              <a:rPr lang="ko-KR" altLang="en-US" sz="2000" spc="-150" dirty="0">
+                <a:solidFill>
+                  <a:srgbClr val="8DBABD"/>
+                </a:solidFill>
+                <a:latin typeface="나눔스퀘어 ExtraBold" panose="020B0600000101010101" pitchFamily="50" charset="-127"/>
+                <a:ea typeface="나눔스퀘어 ExtraBold" panose="020B0600000101010101" pitchFamily="50" charset="-127"/>
+              </a:rPr>
+              <a:t>개인의 기호에 따라 달라지겠지만</a:t>
+            </a:r>
+            <a:r>
+              <a:rPr lang="en-US" altLang="ko-KR" sz="2000" spc="-150" dirty="0">
+                <a:solidFill>
+                  <a:srgbClr val="8DBABD"/>
+                </a:solidFill>
+                <a:latin typeface="나눔스퀘어 ExtraBold" panose="020B0600000101010101" pitchFamily="50" charset="-127"/>
+                <a:ea typeface="나눔스퀘어 ExtraBold" panose="020B0600000101010101" pitchFamily="50" charset="-127"/>
+              </a:rPr>
+              <a:t>, </a:t>
+            </a:r>
+            <a:r>
+              <a:rPr lang="ko-KR" altLang="en-US" sz="2000" spc="-150" dirty="0">
+                <a:solidFill>
+                  <a:srgbClr val="8DBABD"/>
+                </a:solidFill>
+                <a:latin typeface="나눔스퀘어 ExtraBold" panose="020B0600000101010101" pitchFamily="50" charset="-127"/>
+                <a:ea typeface="나눔스퀘어 ExtraBold" panose="020B0600000101010101" pitchFamily="50" charset="-127"/>
+              </a:rPr>
+              <a:t>유명한 관광지는 보통 유동인구가 많다</a:t>
+            </a:r>
+            <a:r>
+              <a:rPr lang="en-US" altLang="ko-KR" sz="2000" spc="-150" dirty="0">
+                <a:solidFill>
+                  <a:srgbClr val="8DBABD"/>
+                </a:solidFill>
+                <a:latin typeface="나눔스퀘어 ExtraBold" panose="020B0600000101010101" pitchFamily="50" charset="-127"/>
+                <a:ea typeface="나눔스퀘어 ExtraBold" panose="020B0600000101010101" pitchFamily="50" charset="-127"/>
+              </a:rPr>
+              <a:t>.</a:t>
+            </a:r>
+            <a:r>
+              <a:rPr lang="ko-KR" altLang="en-US" sz="2000" spc="-150" dirty="0">
+                <a:solidFill>
+                  <a:srgbClr val="8DBABD"/>
+                </a:solidFill>
+                <a:latin typeface="나눔스퀘어 ExtraBold" panose="020B0600000101010101" pitchFamily="50" charset="-127"/>
+                <a:ea typeface="나눔스퀘어 ExtraBold" panose="020B0600000101010101" pitchFamily="50" charset="-127"/>
+              </a:rPr>
+              <a:t> </a:t>
+            </a:r>
           </a:p>
         </p:txBody>
       </p:sp>
       <p:sp>
         <p:nvSpPr>
-          <p:cNvPr id="3" name="직사각형 2"/>
-          <p:cNvSpPr/>
+          <p:cNvPr id="13" name="TextBox 12"/>
+          <p:cNvSpPr txBox="1"/>
           <p:nvPr/>
         </p:nvSpPr>
         <p:spPr>
           <a:xfrm>
-            <a:off x="4000499" y="3169741"/>
-            <a:ext cx="4200071" cy="473345"/>
+            <a:off x="1069803" y="1006929"/>
+            <a:ext cx="3309250" cy="369332"/>
           </a:xfrm>
           <a:prstGeom prst="rect">
             <a:avLst/>
           </a:prstGeom>
-          <a:solidFill>
-            <a:srgbClr val="8DBABD"/>
-          </a:solidFill>
-          <a:ln>
-            <a:solidFill>
-              <a:srgbClr val="8DBABD"/>
-            </a:solidFill>
-          </a:ln>
-        </p:spPr>
-        <p:style>
-          <a:lnRef idx="2">
-            <a:schemeClr val="accent1">
-              <a:shade val="50000"/>
-            </a:schemeClr>
-          </a:lnRef>
-          <a:fillRef idx="1">
-            <a:schemeClr val="accent1"/>
-          </a:fillRef>
-          <a:effectRef idx="0">
-            <a:schemeClr val="accent1"/>
-          </a:effectRef>
-          <a:fontRef idx="minor">
-            <a:schemeClr val="lt1"/>
-          </a:fontRef>
-        </p:style>
+          <a:noFill/>
+        </p:spPr>
         <p:txBody>
-          <a:bodyPr rtlCol="0" anchor="ctr"/>
+          <a:bodyPr wrap="square" rtlCol="0">
+            <a:spAutoFit/>
+          </a:bodyPr>
           <a:lstStyle/>
           <a:p>
-            <a:pPr algn="ctr"/>
-            <a:r>
-              <a:rPr lang="en-US" altLang="ko-KR" dirty="0">
-                <a:latin typeface="나눔스퀘어 Bold" panose="020B0600000101010101" pitchFamily="50" charset="-127"/>
-                <a:ea typeface="나눔스퀘어 Bold" panose="020B0600000101010101" pitchFamily="50" charset="-127"/>
-              </a:rPr>
-              <a:t>Modeling</a:t>
-            </a:r>
-            <a:endParaRPr lang="ko-KR" altLang="en-US" dirty="0">
-              <a:latin typeface="나눔스퀘어 Bold" panose="020B0600000101010101" pitchFamily="50" charset="-127"/>
-              <a:ea typeface="나눔스퀘어 Bold" panose="020B0600000101010101" pitchFamily="50" charset="-127"/>
+            <a:r>
+              <a:rPr lang="ko-KR" altLang="en-US" spc="-150" dirty="0">
+                <a:solidFill>
+                  <a:srgbClr val="00002F"/>
+                </a:solidFill>
+                <a:latin typeface="나눔스퀘어 ExtraBold" panose="020B0600000101010101" pitchFamily="50" charset="-127"/>
+                <a:ea typeface="나눔스퀘어 ExtraBold" panose="020B0600000101010101" pitchFamily="50" charset="-127"/>
+              </a:rPr>
+              <a:t>문제 해결 제안</a:t>
+            </a:r>
+          </a:p>
+        </p:txBody>
+      </p:sp>
+      <p:sp>
+        <p:nvSpPr>
+          <p:cNvPr id="14" name="TextBox 13">
+            <a:extLst>
+              <a:ext uri="{FF2B5EF4-FFF2-40B4-BE49-F238E27FC236}">
+                <a16:creationId xmlns:a16="http://schemas.microsoft.com/office/drawing/2014/main" id="{46ECFA40-2672-48A8-A1C8-20BB87FE8916}"/>
+              </a:ext>
+            </a:extLst>
+          </p:cNvPr>
+          <p:cNvSpPr txBox="1"/>
+          <p:nvPr/>
+        </p:nvSpPr>
+        <p:spPr>
+          <a:xfrm>
+            <a:off x="1966951" y="3721332"/>
+            <a:ext cx="8258095" cy="400110"/>
+          </a:xfrm>
+          <a:prstGeom prst="rect">
+            <a:avLst/>
+          </a:prstGeom>
+          <a:noFill/>
+        </p:spPr>
+        <p:txBody>
+          <a:bodyPr wrap="square" rtlCol="0">
+            <a:spAutoFit/>
+          </a:bodyPr>
+          <a:lstStyle/>
+          <a:p>
+            <a:r>
+              <a:rPr lang="en-US" altLang="ko-KR" sz="2000" spc="-150" dirty="0">
+                <a:solidFill>
+                  <a:srgbClr val="8DBABD"/>
+                </a:solidFill>
+                <a:latin typeface="나눔스퀘어 ExtraBold" panose="020B0600000101010101" pitchFamily="50" charset="-127"/>
+                <a:ea typeface="나눔스퀘어 ExtraBold" panose="020B0600000101010101" pitchFamily="50" charset="-127"/>
+              </a:rPr>
+              <a:t>2. </a:t>
+            </a:r>
+            <a:r>
+              <a:rPr lang="ko-KR" altLang="en-US" sz="2000" spc="-150" dirty="0">
+                <a:solidFill>
+                  <a:srgbClr val="8DBABD"/>
+                </a:solidFill>
+                <a:latin typeface="나눔스퀘어 ExtraBold" panose="020B0600000101010101" pitchFamily="50" charset="-127"/>
+                <a:ea typeface="나눔스퀘어 ExtraBold" panose="020B0600000101010101" pitchFamily="50" charset="-127"/>
+              </a:rPr>
+              <a:t>유동인구와 관광지 간의 거리로 보편적인 관광지 추천 루트를 제시한다</a:t>
+            </a:r>
+            <a:r>
+              <a:rPr lang="en-US" altLang="ko-KR" sz="2000" spc="-150" dirty="0">
+                <a:solidFill>
+                  <a:srgbClr val="8DBABD"/>
+                </a:solidFill>
+                <a:latin typeface="나눔스퀘어 ExtraBold" panose="020B0600000101010101" pitchFamily="50" charset="-127"/>
+                <a:ea typeface="나눔스퀘어 ExtraBold" panose="020B0600000101010101" pitchFamily="50" charset="-127"/>
+              </a:rPr>
+              <a:t>.</a:t>
+            </a:r>
+            <a:endParaRPr lang="ko-KR" altLang="en-US" sz="2000" spc="-150" dirty="0">
+              <a:solidFill>
+                <a:srgbClr val="8DBABD"/>
+              </a:solidFill>
+              <a:latin typeface="나눔스퀘어 ExtraBold" panose="020B0600000101010101" pitchFamily="50" charset="-127"/>
+              <a:ea typeface="나눔스퀘어 ExtraBold" panose="020B0600000101010101" pitchFamily="50" charset="-127"/>
             </a:endParaRPr>
           </a:p>
         </p:txBody>
@@ -3545,7 +5154,7 @@
     </p:spTree>
     <p:extLst>
       <p:ext uri="{BB962C8B-B14F-4D97-AF65-F5344CB8AC3E}">
-        <p14:creationId xmlns:p14="http://schemas.microsoft.com/office/powerpoint/2010/main" val="2963228856"/>
+        <p14:creationId xmlns:p14="http://schemas.microsoft.com/office/powerpoint/2010/main" val="2696438821"/>
       </p:ext>
     </p:extLst>
   </p:cSld>
@@ -3572,225 +5181,16 @@
           <a:chExt cx="0" cy="0"/>
         </a:xfrm>
       </p:grpSpPr>
-      <p:cxnSp>
-        <p:nvCxnSpPr>
-          <p:cNvPr id="14" name="직선 연결선 13"/>
-          <p:cNvCxnSpPr/>
-          <p:nvPr/>
-        </p:nvCxnSpPr>
-        <p:spPr>
-          <a:xfrm>
-            <a:off x="10430892" y="144941"/>
-            <a:ext cx="360000" cy="0"/>
-          </a:xfrm>
-          <a:prstGeom prst="line">
-            <a:avLst/>
-          </a:prstGeom>
-          <a:ln w="44450" cap="rnd">
-            <a:solidFill>
-              <a:srgbClr val="D0CECE"/>
-            </a:solidFill>
-          </a:ln>
-          <a:effectLst>
-            <a:outerShdw blurRad="50800" dist="38100" dir="5400000" algn="t" rotWithShape="0">
-              <a:prstClr val="black">
-                <a:alpha val="40000"/>
-              </a:prstClr>
-            </a:outerShdw>
-          </a:effectLst>
-        </p:spPr>
-        <p:style>
-          <a:lnRef idx="1">
-            <a:schemeClr val="accent1"/>
-          </a:lnRef>
-          <a:fillRef idx="0">
-            <a:schemeClr val="accent1"/>
-          </a:fillRef>
-          <a:effectRef idx="0">
-            <a:schemeClr val="accent1"/>
-          </a:effectRef>
-          <a:fontRef idx="minor">
-            <a:schemeClr val="tx1"/>
-          </a:fontRef>
-        </p:style>
-      </p:cxnSp>
-      <p:cxnSp>
-        <p:nvCxnSpPr>
-          <p:cNvPr id="15" name="직선 연결선 14"/>
-          <p:cNvCxnSpPr/>
-          <p:nvPr/>
-        </p:nvCxnSpPr>
-        <p:spPr>
-          <a:xfrm>
-            <a:off x="10858459" y="144941"/>
-            <a:ext cx="360000" cy="0"/>
-          </a:xfrm>
-          <a:prstGeom prst="line">
-            <a:avLst/>
-          </a:prstGeom>
-          <a:ln w="44450" cap="rnd">
-            <a:solidFill>
-              <a:srgbClr val="8DBABD"/>
-            </a:solidFill>
-          </a:ln>
-          <a:effectLst>
-            <a:outerShdw blurRad="50800" dist="38100" dir="5400000" algn="t" rotWithShape="0">
-              <a:prstClr val="black">
-                <a:alpha val="40000"/>
-              </a:prstClr>
-            </a:outerShdw>
-          </a:effectLst>
-        </p:spPr>
-        <p:style>
-          <a:lnRef idx="1">
-            <a:schemeClr val="accent1"/>
-          </a:lnRef>
-          <a:fillRef idx="0">
-            <a:schemeClr val="accent1"/>
-          </a:fillRef>
-          <a:effectRef idx="0">
-            <a:schemeClr val="accent1"/>
-          </a:effectRef>
-          <a:fontRef idx="minor">
-            <a:schemeClr val="tx1"/>
-          </a:fontRef>
-        </p:style>
-      </p:cxnSp>
-      <p:cxnSp>
-        <p:nvCxnSpPr>
-          <p:cNvPr id="16" name="직선 연결선 15"/>
-          <p:cNvCxnSpPr/>
-          <p:nvPr/>
-        </p:nvCxnSpPr>
-        <p:spPr>
-          <a:xfrm>
-            <a:off x="11286026" y="144941"/>
-            <a:ext cx="360000" cy="0"/>
-          </a:xfrm>
-          <a:prstGeom prst="line">
-            <a:avLst/>
-          </a:prstGeom>
-          <a:ln w="44450" cap="rnd">
-            <a:solidFill>
-              <a:schemeClr val="bg2">
-                <a:lumMod val="90000"/>
-              </a:schemeClr>
-            </a:solidFill>
-          </a:ln>
-          <a:effectLst>
-            <a:outerShdw blurRad="50800" dist="38100" dir="5400000" algn="t" rotWithShape="0">
-              <a:prstClr val="black">
-                <a:alpha val="40000"/>
-              </a:prstClr>
-            </a:outerShdw>
-          </a:effectLst>
-        </p:spPr>
-        <p:style>
-          <a:lnRef idx="1">
-            <a:schemeClr val="accent1"/>
-          </a:lnRef>
-          <a:fillRef idx="0">
-            <a:schemeClr val="accent1"/>
-          </a:fillRef>
-          <a:effectRef idx="0">
-            <a:schemeClr val="accent1"/>
-          </a:effectRef>
-          <a:fontRef idx="minor">
-            <a:schemeClr val="tx1"/>
-          </a:fontRef>
-        </p:style>
-      </p:cxnSp>
-      <p:cxnSp>
-        <p:nvCxnSpPr>
-          <p:cNvPr id="17" name="직선 연결선 16"/>
-          <p:cNvCxnSpPr/>
-          <p:nvPr/>
-        </p:nvCxnSpPr>
-        <p:spPr>
-          <a:xfrm>
-            <a:off x="11713592" y="144941"/>
-            <a:ext cx="360000" cy="0"/>
-          </a:xfrm>
-          <a:prstGeom prst="line">
-            <a:avLst/>
-          </a:prstGeom>
-          <a:ln w="44450" cap="rnd">
-            <a:solidFill>
-              <a:schemeClr val="bg2">
-                <a:lumMod val="90000"/>
-              </a:schemeClr>
-            </a:solidFill>
-          </a:ln>
-          <a:effectLst>
-            <a:outerShdw blurRad="50800" dist="38100" dir="5400000" algn="t" rotWithShape="0">
-              <a:prstClr val="black">
-                <a:alpha val="40000"/>
-              </a:prstClr>
-            </a:outerShdw>
-          </a:effectLst>
-        </p:spPr>
-        <p:style>
-          <a:lnRef idx="1">
-            <a:schemeClr val="accent1"/>
-          </a:lnRef>
-          <a:fillRef idx="0">
-            <a:schemeClr val="accent1"/>
-          </a:fillRef>
-          <a:effectRef idx="0">
-            <a:schemeClr val="accent1"/>
-          </a:effectRef>
-          <a:fontRef idx="minor">
-            <a:schemeClr val="tx1"/>
-          </a:fontRef>
-        </p:style>
-      </p:cxnSp>
-      <p:cxnSp>
-        <p:nvCxnSpPr>
-          <p:cNvPr id="18" name="직선 연결선 17"/>
-          <p:cNvCxnSpPr/>
-          <p:nvPr/>
-        </p:nvCxnSpPr>
-        <p:spPr>
-          <a:xfrm>
-            <a:off x="1026522" y="989148"/>
-            <a:ext cx="2160000" cy="0"/>
-          </a:xfrm>
-          <a:prstGeom prst="line">
-            <a:avLst/>
-          </a:prstGeom>
-          <a:ln>
-            <a:solidFill>
-              <a:schemeClr val="bg1">
-                <a:lumMod val="50000"/>
-              </a:schemeClr>
-            </a:solidFill>
-          </a:ln>
-        </p:spPr>
-        <p:style>
-          <a:lnRef idx="1">
-            <a:schemeClr val="accent1"/>
-          </a:lnRef>
-          <a:fillRef idx="0">
-            <a:schemeClr val="accent1"/>
-          </a:fillRef>
-          <a:effectRef idx="0">
-            <a:schemeClr val="accent1"/>
-          </a:effectRef>
-          <a:fontRef idx="minor">
-            <a:schemeClr val="tx1"/>
-          </a:fontRef>
-        </p:style>
-      </p:cxnSp>
       <p:sp>
         <p:nvSpPr>
-          <p:cNvPr id="19" name="TextBox 18"/>
+          <p:cNvPr id="2" name="TextBox 1"/>
           <p:cNvSpPr txBox="1"/>
           <p:nvPr/>
         </p:nvSpPr>
         <p:spPr>
           <a:xfrm>
-            <a:off x="1174801" y="437393"/>
-            <a:ext cx="1866217" cy="584775"/>
+            <a:off x="4000500" y="2472873"/>
+            <a:ext cx="797013" cy="769441"/>
           </a:xfrm>
           <a:prstGeom prst="rect">
             <a:avLst/>
@@ -3803,286 +5203,88 @@
           </a:bodyPr>
           <a:lstStyle/>
           <a:p>
-            <a:pPr algn="ctr"/>
-            <a:r>
-              <a:rPr lang="en-US" altLang="ko-KR" sz="3200" spc="-150" dirty="0">
+            <a:r>
+              <a:rPr lang="en-US" altLang="ko-KR" sz="4400" spc="-300" dirty="0">
                 <a:solidFill>
                   <a:srgbClr val="00002F"/>
                 </a:solidFill>
-                <a:latin typeface="나눔스퀘어 ExtraBold" panose="020B0600000101010101" pitchFamily="50" charset="-127"/>
-                <a:ea typeface="나눔스퀘어 ExtraBold" panose="020B0600000101010101" pitchFamily="50" charset="-127"/>
-              </a:rPr>
-              <a:t>Modeling</a:t>
-            </a:r>
-            <a:endParaRPr lang="ko-KR" altLang="en-US" sz="3200" spc="-150" dirty="0">
+                <a:latin typeface="나눔스퀘어 Bold" panose="020B0600000101010101" pitchFamily="50" charset="-127"/>
+                <a:ea typeface="나눔스퀘어 Bold" panose="020B0600000101010101" pitchFamily="50" charset="-127"/>
+              </a:rPr>
+              <a:t>02</a:t>
+            </a:r>
+            <a:endParaRPr lang="ko-KR" altLang="en-US" sz="4400" spc="-300" dirty="0">
               <a:solidFill>
                 <a:srgbClr val="00002F"/>
               </a:solidFill>
-              <a:latin typeface="나눔스퀘어 ExtraBold" panose="020B0600000101010101" pitchFamily="50" charset="-127"/>
-              <a:ea typeface="나눔스퀘어 ExtraBold" panose="020B0600000101010101" pitchFamily="50" charset="-127"/>
+              <a:latin typeface="나눔스퀘어 Bold" panose="020B0600000101010101" pitchFamily="50" charset="-127"/>
+              <a:ea typeface="나눔스퀘어 Bold" panose="020B0600000101010101" pitchFamily="50" charset="-127"/>
             </a:endParaRPr>
           </a:p>
         </p:txBody>
       </p:sp>
       <p:sp>
         <p:nvSpPr>
-          <p:cNvPr id="20" name="TextBox 19"/>
-          <p:cNvSpPr txBox="1"/>
+          <p:cNvPr id="3" name="직사각형 2"/>
+          <p:cNvSpPr/>
           <p:nvPr/>
         </p:nvSpPr>
         <p:spPr>
           <a:xfrm>
-            <a:off x="455532" y="498947"/>
-            <a:ext cx="614271" cy="461665"/>
+            <a:off x="4000499" y="3169741"/>
+            <a:ext cx="4200071" cy="473345"/>
           </a:xfrm>
           <a:prstGeom prst="rect">
             <a:avLst/>
           </a:prstGeom>
-          <a:noFill/>
-        </p:spPr>
+          <a:solidFill>
+            <a:srgbClr val="8DBABD"/>
+          </a:solidFill>
+          <a:ln>
+            <a:solidFill>
+              <a:srgbClr val="8DBABD"/>
+            </a:solidFill>
+          </a:ln>
+        </p:spPr>
+        <p:style>
+          <a:lnRef idx="2">
+            <a:schemeClr val="accent1">
+              <a:shade val="50000"/>
+            </a:schemeClr>
+          </a:lnRef>
+          <a:fillRef idx="1">
+            <a:schemeClr val="accent1"/>
+          </a:fillRef>
+          <a:effectRef idx="0">
+            <a:schemeClr val="accent1"/>
+          </a:effectRef>
+          <a:fontRef idx="minor">
+            <a:schemeClr val="lt1"/>
+          </a:fontRef>
+        </p:style>
         <p:txBody>
-          <a:bodyPr wrap="none" rtlCol="0">
-            <a:spAutoFit/>
-          </a:bodyPr>
+          <a:bodyPr rtlCol="0" anchor="ctr"/>
           <a:lstStyle/>
           <a:p>
             <a:pPr algn="ctr"/>
             <a:r>
-              <a:rPr lang="en-US" altLang="ko-KR" sz="2400" spc="-150" dirty="0">
-                <a:solidFill>
-                  <a:srgbClr val="00002F"/>
-                </a:solidFill>
-                <a:latin typeface="나눔스퀘어 ExtraBold" panose="020B0600000101010101" pitchFamily="50" charset="-127"/>
-                <a:ea typeface="나눔스퀘어 ExtraBold" panose="020B0600000101010101" pitchFamily="50" charset="-127"/>
-              </a:rPr>
-              <a:t>02.</a:t>
-            </a:r>
-            <a:endParaRPr lang="ko-KR" altLang="en-US" sz="2400" spc="-150" dirty="0">
-              <a:solidFill>
-                <a:srgbClr val="00002F"/>
-              </a:solidFill>
-              <a:latin typeface="나눔스퀘어 ExtraBold" panose="020B0600000101010101" pitchFamily="50" charset="-127"/>
-              <a:ea typeface="나눔스퀘어 ExtraBold" panose="020B0600000101010101" pitchFamily="50" charset="-127"/>
+              <a:rPr lang="en-US" altLang="ko-KR" dirty="0">
+                <a:latin typeface="나눔스퀘어 Bold" panose="020B0600000101010101" pitchFamily="50" charset="-127"/>
+                <a:ea typeface="나눔스퀘어 Bold" panose="020B0600000101010101" pitchFamily="50" charset="-127"/>
+              </a:rPr>
+              <a:t>Modeling</a:t>
+            </a:r>
+            <a:endParaRPr lang="ko-KR" altLang="en-US" dirty="0">
+              <a:latin typeface="나눔스퀘어 Bold" panose="020B0600000101010101" pitchFamily="50" charset="-127"/>
+              <a:ea typeface="나눔스퀘어 Bold" panose="020B0600000101010101" pitchFamily="50" charset="-127"/>
             </a:endParaRPr>
-          </a:p>
-        </p:txBody>
-      </p:sp>
-      <p:sp>
-        <p:nvSpPr>
-          <p:cNvPr id="21" name="TextBox 20"/>
-          <p:cNvSpPr txBox="1"/>
-          <p:nvPr/>
-        </p:nvSpPr>
-        <p:spPr>
-          <a:xfrm>
-            <a:off x="1069803" y="1006929"/>
-            <a:ext cx="2160000" cy="369332"/>
-          </a:xfrm>
-          <a:prstGeom prst="rect">
-            <a:avLst/>
-          </a:prstGeom>
-          <a:noFill/>
-        </p:spPr>
-        <p:txBody>
-          <a:bodyPr wrap="square" rtlCol="0">
-            <a:spAutoFit/>
-          </a:bodyPr>
-          <a:lstStyle/>
-          <a:p>
-            <a:r>
-              <a:rPr lang="en-US" altLang="ko-KR" spc="-150" dirty="0">
-                <a:solidFill>
-                  <a:srgbClr val="00002F"/>
-                </a:solidFill>
-                <a:latin typeface="나눔스퀘어 ExtraBold" panose="020B0600000101010101" pitchFamily="50" charset="-127"/>
-                <a:ea typeface="나눔스퀘어 ExtraBold" panose="020B0600000101010101" pitchFamily="50" charset="-127"/>
-              </a:rPr>
-              <a:t>Node, Weight</a:t>
-            </a:r>
-            <a:endParaRPr lang="ko-KR" altLang="en-US" spc="-150" dirty="0">
-              <a:solidFill>
-                <a:srgbClr val="00002F"/>
-              </a:solidFill>
-              <a:latin typeface="나눔스퀘어 ExtraBold" panose="020B0600000101010101" pitchFamily="50" charset="-127"/>
-              <a:ea typeface="나눔스퀘어 ExtraBold" panose="020B0600000101010101" pitchFamily="50" charset="-127"/>
-            </a:endParaRPr>
-          </a:p>
-        </p:txBody>
-      </p:sp>
-      <p:sp>
-        <p:nvSpPr>
-          <p:cNvPr id="12" name="TextBox 11">
-            <a:extLst>
-              <a:ext uri="{FF2B5EF4-FFF2-40B4-BE49-F238E27FC236}">
-                <a16:creationId xmlns:a16="http://schemas.microsoft.com/office/drawing/2014/main" id="{3017432A-E5D9-4291-9852-0DF4EB966D44}"/>
-              </a:ext>
-            </a:extLst>
-          </p:cNvPr>
-          <p:cNvSpPr txBox="1"/>
-          <p:nvPr/>
-        </p:nvSpPr>
-        <p:spPr>
-          <a:xfrm>
-            <a:off x="1966952" y="2834663"/>
-            <a:ext cx="8258095" cy="1938992"/>
-          </a:xfrm>
-          <a:prstGeom prst="rect">
-            <a:avLst/>
-          </a:prstGeom>
-          <a:noFill/>
-        </p:spPr>
-        <p:txBody>
-          <a:bodyPr wrap="square" rtlCol="0">
-            <a:spAutoFit/>
-          </a:bodyPr>
-          <a:lstStyle/>
-          <a:p>
-            <a:r>
-              <a:rPr lang="en-US" altLang="ko-KR" sz="2000" spc="-150" dirty="0">
-                <a:solidFill>
-                  <a:srgbClr val="8DBABD"/>
-                </a:solidFill>
-                <a:latin typeface="나눔스퀘어 ExtraBold" panose="020B0600000101010101" pitchFamily="50" charset="-127"/>
-                <a:ea typeface="나눔스퀘어 ExtraBold" panose="020B0600000101010101" pitchFamily="50" charset="-127"/>
-              </a:rPr>
-              <a:t>Node </a:t>
-            </a:r>
-          </a:p>
-          <a:p>
-            <a:r>
-              <a:rPr lang="en-US" altLang="ko-KR" sz="2000" spc="-150" dirty="0">
-                <a:solidFill>
-                  <a:srgbClr val="8DBABD"/>
-                </a:solidFill>
-                <a:latin typeface="나눔스퀘어 ExtraBold" panose="020B0600000101010101" pitchFamily="50" charset="-127"/>
-                <a:ea typeface="나눔스퀘어 ExtraBold" panose="020B0600000101010101" pitchFamily="50" charset="-127"/>
-              </a:rPr>
-              <a:t>- </a:t>
-            </a:r>
-            <a:r>
-              <a:rPr lang="ko-KR" altLang="en-US" sz="2000" spc="-150" dirty="0">
-                <a:solidFill>
-                  <a:srgbClr val="8DBABD"/>
-                </a:solidFill>
-                <a:latin typeface="나눔스퀘어 ExtraBold" panose="020B0600000101010101" pitchFamily="50" charset="-127"/>
-                <a:ea typeface="나눔스퀘어 ExtraBold" panose="020B0600000101010101" pitchFamily="50" charset="-127"/>
-              </a:rPr>
-              <a:t>관광지</a:t>
-            </a:r>
-            <a:endParaRPr lang="en-US" altLang="ko-KR" sz="2000" spc="-150" dirty="0">
-              <a:solidFill>
-                <a:srgbClr val="8DBABD"/>
-              </a:solidFill>
-              <a:latin typeface="나눔스퀘어 ExtraBold" panose="020B0600000101010101" pitchFamily="50" charset="-127"/>
-              <a:ea typeface="나눔스퀘어 ExtraBold" panose="020B0600000101010101" pitchFamily="50" charset="-127"/>
-            </a:endParaRPr>
-          </a:p>
-          <a:p>
-            <a:endParaRPr lang="en-US" altLang="ko-KR" sz="2000" spc="-150" dirty="0">
-              <a:solidFill>
-                <a:srgbClr val="8DBABD"/>
-              </a:solidFill>
-              <a:latin typeface="나눔스퀘어 ExtraBold" panose="020B0600000101010101" pitchFamily="50" charset="-127"/>
-              <a:ea typeface="나눔스퀘어 ExtraBold" panose="020B0600000101010101" pitchFamily="50" charset="-127"/>
-            </a:endParaRPr>
-          </a:p>
-          <a:p>
-            <a:r>
-              <a:rPr lang="en-US" altLang="ko-KR" sz="2000" spc="-150" dirty="0">
-                <a:solidFill>
-                  <a:srgbClr val="8DBABD"/>
-                </a:solidFill>
-                <a:latin typeface="나눔스퀘어 ExtraBold" panose="020B0600000101010101" pitchFamily="50" charset="-127"/>
-                <a:ea typeface="나눔스퀘어 ExtraBold" panose="020B0600000101010101" pitchFamily="50" charset="-127"/>
-              </a:rPr>
-              <a:t>Weight </a:t>
-            </a:r>
-          </a:p>
-          <a:p>
-            <a:pPr marL="342900" indent="-342900">
-              <a:buFontTx/>
-              <a:buChar char="-"/>
-            </a:pPr>
-            <a:r>
-              <a:rPr lang="ko-KR" altLang="en-US" sz="2000" spc="-150" dirty="0">
-                <a:solidFill>
-                  <a:srgbClr val="8DBABD"/>
-                </a:solidFill>
-                <a:latin typeface="나눔스퀘어 ExtraBold" panose="020B0600000101010101" pitchFamily="50" charset="-127"/>
-                <a:ea typeface="나눔스퀘어 ExtraBold" panose="020B0600000101010101" pitchFamily="50" charset="-127"/>
-              </a:rPr>
-              <a:t>이웃 관광지</a:t>
-            </a:r>
-            <a:r>
-              <a:rPr lang="en-US" altLang="ko-KR" sz="2000" spc="-150" dirty="0">
-                <a:solidFill>
-                  <a:srgbClr val="8DBABD"/>
-                </a:solidFill>
-                <a:latin typeface="나눔스퀘어 ExtraBold" panose="020B0600000101010101" pitchFamily="50" charset="-127"/>
-                <a:ea typeface="나눔스퀘어 ExtraBold" panose="020B0600000101010101" pitchFamily="50" charset="-127"/>
-              </a:rPr>
-              <a:t>(Node)</a:t>
-            </a:r>
-            <a:r>
-              <a:rPr lang="ko-KR" altLang="en-US" sz="2000" spc="-150" dirty="0">
-                <a:solidFill>
-                  <a:srgbClr val="8DBABD"/>
-                </a:solidFill>
-                <a:latin typeface="나눔스퀘어 ExtraBold" panose="020B0600000101010101" pitchFamily="50" charset="-127"/>
-                <a:ea typeface="나눔스퀘어 ExtraBold" panose="020B0600000101010101" pitchFamily="50" charset="-127"/>
-              </a:rPr>
-              <a:t>와의 하루 평균 유동인구 수 차이</a:t>
-            </a:r>
-            <a:endParaRPr lang="en-US" altLang="ko-KR" sz="2000" spc="-150" dirty="0">
-              <a:solidFill>
-                <a:srgbClr val="8DBABD"/>
-              </a:solidFill>
-              <a:latin typeface="나눔스퀘어 ExtraBold" panose="020B0600000101010101" pitchFamily="50" charset="-127"/>
-              <a:ea typeface="나눔스퀘어 ExtraBold" panose="020B0600000101010101" pitchFamily="50" charset="-127"/>
-            </a:endParaRPr>
-          </a:p>
-          <a:p>
-            <a:pPr marL="342900" indent="-342900">
-              <a:buFontTx/>
-              <a:buChar char="-"/>
-            </a:pPr>
-            <a:r>
-              <a:rPr lang="ko-KR" altLang="en-US" sz="2000" spc="-150" dirty="0">
-                <a:solidFill>
-                  <a:srgbClr val="8DBABD"/>
-                </a:solidFill>
-                <a:latin typeface="나눔스퀘어 ExtraBold" panose="020B0600000101010101" pitchFamily="50" charset="-127"/>
-                <a:ea typeface="나눔스퀘어 ExtraBold" panose="020B0600000101010101" pitchFamily="50" charset="-127"/>
-              </a:rPr>
-              <a:t>관광지</a:t>
-            </a:r>
-            <a:r>
-              <a:rPr lang="en-US" altLang="ko-KR" sz="2000" spc="-150" dirty="0">
-                <a:solidFill>
-                  <a:srgbClr val="8DBABD"/>
-                </a:solidFill>
-                <a:latin typeface="나눔스퀘어 ExtraBold" panose="020B0600000101010101" pitchFamily="50" charset="-127"/>
-                <a:ea typeface="나눔스퀘어 ExtraBold" panose="020B0600000101010101" pitchFamily="50" charset="-127"/>
-              </a:rPr>
-              <a:t>(Node) </a:t>
-            </a:r>
-            <a:r>
-              <a:rPr lang="ko-KR" altLang="en-US" sz="2000" spc="-150" dirty="0">
-                <a:solidFill>
-                  <a:srgbClr val="8DBABD"/>
-                </a:solidFill>
-                <a:latin typeface="나눔스퀘어 ExtraBold" panose="020B0600000101010101" pitchFamily="50" charset="-127"/>
-                <a:ea typeface="나눔스퀘어 ExtraBold" panose="020B0600000101010101" pitchFamily="50" charset="-127"/>
-              </a:rPr>
-              <a:t>사이의 거리</a:t>
-            </a:r>
           </a:p>
         </p:txBody>
       </p:sp>
     </p:spTree>
     <p:extLst>
       <p:ext uri="{BB962C8B-B14F-4D97-AF65-F5344CB8AC3E}">
-        <p14:creationId xmlns:p14="http://schemas.microsoft.com/office/powerpoint/2010/main" val="2825203591"/>
+        <p14:creationId xmlns:p14="http://schemas.microsoft.com/office/powerpoint/2010/main" val="2963228856"/>
       </p:ext>
     </p:extLst>
   </p:cSld>
@@ -4434,7 +5636,7 @@
                 <a:latin typeface="나눔스퀘어 ExtraBold" panose="020B0600000101010101" pitchFamily="50" charset="-127"/>
                 <a:ea typeface="나눔스퀘어 ExtraBold" panose="020B0600000101010101" pitchFamily="50" charset="-127"/>
               </a:rPr>
-              <a:t>design</a:t>
+              <a:t>Vertex, Edge</a:t>
             </a:r>
             <a:endParaRPr lang="ko-KR" altLang="en-US" spc="-150" dirty="0">
               <a:solidFill>
@@ -4460,8 +5662,8 @@
         </p:nvSpPr>
         <p:spPr>
           <a:xfrm>
-            <a:off x="2363455" y="4694106"/>
-            <a:ext cx="3402002" cy="400110"/>
+            <a:off x="1966952" y="1962208"/>
+            <a:ext cx="8258095" cy="3785652"/>
           </a:xfrm>
           <a:prstGeom prst="rect">
             <a:avLst/>
@@ -4482,9 +5684,31 @@
                 <a:latin typeface="나눔스퀘어 ExtraBold" panose="020B0600000101010101" pitchFamily="50" charset="-127"/>
                 <a:ea typeface="나눔스퀘어 ExtraBold" panose="020B0600000101010101" pitchFamily="50" charset="-127"/>
               </a:rPr>
-              <a:t>Minimum Spanning Tree(MST)</a:t>
-            </a:r>
-            <a:endParaRPr lang="ko-KR" altLang="en-US" sz="2000" spc="-150" dirty="0">
+              <a:t>Vertex  (Node)</a:t>
+            </a:r>
+          </a:p>
+          <a:p>
+            <a:r>
+              <a:rPr lang="en-US" altLang="ko-KR" sz="2000" spc="-150" dirty="0">
+                <a:solidFill>
+                  <a:srgbClr val="8DBABD"/>
+                </a:solidFill>
+                <a:latin typeface="나눔스퀘어 ExtraBold" panose="020B0600000101010101" pitchFamily="50" charset="-127"/>
+                <a:ea typeface="나눔스퀘어 ExtraBold" panose="020B0600000101010101" pitchFamily="50" charset="-127"/>
+              </a:rPr>
+              <a:t>- </a:t>
+            </a:r>
+            <a:r>
+              <a:rPr lang="ko-KR" altLang="en-US" sz="2000" spc="-150" dirty="0">
+                <a:solidFill>
+                  <a:srgbClr val="8DBABD"/>
+                </a:solidFill>
+                <a:latin typeface="나눔스퀘어 ExtraBold" panose="020B0600000101010101" pitchFamily="50" charset="-127"/>
+                <a:ea typeface="나눔스퀘어 ExtraBold" panose="020B0600000101010101" pitchFamily="50" charset="-127"/>
+              </a:rPr>
+              <a:t>관광지</a:t>
+            </a:r>
+            <a:endParaRPr lang="en-US" altLang="ko-KR" sz="2000" spc="-150" dirty="0">
               <a:solidFill>
                 <a:srgbClr val="8DBABD"/>
               </a:solidFill>
@@ -4492,108 +5716,16 @@
               <a:ea typeface="나눔스퀘어 ExtraBold" panose="020B0600000101010101" pitchFamily="50" charset="-127"/>
             </a:endParaRPr>
           </a:p>
-        </p:txBody>
-      </p:sp>
-      <p:pic>
-        <p:nvPicPr>
-          <p:cNvPr id="3" name="그림 2">
-            <a:extLst>
-              <a:ext uri="{FF2B5EF4-FFF2-40B4-BE49-F238E27FC236}">
-                <a16:creationId xmlns:a16="http://schemas.microsoft.com/office/drawing/2014/main" id="{70D422D6-548D-410F-97D4-1EC45F54F2DA}"/>
-              </a:ext>
-            </a:extLst>
-          </p:cNvPr>
-          <p:cNvPicPr>
-            <a:picLocks noChangeAspect="1"/>
-          </p:cNvPicPr>
-          <p:nvPr/>
-        </p:nvPicPr>
-        <p:blipFill>
-          <a:blip r:embed="rId2">
-            <a:extLst>
-              <a:ext uri="{28A0092B-C50C-407E-A947-70E740481C1C}">
-                <a14:useLocalDpi xmlns:a14="http://schemas.microsoft.com/office/drawing/2010/main" val="0"/>
-              </a:ext>
-            </a:extLst>
-          </a:blip>
-          <a:stretch>
-            <a:fillRect/>
-          </a:stretch>
-        </p:blipFill>
-        <p:spPr>
-          <a:xfrm>
-            <a:off x="1526786" y="2469095"/>
-            <a:ext cx="4689445" cy="1848664"/>
-          </a:xfrm>
-          <a:prstGeom prst="rect">
-            <a:avLst/>
-          </a:prstGeom>
-        </p:spPr>
-      </p:pic>
-      <p:pic>
-        <p:nvPicPr>
-          <p:cNvPr id="5" name="그림 4">
-            <a:extLst>
-              <a:ext uri="{FF2B5EF4-FFF2-40B4-BE49-F238E27FC236}">
-                <a16:creationId xmlns:a16="http://schemas.microsoft.com/office/drawing/2014/main" id="{50F5E739-DA0E-4275-B172-404F2828B774}"/>
-              </a:ext>
-            </a:extLst>
-          </p:cNvPr>
-          <p:cNvPicPr>
-            <a:picLocks noChangeAspect="1"/>
-          </p:cNvPicPr>
-          <p:nvPr/>
-        </p:nvPicPr>
-        <p:blipFill>
-          <a:blip r:embed="rId3">
-            <a:extLst>
-              <a:ext uri="{28A0092B-C50C-407E-A947-70E740481C1C}">
-                <a14:useLocalDpi xmlns:a14="http://schemas.microsoft.com/office/drawing/2010/main" val="0"/>
-              </a:ext>
-            </a:extLst>
-          </a:blip>
-          <a:stretch>
-            <a:fillRect/>
-          </a:stretch>
-        </p:blipFill>
-        <p:spPr>
-          <a:xfrm>
-            <a:off x="7731639" y="2482931"/>
-            <a:ext cx="2566956" cy="1892138"/>
-          </a:xfrm>
-          <a:prstGeom prst="rect">
-            <a:avLst/>
-          </a:prstGeom>
-        </p:spPr>
-      </p:pic>
-      <p:sp>
-        <p:nvSpPr>
-          <p:cNvPr id="22" name="TextBox 21">
-            <a:extLst>
-              <a:ext uri="{FF2B5EF4-FFF2-40B4-BE49-F238E27FC236}">
-                <a16:creationId xmlns:a16="http://schemas.microsoft.com/office/drawing/2014/main" id="{30B8DFD2-CFD0-4587-BB31-D7D6D141A365}"/>
-              </a:ext>
-            </a:extLst>
-          </p:cNvPr>
-          <p:cNvSpPr txBox="1"/>
-          <p:nvPr/>
-        </p:nvSpPr>
-        <p:spPr>
-          <a:xfrm>
-            <a:off x="7599341" y="4694106"/>
-            <a:ext cx="2831551" cy="400110"/>
-          </a:xfrm>
-          <a:prstGeom prst="rect">
-            <a:avLst/>
-          </a:prstGeom>
-          <a:noFill/>
-        </p:spPr>
-        <p:txBody>
-          <a:bodyPr wrap="square" rtlCol="0">
-            <a:spAutoFit/>
-          </a:bodyPr>
-          <a:lstStyle/>
           <a:p>
+            <a:endParaRPr lang="en-US" altLang="ko-KR" sz="2000" spc="-150" dirty="0">
+              <a:solidFill>
+                <a:srgbClr val="8DBABD"/>
+              </a:solidFill>
+              <a:latin typeface="나눔스퀘어 ExtraBold" panose="020B0600000101010101" pitchFamily="50" charset="-127"/>
+              <a:ea typeface="나눔스퀘어 ExtraBold" panose="020B0600000101010101" pitchFamily="50" charset="-127"/>
+            </a:endParaRPr>
+          </a:p>
+          <a:p>
             <a:r>
               <a:rPr lang="en-US" altLang="ko-KR" sz="2000" spc="-150" dirty="0">
                 <a:solidFill>
@@ -4602,9 +5734,324 @@
                 <a:latin typeface="나눔스퀘어 ExtraBold" panose="020B0600000101010101" pitchFamily="50" charset="-127"/>
                 <a:ea typeface="나눔스퀘어 ExtraBold" panose="020B0600000101010101" pitchFamily="50" charset="-127"/>
               </a:rPr>
-              <a:t>Depth First Search(DFS)</a:t>
-            </a:r>
-            <a:endParaRPr lang="ko-KR" altLang="en-US" sz="2000" spc="-150" dirty="0">
+              <a:t>Edge (Weight) </a:t>
+            </a:r>
+          </a:p>
+          <a:p>
+            <a:r>
+              <a:rPr lang="en-US" altLang="ko-KR" sz="2000" spc="-150" dirty="0">
+                <a:solidFill>
+                  <a:srgbClr val="8DBABD"/>
+                </a:solidFill>
+                <a:latin typeface="나눔스퀘어 ExtraBold" panose="020B0600000101010101" pitchFamily="50" charset="-127"/>
+                <a:ea typeface="나눔스퀘어 ExtraBold" panose="020B0600000101010101" pitchFamily="50" charset="-127"/>
+              </a:rPr>
+              <a:t> 1. </a:t>
+            </a:r>
+            <a:r>
+              <a:rPr lang="ko-KR" altLang="en-US" sz="2000" spc="-150" dirty="0">
+                <a:solidFill>
+                  <a:srgbClr val="8DBABD"/>
+                </a:solidFill>
+                <a:latin typeface="나눔스퀘어 ExtraBold" panose="020B0600000101010101" pitchFamily="50" charset="-127"/>
+                <a:ea typeface="나눔스퀘어 ExtraBold" panose="020B0600000101010101" pitchFamily="50" charset="-127"/>
+              </a:rPr>
+              <a:t>이웃 관광지</a:t>
+            </a:r>
+            <a:r>
+              <a:rPr lang="en-US" altLang="ko-KR" sz="2000" spc="-150" dirty="0">
+                <a:solidFill>
+                  <a:srgbClr val="8DBABD"/>
+                </a:solidFill>
+                <a:latin typeface="나눔스퀘어 ExtraBold" panose="020B0600000101010101" pitchFamily="50" charset="-127"/>
+                <a:ea typeface="나눔스퀘어 ExtraBold" panose="020B0600000101010101" pitchFamily="50" charset="-127"/>
+              </a:rPr>
+              <a:t>(Node)</a:t>
+            </a:r>
+            <a:r>
+              <a:rPr lang="ko-KR" altLang="en-US" sz="2000" spc="-150" dirty="0">
+                <a:solidFill>
+                  <a:srgbClr val="8DBABD"/>
+                </a:solidFill>
+                <a:latin typeface="나눔스퀘어 ExtraBold" panose="020B0600000101010101" pitchFamily="50" charset="-127"/>
+                <a:ea typeface="나눔스퀘어 ExtraBold" panose="020B0600000101010101" pitchFamily="50" charset="-127"/>
+              </a:rPr>
+              <a:t>와의 하루 평균 유동인구 수 차이의 절대값</a:t>
+            </a:r>
+            <a:endParaRPr lang="en-US" altLang="ko-KR" sz="2000" spc="-150" dirty="0">
+              <a:solidFill>
+                <a:srgbClr val="8DBABD"/>
+              </a:solidFill>
+              <a:latin typeface="나눔스퀘어 ExtraBold" panose="020B0600000101010101" pitchFamily="50" charset="-127"/>
+              <a:ea typeface="나눔스퀘어 ExtraBold" panose="020B0600000101010101" pitchFamily="50" charset="-127"/>
+            </a:endParaRPr>
+          </a:p>
+          <a:p>
+            <a:r>
+              <a:rPr lang="en-US" altLang="ko-KR" sz="2000" spc="-150" dirty="0">
+                <a:solidFill>
+                  <a:srgbClr val="8DBABD"/>
+                </a:solidFill>
+                <a:latin typeface="나눔스퀘어 ExtraBold" panose="020B0600000101010101" pitchFamily="50" charset="-127"/>
+                <a:ea typeface="나눔스퀘어 ExtraBold" panose="020B0600000101010101" pitchFamily="50" charset="-127"/>
+              </a:rPr>
+              <a:t>        - </a:t>
+            </a:r>
+            <a:r>
+              <a:rPr lang="ko-KR" altLang="en-US" sz="2000" spc="-150" dirty="0">
+                <a:solidFill>
+                  <a:srgbClr val="8DBABD"/>
+                </a:solidFill>
+                <a:latin typeface="나눔스퀘어 ExtraBold" panose="020B0600000101010101" pitchFamily="50" charset="-127"/>
+                <a:ea typeface="나눔스퀘어 ExtraBold" panose="020B0600000101010101" pitchFamily="50" charset="-127"/>
+              </a:rPr>
+              <a:t>값이 클수록 두 관광지 사이의 왕래가 적다</a:t>
+            </a:r>
+            <a:endParaRPr lang="en-US" altLang="ko-KR" sz="2000" spc="-150" dirty="0">
+              <a:solidFill>
+                <a:srgbClr val="8DBABD"/>
+              </a:solidFill>
+              <a:latin typeface="나눔스퀘어 ExtraBold" panose="020B0600000101010101" pitchFamily="50" charset="-127"/>
+              <a:ea typeface="나눔스퀘어 ExtraBold" panose="020B0600000101010101" pitchFamily="50" charset="-127"/>
+            </a:endParaRPr>
+          </a:p>
+          <a:p>
+            <a:r>
+              <a:rPr lang="en-US" altLang="ko-KR" sz="2000" spc="-150" dirty="0">
+                <a:solidFill>
+                  <a:srgbClr val="8DBABD"/>
+                </a:solidFill>
+                <a:latin typeface="나눔스퀘어 ExtraBold" panose="020B0600000101010101" pitchFamily="50" charset="-127"/>
+                <a:ea typeface="나눔스퀘어 ExtraBold" panose="020B0600000101010101" pitchFamily="50" charset="-127"/>
+              </a:rPr>
+              <a:t>        - </a:t>
+            </a:r>
+            <a:r>
+              <a:rPr lang="ko-KR" altLang="en-US" sz="2000" spc="-150" dirty="0">
+                <a:solidFill>
+                  <a:srgbClr val="8DBABD"/>
+                </a:solidFill>
+                <a:latin typeface="나눔스퀘어 ExtraBold" panose="020B0600000101010101" pitchFamily="50" charset="-127"/>
+                <a:ea typeface="나눔스퀘어 ExtraBold" panose="020B0600000101010101" pitchFamily="50" charset="-127"/>
+              </a:rPr>
+              <a:t>값이 작을수록 두 관광지 사이의 왕래가 잦다</a:t>
+            </a:r>
+            <a:r>
+              <a:rPr lang="en-US" altLang="ko-KR" sz="2000" spc="-150" dirty="0">
+                <a:solidFill>
+                  <a:srgbClr val="8DBABD"/>
+                </a:solidFill>
+                <a:latin typeface="나눔스퀘어 ExtraBold" panose="020B0600000101010101" pitchFamily="50" charset="-127"/>
+                <a:ea typeface="나눔스퀘어 ExtraBold" panose="020B0600000101010101" pitchFamily="50" charset="-127"/>
+              </a:rPr>
+              <a:t>.</a:t>
+            </a:r>
+            <a:r>
+              <a:rPr lang="ko-KR" altLang="en-US" sz="2000" spc="-150" dirty="0">
+                <a:solidFill>
+                  <a:srgbClr val="8DBABD"/>
+                </a:solidFill>
+                <a:latin typeface="나눔스퀘어 ExtraBold" panose="020B0600000101010101" pitchFamily="50" charset="-127"/>
+                <a:ea typeface="나눔스퀘어 ExtraBold" panose="020B0600000101010101" pitchFamily="50" charset="-127"/>
+              </a:rPr>
+              <a:t> </a:t>
+            </a:r>
+            <a:endParaRPr lang="en-US" altLang="ko-KR" sz="2000" spc="-150" dirty="0">
+              <a:solidFill>
+                <a:srgbClr val="8DBABD"/>
+              </a:solidFill>
+              <a:latin typeface="나눔스퀘어 ExtraBold" panose="020B0600000101010101" pitchFamily="50" charset="-127"/>
+              <a:ea typeface="나눔스퀘어 ExtraBold" panose="020B0600000101010101" pitchFamily="50" charset="-127"/>
+            </a:endParaRPr>
+          </a:p>
+          <a:p>
+            <a:r>
+              <a:rPr lang="ko-KR" altLang="en-US" sz="2000" spc="-150" dirty="0">
+                <a:solidFill>
+                  <a:srgbClr val="8DBABD"/>
+                </a:solidFill>
+                <a:latin typeface="나눔스퀘어 ExtraBold" panose="020B0600000101010101" pitchFamily="50" charset="-127"/>
+                <a:ea typeface="나눔스퀘어 ExtraBold" panose="020B0600000101010101" pitchFamily="50" charset="-127"/>
+              </a:rPr>
+              <a:t>        </a:t>
+            </a:r>
+            <a:r>
+              <a:rPr lang="en-US" altLang="ko-KR" sz="2000" spc="-150" dirty="0">
+                <a:solidFill>
+                  <a:srgbClr val="8DBABD"/>
+                </a:solidFill>
+                <a:latin typeface="나눔스퀘어 ExtraBold" panose="020B0600000101010101" pitchFamily="50" charset="-127"/>
+                <a:ea typeface="나눔스퀘어 ExtraBold" panose="020B0600000101010101" pitchFamily="50" charset="-127"/>
+              </a:rPr>
+              <a:t>- </a:t>
+            </a:r>
+            <a:r>
+              <a:rPr lang="ko-KR" altLang="en-US" sz="2000" spc="-150" dirty="0">
+                <a:solidFill>
+                  <a:srgbClr val="8DBABD"/>
+                </a:solidFill>
+                <a:latin typeface="나눔스퀘어 ExtraBold" panose="020B0600000101010101" pitchFamily="50" charset="-127"/>
+                <a:ea typeface="나눔스퀘어 ExtraBold" panose="020B0600000101010101" pitchFamily="50" charset="-127"/>
+              </a:rPr>
+              <a:t>또는 시간대 별 유동인구 수 차이로 </a:t>
+            </a:r>
+            <a:r>
+              <a:rPr lang="en-US" altLang="ko-KR" sz="2000" spc="-150" dirty="0">
+                <a:solidFill>
+                  <a:srgbClr val="8DBABD"/>
+                </a:solidFill>
+                <a:latin typeface="나눔스퀘어 ExtraBold" panose="020B0600000101010101" pitchFamily="50" charset="-127"/>
+                <a:ea typeface="나눔스퀘어 ExtraBold" panose="020B0600000101010101" pitchFamily="50" charset="-127"/>
+              </a:rPr>
+              <a:t>Dynamic</a:t>
+            </a:r>
+            <a:r>
+              <a:rPr lang="ko-KR" altLang="en-US" sz="2000" spc="-150" dirty="0">
+                <a:solidFill>
+                  <a:srgbClr val="8DBABD"/>
+                </a:solidFill>
+                <a:latin typeface="나눔스퀘어 ExtraBold" panose="020B0600000101010101" pitchFamily="50" charset="-127"/>
+                <a:ea typeface="나눔스퀘어 ExtraBold" panose="020B0600000101010101" pitchFamily="50" charset="-127"/>
+              </a:rPr>
+              <a:t>하게 표현 가능</a:t>
+            </a:r>
+            <a:endParaRPr lang="en-US" altLang="ko-KR" sz="2000" spc="-150" dirty="0">
+              <a:solidFill>
+                <a:srgbClr val="8DBABD"/>
+              </a:solidFill>
+              <a:latin typeface="나눔스퀘어 ExtraBold" panose="020B0600000101010101" pitchFamily="50" charset="-127"/>
+              <a:ea typeface="나눔스퀘어 ExtraBold" panose="020B0600000101010101" pitchFamily="50" charset="-127"/>
+            </a:endParaRPr>
+          </a:p>
+          <a:p>
+            <a:endParaRPr lang="en-US" altLang="ko-KR" sz="2000" spc="-150" dirty="0">
+              <a:solidFill>
+                <a:srgbClr val="8DBABD"/>
+              </a:solidFill>
+              <a:latin typeface="나눔스퀘어 ExtraBold" panose="020B0600000101010101" pitchFamily="50" charset="-127"/>
+              <a:ea typeface="나눔스퀘어 ExtraBold" panose="020B0600000101010101" pitchFamily="50" charset="-127"/>
+            </a:endParaRPr>
+          </a:p>
+          <a:p>
+            <a:r>
+              <a:rPr lang="en-US" altLang="ko-KR" sz="2000" spc="-150" dirty="0">
+                <a:solidFill>
+                  <a:srgbClr val="8DBABD"/>
+                </a:solidFill>
+                <a:latin typeface="나눔스퀘어 ExtraBold" panose="020B0600000101010101" pitchFamily="50" charset="-127"/>
+                <a:ea typeface="나눔스퀘어 ExtraBold" panose="020B0600000101010101" pitchFamily="50" charset="-127"/>
+              </a:rPr>
+              <a:t>  2. </a:t>
+            </a:r>
+            <a:r>
+              <a:rPr lang="ko-KR" altLang="en-US" sz="2000" spc="-150" dirty="0">
+                <a:solidFill>
+                  <a:srgbClr val="8DBABD"/>
+                </a:solidFill>
+                <a:latin typeface="나눔스퀘어 ExtraBold" panose="020B0600000101010101" pitchFamily="50" charset="-127"/>
+                <a:ea typeface="나눔스퀘어 ExtraBold" panose="020B0600000101010101" pitchFamily="50" charset="-127"/>
+              </a:rPr>
+              <a:t>관광지</a:t>
+            </a:r>
+            <a:r>
+              <a:rPr lang="en-US" altLang="ko-KR" sz="2000" spc="-150" dirty="0">
+                <a:solidFill>
+                  <a:srgbClr val="8DBABD"/>
+                </a:solidFill>
+                <a:latin typeface="나눔스퀘어 ExtraBold" panose="020B0600000101010101" pitchFamily="50" charset="-127"/>
+                <a:ea typeface="나눔스퀘어 ExtraBold" panose="020B0600000101010101" pitchFamily="50" charset="-127"/>
+              </a:rPr>
+              <a:t>(Node) </a:t>
+            </a:r>
+            <a:r>
+              <a:rPr lang="ko-KR" altLang="en-US" sz="2000" spc="-150" dirty="0">
+                <a:solidFill>
+                  <a:srgbClr val="8DBABD"/>
+                </a:solidFill>
+                <a:latin typeface="나눔스퀘어 ExtraBold" panose="020B0600000101010101" pitchFamily="50" charset="-127"/>
+                <a:ea typeface="나눔스퀘어 ExtraBold" panose="020B0600000101010101" pitchFamily="50" charset="-127"/>
+              </a:rPr>
+              <a:t>사이의 거리</a:t>
+            </a:r>
+            <a:endParaRPr lang="en-US" altLang="ko-KR" sz="2000" spc="-150" dirty="0">
+              <a:solidFill>
+                <a:srgbClr val="8DBABD"/>
+              </a:solidFill>
+              <a:latin typeface="나눔스퀘어 ExtraBold" panose="020B0600000101010101" pitchFamily="50" charset="-127"/>
+              <a:ea typeface="나눔스퀘어 ExtraBold" panose="020B0600000101010101" pitchFamily="50" charset="-127"/>
+            </a:endParaRPr>
+          </a:p>
+          <a:p>
+            <a:r>
+              <a:rPr lang="en-US" altLang="ko-KR" sz="2000" spc="-150" dirty="0">
+                <a:solidFill>
+                  <a:srgbClr val="8DBABD"/>
+                </a:solidFill>
+                <a:latin typeface="나눔스퀘어 ExtraBold" panose="020B0600000101010101" pitchFamily="50" charset="-127"/>
+                <a:ea typeface="나눔스퀘어 ExtraBold" panose="020B0600000101010101" pitchFamily="50" charset="-127"/>
+              </a:rPr>
+              <a:t>        - Static</a:t>
+            </a:r>
+            <a:r>
+              <a:rPr lang="ko-KR" altLang="en-US" sz="2000" spc="-150" dirty="0">
+                <a:solidFill>
+                  <a:srgbClr val="8DBABD"/>
+                </a:solidFill>
+                <a:latin typeface="나눔스퀘어 ExtraBold" panose="020B0600000101010101" pitchFamily="50" charset="-127"/>
+                <a:ea typeface="나눔스퀘어 ExtraBold" panose="020B0600000101010101" pitchFamily="50" charset="-127"/>
+              </a:rPr>
+              <a:t>한 값</a:t>
+            </a:r>
+            <a:br>
+              <a:rPr lang="en-US" altLang="ko-KR" sz="2000" spc="-150" dirty="0">
+                <a:solidFill>
+                  <a:srgbClr val="8DBABD"/>
+                </a:solidFill>
+                <a:latin typeface="나눔스퀘어 ExtraBold" panose="020B0600000101010101" pitchFamily="50" charset="-127"/>
+                <a:ea typeface="나눔스퀘어 ExtraBold" panose="020B0600000101010101" pitchFamily="50" charset="-127"/>
+              </a:rPr>
+            </a:br>
+            <a:r>
+              <a:rPr lang="en-US" altLang="ko-KR" sz="2000" spc="-150" dirty="0">
+                <a:solidFill>
+                  <a:srgbClr val="8DBABD"/>
+                </a:solidFill>
+                <a:latin typeface="나눔스퀘어 ExtraBold" panose="020B0600000101010101" pitchFamily="50" charset="-127"/>
+                <a:ea typeface="나눔스퀘어 ExtraBold" panose="020B0600000101010101" pitchFamily="50" charset="-127"/>
+              </a:rPr>
+              <a:t>        - 1</a:t>
+            </a:r>
+            <a:r>
+              <a:rPr lang="ko-KR" altLang="en-US" sz="2000" spc="-150" dirty="0">
+                <a:solidFill>
+                  <a:srgbClr val="8DBABD"/>
+                </a:solidFill>
+                <a:latin typeface="나눔스퀘어 ExtraBold" panose="020B0600000101010101" pitchFamily="50" charset="-127"/>
+                <a:ea typeface="나눔스퀘어 ExtraBold" panose="020B0600000101010101" pitchFamily="50" charset="-127"/>
+              </a:rPr>
+              <a:t>과의 합연산을 통해 </a:t>
+            </a:r>
+            <a:r>
+              <a:rPr lang="en-US" altLang="ko-KR" sz="2000" spc="-150" dirty="0">
+                <a:solidFill>
+                  <a:srgbClr val="8DBABD"/>
+                </a:solidFill>
+                <a:latin typeface="나눔스퀘어 ExtraBold" panose="020B0600000101010101" pitchFamily="50" charset="-127"/>
+                <a:ea typeface="나눔스퀘어 ExtraBold" panose="020B0600000101010101" pitchFamily="50" charset="-127"/>
+              </a:rPr>
+              <a:t>Weight </a:t>
+            </a:r>
+            <a:r>
+              <a:rPr lang="ko-KR" altLang="en-US" sz="2000" spc="-150" dirty="0">
+                <a:solidFill>
+                  <a:srgbClr val="8DBABD"/>
+                </a:solidFill>
+                <a:latin typeface="나눔스퀘어 ExtraBold" panose="020B0600000101010101" pitchFamily="50" charset="-127"/>
+                <a:ea typeface="나눔스퀘어 ExtraBold" panose="020B0600000101010101" pitchFamily="50" charset="-127"/>
+              </a:rPr>
+              <a:t>부여</a:t>
+            </a:r>
+            <a:endParaRPr lang="en-US" altLang="ko-KR" sz="2000" spc="-150" dirty="0">
               <a:solidFill>
                 <a:srgbClr val="8DBABD"/>
               </a:solidFill>
@@ -4617,7 +6064,7 @@
     </p:spTree>
     <p:extLst>
       <p:ext uri="{BB962C8B-B14F-4D97-AF65-F5344CB8AC3E}">
-        <p14:creationId xmlns:p14="http://schemas.microsoft.com/office/powerpoint/2010/main" val="1849831302"/>
+        <p14:creationId xmlns:p14="http://schemas.microsoft.com/office/powerpoint/2010/main" val="2825203591"/>
       </p:ext>
     </p:extLst>
   </p:cSld>
@@ -4644,16 +6091,225 @@
           <a:chExt cx="0" cy="0"/>
         </a:xfrm>
       </p:grpSpPr>
+      <p:cxnSp>
+        <p:nvCxnSpPr>
+          <p:cNvPr id="14" name="직선 연결선 13"/>
+          <p:cNvCxnSpPr/>
+          <p:nvPr/>
+        </p:nvCxnSpPr>
+        <p:spPr>
+          <a:xfrm>
+            <a:off x="10430892" y="144941"/>
+            <a:ext cx="360000" cy="0"/>
+          </a:xfrm>
+          <a:prstGeom prst="line">
+            <a:avLst/>
+          </a:prstGeom>
+          <a:ln w="44450" cap="rnd">
+            <a:solidFill>
+              <a:srgbClr val="D0CECE"/>
+            </a:solidFill>
+          </a:ln>
+          <a:effectLst>
+            <a:outerShdw blurRad="50800" dist="38100" dir="5400000" algn="t" rotWithShape="0">
+              <a:prstClr val="black">
+                <a:alpha val="40000"/>
+              </a:prstClr>
+            </a:outerShdw>
+          </a:effectLst>
+        </p:spPr>
+        <p:style>
+          <a:lnRef idx="1">
+            <a:schemeClr val="accent1"/>
+          </a:lnRef>
+          <a:fillRef idx="0">
+            <a:schemeClr val="accent1"/>
+          </a:fillRef>
+          <a:effectRef idx="0">
+            <a:schemeClr val="accent1"/>
+          </a:effectRef>
+          <a:fontRef idx="minor">
+            <a:schemeClr val="tx1"/>
+          </a:fontRef>
+        </p:style>
+      </p:cxnSp>
+      <p:cxnSp>
+        <p:nvCxnSpPr>
+          <p:cNvPr id="15" name="직선 연결선 14"/>
+          <p:cNvCxnSpPr/>
+          <p:nvPr/>
+        </p:nvCxnSpPr>
+        <p:spPr>
+          <a:xfrm>
+            <a:off x="10858459" y="144941"/>
+            <a:ext cx="360000" cy="0"/>
+          </a:xfrm>
+          <a:prstGeom prst="line">
+            <a:avLst/>
+          </a:prstGeom>
+          <a:ln w="44450" cap="rnd">
+            <a:solidFill>
+              <a:srgbClr val="8DBABD"/>
+            </a:solidFill>
+          </a:ln>
+          <a:effectLst>
+            <a:outerShdw blurRad="50800" dist="38100" dir="5400000" algn="t" rotWithShape="0">
+              <a:prstClr val="black">
+                <a:alpha val="40000"/>
+              </a:prstClr>
+            </a:outerShdw>
+          </a:effectLst>
+        </p:spPr>
+        <p:style>
+          <a:lnRef idx="1">
+            <a:schemeClr val="accent1"/>
+          </a:lnRef>
+          <a:fillRef idx="0">
+            <a:schemeClr val="accent1"/>
+          </a:fillRef>
+          <a:effectRef idx="0">
+            <a:schemeClr val="accent1"/>
+          </a:effectRef>
+          <a:fontRef idx="minor">
+            <a:schemeClr val="tx1"/>
+          </a:fontRef>
+        </p:style>
+      </p:cxnSp>
+      <p:cxnSp>
+        <p:nvCxnSpPr>
+          <p:cNvPr id="16" name="직선 연결선 15"/>
+          <p:cNvCxnSpPr/>
+          <p:nvPr/>
+        </p:nvCxnSpPr>
+        <p:spPr>
+          <a:xfrm>
+            <a:off x="11286026" y="144941"/>
+            <a:ext cx="360000" cy="0"/>
+          </a:xfrm>
+          <a:prstGeom prst="line">
+            <a:avLst/>
+          </a:prstGeom>
+          <a:ln w="44450" cap="rnd">
+            <a:solidFill>
+              <a:schemeClr val="bg2">
+                <a:lumMod val="90000"/>
+              </a:schemeClr>
+            </a:solidFill>
+          </a:ln>
+          <a:effectLst>
+            <a:outerShdw blurRad="50800" dist="38100" dir="5400000" algn="t" rotWithShape="0">
+              <a:prstClr val="black">
+                <a:alpha val="40000"/>
+              </a:prstClr>
+            </a:outerShdw>
+          </a:effectLst>
+        </p:spPr>
+        <p:style>
+          <a:lnRef idx="1">
+            <a:schemeClr val="accent1"/>
+          </a:lnRef>
+          <a:fillRef idx="0">
+            <a:schemeClr val="accent1"/>
+          </a:fillRef>
+          <a:effectRef idx="0">
+            <a:schemeClr val="accent1"/>
+          </a:effectRef>
+          <a:fontRef idx="minor">
+            <a:schemeClr val="tx1"/>
+          </a:fontRef>
+        </p:style>
+      </p:cxnSp>
+      <p:cxnSp>
+        <p:nvCxnSpPr>
+          <p:cNvPr id="17" name="직선 연결선 16"/>
+          <p:cNvCxnSpPr/>
+          <p:nvPr/>
+        </p:nvCxnSpPr>
+        <p:spPr>
+          <a:xfrm>
+            <a:off x="11713592" y="144941"/>
+            <a:ext cx="360000" cy="0"/>
+          </a:xfrm>
+          <a:prstGeom prst="line">
+            <a:avLst/>
+          </a:prstGeom>
+          <a:ln w="44450" cap="rnd">
+            <a:solidFill>
+              <a:schemeClr val="bg2">
+                <a:lumMod val="90000"/>
+              </a:schemeClr>
+            </a:solidFill>
+          </a:ln>
+          <a:effectLst>
+            <a:outerShdw blurRad="50800" dist="38100" dir="5400000" algn="t" rotWithShape="0">
+              <a:prstClr val="black">
+                <a:alpha val="40000"/>
+              </a:prstClr>
+            </a:outerShdw>
+          </a:effectLst>
+        </p:spPr>
+        <p:style>
+          <a:lnRef idx="1">
+            <a:schemeClr val="accent1"/>
+          </a:lnRef>
+          <a:fillRef idx="0">
+            <a:schemeClr val="accent1"/>
+          </a:fillRef>
+          <a:effectRef idx="0">
+            <a:schemeClr val="accent1"/>
+          </a:effectRef>
+          <a:fontRef idx="minor">
+            <a:schemeClr val="tx1"/>
+          </a:fontRef>
+        </p:style>
+      </p:cxnSp>
+      <p:cxnSp>
+        <p:nvCxnSpPr>
+          <p:cNvPr id="18" name="직선 연결선 17"/>
+          <p:cNvCxnSpPr/>
+          <p:nvPr/>
+        </p:nvCxnSpPr>
+        <p:spPr>
+          <a:xfrm>
+            <a:off x="1026522" y="989148"/>
+            <a:ext cx="2160000" cy="0"/>
+          </a:xfrm>
+          <a:prstGeom prst="line">
+            <a:avLst/>
+          </a:prstGeom>
+          <a:ln>
+            <a:solidFill>
+              <a:schemeClr val="bg1">
+                <a:lumMod val="50000"/>
+              </a:schemeClr>
+            </a:solidFill>
+          </a:ln>
+        </p:spPr>
+        <p:style>
+          <a:lnRef idx="1">
+            <a:schemeClr val="accent1"/>
+          </a:lnRef>
+          <a:fillRef idx="0">
+            <a:schemeClr val="accent1"/>
+          </a:fillRef>
+          <a:effectRef idx="0">
+            <a:schemeClr val="accent1"/>
+          </a:effectRef>
+          <a:fontRef idx="minor">
+            <a:schemeClr val="tx1"/>
+          </a:fontRef>
+        </p:style>
+      </p:cxnSp>
       <p:sp>
         <p:nvSpPr>
-          <p:cNvPr id="2" name="TextBox 1"/>
+          <p:cNvPr id="19" name="TextBox 18"/>
           <p:cNvSpPr txBox="1"/>
           <p:nvPr/>
         </p:nvSpPr>
         <p:spPr>
           <a:xfrm>
-            <a:off x="3868376" y="2447473"/>
-            <a:ext cx="4455259" cy="1200329"/>
+            <a:off x="1174801" y="437393"/>
+            <a:ext cx="1866217" cy="584775"/>
           </a:xfrm>
           <a:prstGeom prst="rect">
             <a:avLst/>
@@ -4668,16 +6324,16 @@
           <a:p>
             <a:pPr algn="ctr"/>
             <a:r>
-              <a:rPr lang="en-US" altLang="ko-KR" sz="7200" spc="-300" dirty="0">
+              <a:rPr lang="en-US" altLang="ko-KR" sz="3200" spc="-150" dirty="0">
                 <a:solidFill>
                   <a:srgbClr val="00002F"/>
                 </a:solidFill>
                 <a:latin typeface="나눔스퀘어 ExtraBold" panose="020B0600000101010101" pitchFamily="50" charset="-127"/>
                 <a:ea typeface="나눔스퀘어 ExtraBold" panose="020B0600000101010101" pitchFamily="50" charset="-127"/>
               </a:rPr>
-              <a:t>Thank you</a:t>
-            </a:r>
-            <a:endParaRPr lang="ko-KR" altLang="en-US" sz="7200" spc="-300" dirty="0">
+              <a:t>Modeling</a:t>
+            </a:r>
+            <a:endParaRPr lang="ko-KR" altLang="en-US" sz="3200" spc="-150" dirty="0">
               <a:solidFill>
                 <a:srgbClr val="00002F"/>
               </a:solidFill>
@@ -4689,58 +6345,322 @@
       </p:sp>
       <p:sp>
         <p:nvSpPr>
-          <p:cNvPr id="3" name="직사각형 2"/>
-          <p:cNvSpPr/>
+          <p:cNvPr id="20" name="TextBox 19"/>
+          <p:cNvSpPr txBox="1"/>
           <p:nvPr/>
         </p:nvSpPr>
         <p:spPr>
           <a:xfrm>
-            <a:off x="4000499" y="3591816"/>
-            <a:ext cx="4200071" cy="391195"/>
+            <a:off x="455532" y="498947"/>
+            <a:ext cx="614271" cy="461665"/>
           </a:xfrm>
           <a:prstGeom prst="rect">
             <a:avLst/>
           </a:prstGeom>
-          <a:solidFill>
-            <a:srgbClr val="8DBABD"/>
-          </a:solidFill>
-          <a:ln>
-            <a:solidFill>
-              <a:srgbClr val="8DBABD"/>
-            </a:solidFill>
-          </a:ln>
-        </p:spPr>
-        <p:style>
-          <a:lnRef idx="2">
-            <a:schemeClr val="accent1">
-              <a:shade val="50000"/>
-            </a:schemeClr>
-          </a:lnRef>
-          <a:fillRef idx="1">
-            <a:schemeClr val="accent1"/>
-          </a:fillRef>
-          <a:effectRef idx="0">
-            <a:schemeClr val="accent1"/>
-          </a:effectRef>
-          <a:fontRef idx="minor">
-            <a:schemeClr val="lt1"/>
-          </a:fontRef>
-        </p:style>
+          <a:noFill/>
+        </p:spPr>
         <p:txBody>
-          <a:bodyPr rtlCol="0" anchor="ctr"/>
+          <a:bodyPr wrap="none" rtlCol="0">
+            <a:spAutoFit/>
+          </a:bodyPr>
           <a:lstStyle/>
           <a:p>
             <a:pPr algn="ctr"/>
             <a:r>
-              <a:rPr lang="ko-KR" altLang="en-US" dirty="0" err="1">
-                <a:latin typeface="나눔스퀘어 Bold" panose="020B0600000101010101" pitchFamily="50" charset="-127"/>
-                <a:ea typeface="나눔스퀘어 Bold" panose="020B0600000101010101" pitchFamily="50" charset="-127"/>
-              </a:rPr>
-              <a:t>나눔스퀘어</a:t>
-            </a:r>
-            <a:endParaRPr lang="ko-KR" altLang="en-US" dirty="0">
-              <a:latin typeface="나눔스퀘어 Bold" panose="020B0600000101010101" pitchFamily="50" charset="-127"/>
-              <a:ea typeface="나눔스퀘어 Bold" panose="020B0600000101010101" pitchFamily="50" charset="-127"/>
+              <a:rPr lang="en-US" altLang="ko-KR" sz="2400" spc="-150" dirty="0">
+                <a:solidFill>
+                  <a:srgbClr val="00002F"/>
+                </a:solidFill>
+                <a:latin typeface="나눔스퀘어 ExtraBold" panose="020B0600000101010101" pitchFamily="50" charset="-127"/>
+                <a:ea typeface="나눔스퀘어 ExtraBold" panose="020B0600000101010101" pitchFamily="50" charset="-127"/>
+              </a:rPr>
+              <a:t>02.</a:t>
+            </a:r>
+            <a:endParaRPr lang="ko-KR" altLang="en-US" sz="2400" spc="-150" dirty="0">
+              <a:solidFill>
+                <a:srgbClr val="00002F"/>
+              </a:solidFill>
+              <a:latin typeface="나눔스퀘어 ExtraBold" panose="020B0600000101010101" pitchFamily="50" charset="-127"/>
+              <a:ea typeface="나눔스퀘어 ExtraBold" panose="020B0600000101010101" pitchFamily="50" charset="-127"/>
+            </a:endParaRPr>
+          </a:p>
+        </p:txBody>
+      </p:sp>
+      <p:sp>
+        <p:nvSpPr>
+          <p:cNvPr id="21" name="TextBox 20"/>
+          <p:cNvSpPr txBox="1"/>
+          <p:nvPr/>
+        </p:nvSpPr>
+        <p:spPr>
+          <a:xfrm>
+            <a:off x="1069803" y="1006929"/>
+            <a:ext cx="2160000" cy="369332"/>
+          </a:xfrm>
+          <a:prstGeom prst="rect">
+            <a:avLst/>
+          </a:prstGeom>
+          <a:noFill/>
+        </p:spPr>
+        <p:txBody>
+          <a:bodyPr wrap="square" rtlCol="0">
+            <a:spAutoFit/>
+          </a:bodyPr>
+          <a:lstStyle/>
+          <a:p>
+            <a:r>
+              <a:rPr lang="en-US" altLang="ko-KR" spc="-150" dirty="0">
+                <a:solidFill>
+                  <a:srgbClr val="00002F"/>
+                </a:solidFill>
+                <a:latin typeface="나눔스퀘어 ExtraBold" panose="020B0600000101010101" pitchFamily="50" charset="-127"/>
+                <a:ea typeface="나눔스퀘어 ExtraBold" panose="020B0600000101010101" pitchFamily="50" charset="-127"/>
+              </a:rPr>
+              <a:t>design</a:t>
+            </a:r>
+            <a:endParaRPr lang="ko-KR" altLang="en-US" spc="-150" dirty="0">
+              <a:solidFill>
+                <a:srgbClr val="00002F"/>
+              </a:solidFill>
+              <a:latin typeface="나눔스퀘어 ExtraBold" panose="020B0600000101010101" pitchFamily="50" charset="-127"/>
+              <a:ea typeface="나눔스퀘어 ExtraBold" panose="020B0600000101010101" pitchFamily="50" charset="-127"/>
+            </a:endParaRPr>
+          </a:p>
+        </p:txBody>
+      </p:sp>
+      <p:sp>
+        <p:nvSpPr>
+          <p:cNvPr id="12" name="TextBox 11">
+            <a:extLst>
+              <a:ext uri="{FF2B5EF4-FFF2-40B4-BE49-F238E27FC236}">
+                <a16:creationId xmlns:a16="http://schemas.microsoft.com/office/drawing/2014/main" id="{3017432A-E5D9-4291-9852-0DF4EB966D44}"/>
+              </a:ext>
+            </a:extLst>
+          </p:cNvPr>
+          <p:cNvSpPr txBox="1"/>
+          <p:nvPr/>
+        </p:nvSpPr>
+        <p:spPr>
+          <a:xfrm>
+            <a:off x="2363455" y="4694106"/>
+            <a:ext cx="3402002" cy="400110"/>
+          </a:xfrm>
+          <a:prstGeom prst="rect">
+            <a:avLst/>
+          </a:prstGeom>
+          <a:noFill/>
+        </p:spPr>
+        <p:txBody>
+          <a:bodyPr wrap="square" rtlCol="0">
+            <a:spAutoFit/>
+          </a:bodyPr>
+          <a:lstStyle/>
+          <a:p>
+            <a:r>
+              <a:rPr lang="en-US" altLang="ko-KR" sz="2000" spc="-150" dirty="0">
+                <a:solidFill>
+                  <a:srgbClr val="8DBABD"/>
+                </a:solidFill>
+                <a:latin typeface="나눔스퀘어 ExtraBold" panose="020B0600000101010101" pitchFamily="50" charset="-127"/>
+                <a:ea typeface="나눔스퀘어 ExtraBold" panose="020B0600000101010101" pitchFamily="50" charset="-127"/>
+              </a:rPr>
+              <a:t>Minimum Spanning Tree(MST)</a:t>
+            </a:r>
+            <a:endParaRPr lang="ko-KR" altLang="en-US" sz="2000" spc="-150" dirty="0">
+              <a:solidFill>
+                <a:srgbClr val="8DBABD"/>
+              </a:solidFill>
+              <a:latin typeface="나눔스퀘어 ExtraBold" panose="020B0600000101010101" pitchFamily="50" charset="-127"/>
+              <a:ea typeface="나눔스퀘어 ExtraBold" panose="020B0600000101010101" pitchFamily="50" charset="-127"/>
+            </a:endParaRPr>
+          </a:p>
+        </p:txBody>
+      </p:sp>
+      <p:pic>
+        <p:nvPicPr>
+          <p:cNvPr id="3" name="그림 2">
+            <a:extLst>
+              <a:ext uri="{FF2B5EF4-FFF2-40B4-BE49-F238E27FC236}">
+                <a16:creationId xmlns:a16="http://schemas.microsoft.com/office/drawing/2014/main" id="{70D422D6-548D-410F-97D4-1EC45F54F2DA}"/>
+              </a:ext>
+            </a:extLst>
+          </p:cNvPr>
+          <p:cNvPicPr>
+            <a:picLocks noChangeAspect="1"/>
+          </p:cNvPicPr>
+          <p:nvPr/>
+        </p:nvPicPr>
+        <p:blipFill>
+          <a:blip r:embed="rId2">
+            <a:extLst>
+              <a:ext uri="{28A0092B-C50C-407E-A947-70E740481C1C}">
+                <a14:useLocalDpi xmlns:a14="http://schemas.microsoft.com/office/drawing/2010/main" val="0"/>
+              </a:ext>
+            </a:extLst>
+          </a:blip>
+          <a:stretch>
+            <a:fillRect/>
+          </a:stretch>
+        </p:blipFill>
+        <p:spPr>
+          <a:xfrm>
+            <a:off x="1526786" y="2469095"/>
+            <a:ext cx="4689445" cy="1848664"/>
+          </a:xfrm>
+          <a:prstGeom prst="rect">
+            <a:avLst/>
+          </a:prstGeom>
+        </p:spPr>
+      </p:pic>
+      <p:pic>
+        <p:nvPicPr>
+          <p:cNvPr id="5" name="그림 4">
+            <a:extLst>
+              <a:ext uri="{FF2B5EF4-FFF2-40B4-BE49-F238E27FC236}">
+                <a16:creationId xmlns:a16="http://schemas.microsoft.com/office/drawing/2014/main" id="{50F5E739-DA0E-4275-B172-404F2828B774}"/>
+              </a:ext>
+            </a:extLst>
+          </p:cNvPr>
+          <p:cNvPicPr>
+            <a:picLocks noChangeAspect="1"/>
+          </p:cNvPicPr>
+          <p:nvPr/>
+        </p:nvPicPr>
+        <p:blipFill>
+          <a:blip r:embed="rId3">
+            <a:extLst>
+              <a:ext uri="{28A0092B-C50C-407E-A947-70E740481C1C}">
+                <a14:useLocalDpi xmlns:a14="http://schemas.microsoft.com/office/drawing/2010/main" val="0"/>
+              </a:ext>
+            </a:extLst>
+          </a:blip>
+          <a:stretch>
+            <a:fillRect/>
+          </a:stretch>
+        </p:blipFill>
+        <p:spPr>
+          <a:xfrm>
+            <a:off x="7731639" y="2482931"/>
+            <a:ext cx="2566956" cy="1892138"/>
+          </a:xfrm>
+          <a:prstGeom prst="rect">
+            <a:avLst/>
+          </a:prstGeom>
+        </p:spPr>
+      </p:pic>
+      <p:sp>
+        <p:nvSpPr>
+          <p:cNvPr id="22" name="TextBox 21">
+            <a:extLst>
+              <a:ext uri="{FF2B5EF4-FFF2-40B4-BE49-F238E27FC236}">
+                <a16:creationId xmlns:a16="http://schemas.microsoft.com/office/drawing/2014/main" id="{30B8DFD2-CFD0-4587-BB31-D7D6D141A365}"/>
+              </a:ext>
+            </a:extLst>
+          </p:cNvPr>
+          <p:cNvSpPr txBox="1"/>
+          <p:nvPr/>
+        </p:nvSpPr>
+        <p:spPr>
+          <a:xfrm>
+            <a:off x="7599341" y="4694106"/>
+            <a:ext cx="2831551" cy="400110"/>
+          </a:xfrm>
+          <a:prstGeom prst="rect">
+            <a:avLst/>
+          </a:prstGeom>
+          <a:noFill/>
+        </p:spPr>
+        <p:txBody>
+          <a:bodyPr wrap="square" rtlCol="0">
+            <a:spAutoFit/>
+          </a:bodyPr>
+          <a:lstStyle/>
+          <a:p>
+            <a:r>
+              <a:rPr lang="en-US" altLang="ko-KR" sz="2000" spc="-150" dirty="0">
+                <a:solidFill>
+                  <a:srgbClr val="8DBABD"/>
+                </a:solidFill>
+                <a:latin typeface="나눔스퀘어 ExtraBold" panose="020B0600000101010101" pitchFamily="50" charset="-127"/>
+                <a:ea typeface="나눔스퀘어 ExtraBold" panose="020B0600000101010101" pitchFamily="50" charset="-127"/>
+              </a:rPr>
+              <a:t>Depth First Search(DFS)</a:t>
+            </a:r>
+            <a:endParaRPr lang="ko-KR" altLang="en-US" sz="2000" spc="-150" dirty="0">
+              <a:solidFill>
+                <a:srgbClr val="8DBABD"/>
+              </a:solidFill>
+              <a:latin typeface="나눔스퀘어 ExtraBold" panose="020B0600000101010101" pitchFamily="50" charset="-127"/>
+              <a:ea typeface="나눔스퀘어 ExtraBold" panose="020B0600000101010101" pitchFamily="50" charset="-127"/>
+            </a:endParaRPr>
+          </a:p>
+        </p:txBody>
+      </p:sp>
+      <p:sp>
+        <p:nvSpPr>
+          <p:cNvPr id="23" name="TextBox 22">
+            <a:extLst>
+              <a:ext uri="{FF2B5EF4-FFF2-40B4-BE49-F238E27FC236}">
+                <a16:creationId xmlns:a16="http://schemas.microsoft.com/office/drawing/2014/main" id="{1E14A127-3621-4A8F-98EC-8FCDE8EDDFA2}"/>
+              </a:ext>
+            </a:extLst>
+          </p:cNvPr>
+          <p:cNvSpPr txBox="1"/>
+          <p:nvPr/>
+        </p:nvSpPr>
+        <p:spPr>
+          <a:xfrm>
+            <a:off x="2363455" y="5010483"/>
+            <a:ext cx="3402002" cy="400110"/>
+          </a:xfrm>
+          <a:prstGeom prst="rect">
+            <a:avLst/>
+          </a:prstGeom>
+          <a:noFill/>
+        </p:spPr>
+        <p:txBody>
+          <a:bodyPr wrap="square" rtlCol="0">
+            <a:spAutoFit/>
+          </a:bodyPr>
+          <a:lstStyle/>
+          <a:p>
+            <a:pPr algn="ctr"/>
+            <a:r>
+              <a:rPr lang="en-US" altLang="ko-KR" sz="2000" spc="-150" dirty="0">
+                <a:solidFill>
+                  <a:srgbClr val="8DBABD"/>
+                </a:solidFill>
+                <a:latin typeface="나눔스퀘어 ExtraBold" panose="020B0600000101010101" pitchFamily="50" charset="-127"/>
+                <a:ea typeface="나눔스퀘어 ExtraBold" panose="020B0600000101010101" pitchFamily="50" charset="-127"/>
+              </a:rPr>
+              <a:t>(Kruskal</a:t>
+            </a:r>
+            <a:r>
+              <a:rPr lang="ko-KR" altLang="en-US" sz="2000" spc="-150" dirty="0">
+                <a:solidFill>
+                  <a:srgbClr val="8DBABD"/>
+                </a:solidFill>
+                <a:latin typeface="나눔스퀘어 ExtraBold" panose="020B0600000101010101" pitchFamily="50" charset="-127"/>
+                <a:ea typeface="나눔스퀘어 ExtraBold" panose="020B0600000101010101" pitchFamily="50" charset="-127"/>
+              </a:rPr>
+              <a:t> </a:t>
+            </a:r>
+            <a:r>
+              <a:rPr lang="en-US" altLang="ko-KR" sz="2000" spc="-150" dirty="0">
+                <a:solidFill>
+                  <a:srgbClr val="8DBABD"/>
+                </a:solidFill>
+                <a:latin typeface="나눔스퀘어 ExtraBold" panose="020B0600000101010101" pitchFamily="50" charset="-127"/>
+                <a:ea typeface="나눔스퀘어 ExtraBold" panose="020B0600000101010101" pitchFamily="50" charset="-127"/>
+              </a:rPr>
+              <a:t>algorithm)</a:t>
+            </a:r>
+            <a:endParaRPr lang="ko-KR" altLang="en-US" sz="2000" spc="-150" dirty="0">
+              <a:solidFill>
+                <a:srgbClr val="8DBABD"/>
+              </a:solidFill>
+              <a:latin typeface="나눔스퀘어 ExtraBold" panose="020B0600000101010101" pitchFamily="50" charset="-127"/>
+              <a:ea typeface="나눔스퀘어 ExtraBold" panose="020B0600000101010101" pitchFamily="50" charset="-127"/>
             </a:endParaRPr>
           </a:p>
         </p:txBody>
@@ -4748,7 +6668,7 @@
     </p:spTree>
     <p:extLst>
       <p:ext uri="{BB962C8B-B14F-4D97-AF65-F5344CB8AC3E}">
-        <p14:creationId xmlns:p14="http://schemas.microsoft.com/office/powerpoint/2010/main" val="4116967652"/>
+        <p14:creationId xmlns:p14="http://schemas.microsoft.com/office/powerpoint/2010/main" val="1849831302"/>
       </p:ext>
     </p:extLst>
   </p:cSld>

--- a/자료구조설계.pptx
+++ b/자료구조설계.pptx
@@ -2873,11 +2873,18 @@
           <a:p>
             <a:pPr algn="ctr"/>
             <a:r>
-              <a:rPr lang="ko-KR" altLang="en-US" dirty="0" err="1">
+              <a:rPr lang="ko-KR" altLang="en-US" dirty="0">
                 <a:latin typeface="나눔스퀘어 Bold" panose="020B0600000101010101" pitchFamily="50" charset="-127"/>
                 <a:ea typeface="나눔스퀘어 Bold" panose="020B0600000101010101" pitchFamily="50" charset="-127"/>
               </a:rPr>
-              <a:t>나눔스퀘어</a:t>
+              <a:t>감사합니다</a:t>
+            </a:r>
+            <a:r>
+              <a:rPr lang="en-US" altLang="ko-KR" dirty="0">
+                <a:latin typeface="나눔스퀘어 Bold" panose="020B0600000101010101" pitchFamily="50" charset="-127"/>
+                <a:ea typeface="나눔스퀘어 Bold" panose="020B0600000101010101" pitchFamily="50" charset="-127"/>
+              </a:rPr>
+              <a:t>.</a:t>
             </a:r>
             <a:endParaRPr lang="ko-KR" altLang="en-US" dirty="0">
               <a:latin typeface="나눔스퀘어 Bold" panose="020B0600000101010101" pitchFamily="50" charset="-127"/>
@@ -6491,7 +6498,7 @@
           <p:nvPr/>
         </p:nvPicPr>
         <p:blipFill>
-          <a:blip r:embed="rId2">
+          <a:blip r:embed="rId2" cstate="print">
             <a:extLst>
               <a:ext uri="{28A0092B-C50C-407E-A947-70E740481C1C}">
                 <a14:useLocalDpi xmlns:a14="http://schemas.microsoft.com/office/drawing/2010/main" val="0"/>

--- a/자료구조설계.pptx
+++ b/자료구조설계.pptx
@@ -5900,7 +5900,47 @@
                 <a:latin typeface="나눔스퀘어 ExtraBold" panose="020B0600000101010101" pitchFamily="50" charset="-127"/>
                 <a:ea typeface="나눔스퀘어 ExtraBold" panose="020B0600000101010101" pitchFamily="50" charset="-127"/>
               </a:rPr>
-              <a:t>또는 시간대 별 유동인구 수 차이로 </a:t>
+              <a:t>시간대 별 유동인구 수  또는 밤</a:t>
+            </a:r>
+            <a:r>
+              <a:rPr lang="en-US" altLang="ko-KR" sz="2000" spc="-150" dirty="0">
+                <a:solidFill>
+                  <a:srgbClr val="8DBABD"/>
+                </a:solidFill>
+                <a:latin typeface="나눔스퀘어 ExtraBold" panose="020B0600000101010101" pitchFamily="50" charset="-127"/>
+                <a:ea typeface="나눔스퀘어 ExtraBold" panose="020B0600000101010101" pitchFamily="50" charset="-127"/>
+              </a:rPr>
+              <a:t>/</a:t>
+            </a:r>
+            <a:r>
+              <a:rPr lang="ko-KR" altLang="en-US" sz="2000" spc="-150" dirty="0">
+                <a:solidFill>
+                  <a:srgbClr val="8DBABD"/>
+                </a:solidFill>
+                <a:latin typeface="나눔스퀘어 ExtraBold" panose="020B0600000101010101" pitchFamily="50" charset="-127"/>
+                <a:ea typeface="나눔스퀘어 ExtraBold" panose="020B0600000101010101" pitchFamily="50" charset="-127"/>
+              </a:rPr>
+              <a:t>낮</a:t>
+            </a:r>
+            <a:r>
+              <a:rPr lang="en-US" altLang="ko-KR" sz="2000" spc="-150" dirty="0">
+                <a:solidFill>
+                  <a:srgbClr val="8DBABD"/>
+                </a:solidFill>
+                <a:latin typeface="나눔스퀘어 ExtraBold" panose="020B0600000101010101" pitchFamily="50" charset="-127"/>
+                <a:ea typeface="나눔스퀘어 ExtraBold" panose="020B0600000101010101" pitchFamily="50" charset="-127"/>
+              </a:rPr>
+              <a:t>, </a:t>
+            </a:r>
+            <a:r>
+              <a:rPr lang="ko-KR" altLang="en-US" sz="2000" spc="-150" dirty="0">
+                <a:solidFill>
+                  <a:srgbClr val="8DBABD"/>
+                </a:solidFill>
+                <a:latin typeface="나눔스퀘어 ExtraBold" panose="020B0600000101010101" pitchFamily="50" charset="-127"/>
+                <a:ea typeface="나눔스퀘어 ExtraBold" panose="020B0600000101010101" pitchFamily="50" charset="-127"/>
+              </a:rPr>
+              <a:t>계절간 의 차이로 </a:t>
             </a:r>
             <a:r>
               <a:rPr lang="en-US" altLang="ko-KR" sz="2000" spc="-150" dirty="0">
